--- a/第8章 字符串/第8章 字符串.pptx
+++ b/第8章 字符串/第8章 字符串.pptx
@@ -2,11 +2,30 @@
 <file path=ppt/presentation.xml><?xml version="1.0" encoding="utf-8"?>
 <p:presentation xmlns:a="http://schemas.openxmlformats.org/drawingml/2006/main" xmlns:r="http://schemas.openxmlformats.org/officeDocument/2006/relationships" xmlns:p="http://schemas.openxmlformats.org/presentationml/2006/main" saveSubsetFonts="1">
   <p:sldMasterIdLst>
-    <p:sldMasterId id="2147483648" r:id="rId1"/>
+    <p:sldMasterId id="2147483660" r:id="rId1"/>
   </p:sldMasterIdLst>
   <p:sldIdLst>
     <p:sldId id="256" r:id="rId2"/>
     <p:sldId id="257" r:id="rId3"/>
+    <p:sldId id="258" r:id="rId4"/>
+    <p:sldId id="259" r:id="rId5"/>
+    <p:sldId id="260" r:id="rId6"/>
+    <p:sldId id="261" r:id="rId7"/>
+    <p:sldId id="262" r:id="rId8"/>
+    <p:sldId id="263" r:id="rId9"/>
+    <p:sldId id="264" r:id="rId10"/>
+    <p:sldId id="265" r:id="rId11"/>
+    <p:sldId id="266" r:id="rId12"/>
+    <p:sldId id="267" r:id="rId13"/>
+    <p:sldId id="268" r:id="rId14"/>
+    <p:sldId id="269" r:id="rId15"/>
+    <p:sldId id="270" r:id="rId16"/>
+    <p:sldId id="271" r:id="rId17"/>
+    <p:sldId id="272" r:id="rId18"/>
+    <p:sldId id="273" r:id="rId19"/>
+    <p:sldId id="274" r:id="rId20"/>
+    <p:sldId id="275" r:id="rId21"/>
+    <p:sldId id="276" r:id="rId22"/>
   </p:sldIdLst>
   <p:sldSz cx="9144000" cy="5143500" type="screen16x9"/>
   <p:notesSz cx="6858000" cy="9144000"/>
@@ -111,6 +130,11 @@
 <file path=ppt/slideLayouts/slideLayout1.xml><?xml version="1.0" encoding="utf-8"?>
 <p:sldLayout xmlns:a="http://schemas.openxmlformats.org/drawingml/2006/main" xmlns:r="http://schemas.openxmlformats.org/officeDocument/2006/relationships" xmlns:p="http://schemas.openxmlformats.org/presentationml/2006/main" type="title" preserve="1">
   <p:cSld name="标题幻灯片">
+    <p:bg>
+      <p:bgRef idx="1003">
+        <a:schemeClr val="bg2"/>
+      </p:bgRef>
+    </p:bg>
     <p:spTree>
       <p:nvGrpSpPr>
         <p:cNvPr id="1" name=""/>
@@ -125,31 +149,69 @@
           <a:chExt cx="0" cy="0"/>
         </a:xfrm>
       </p:grpSpPr>
-      <p:sp>
-        <p:nvSpPr>
-          <p:cNvPr id="2" name="标题 1"/>
-          <p:cNvSpPr>
-            <a:spLocks noGrp="1"/>
-          </p:cNvSpPr>
-          <p:nvPr>
-            <p:ph type="ctrTitle"/>
-          </p:nvPr>
-        </p:nvSpPr>
+      <p:pic>
+        <p:nvPicPr>
+          <p:cNvPr id="9" name="图片 8"/>
+          <p:cNvPicPr>
+            <a:picLocks noChangeAspect="1"/>
+          </p:cNvPicPr>
+          <p:nvPr/>
+        </p:nvPicPr>
+        <p:blipFill>
+          <a:blip r:embed="rId2">
+            <a:duotone>
+              <a:schemeClr val="bg2"/>
+              <a:srgbClr val="FFF1C1"/>
+            </a:duotone>
+            <a:lum bright="-10000" contrast="-40000"/>
+          </a:blip>
+          <a:stretch>
+            <a:fillRect/>
+          </a:stretch>
+        </p:blipFill>
         <p:spPr>
           <a:xfrm>
-            <a:off x="685800" y="1597819"/>
+            <a:off x="2" y="3911212"/>
+            <a:ext cx="1472173" cy="1232288"/>
+          </a:xfrm>
+          <a:prstGeom prst="rect">
+            <a:avLst/>
+          </a:prstGeom>
+          <a:noFill/>
+          <a:ln>
+            <a:noFill/>
+          </a:ln>
+        </p:spPr>
+      </p:pic>
+      <p:sp>
+        <p:nvSpPr>
+          <p:cNvPr id="2" name="标题 1"/>
+          <p:cNvSpPr>
+            <a:spLocks noGrp="1"/>
+          </p:cNvSpPr>
+          <p:nvPr>
+            <p:ph type="ctrTitle"/>
+          </p:nvPr>
+        </p:nvSpPr>
+        <p:spPr>
+          <a:xfrm>
+            <a:off x="685800" y="910817"/>
             <a:ext cx="7772400" cy="1102519"/>
           </a:xfrm>
         </p:spPr>
         <p:txBody>
           <a:bodyPr/>
-          <a:lstStyle/>
-          <a:p>
-            <a:r>
-              <a:rPr lang="zh-CN" altLang="en-US" smtClean="0"/>
+          <a:lstStyle>
+            <a:lvl1pPr algn="ctr">
+              <a:defRPr sz="4800"/>
+            </a:lvl1pPr>
+          </a:lstStyle>
+          <a:p>
+            <a:r>
+              <a:rPr kumimoji="0" lang="zh-CN" altLang="en-US" smtClean="0"/>
               <a:t>单击此处编辑母版标题样式</a:t>
             </a:r>
-            <a:endParaRPr lang="zh-CN" altLang="en-US"/>
+            <a:endParaRPr kumimoji="0" lang="en-US"/>
           </a:p>
         </p:txBody>
       </p:sp>
@@ -165,21 +227,17 @@
         </p:nvSpPr>
         <p:spPr>
           <a:xfrm>
-            <a:off x="1371600" y="2914650"/>
-            <a:ext cx="6400800" cy="1314450"/>
+            <a:off x="1521733" y="2069686"/>
+            <a:ext cx="6100534" cy="1305742"/>
           </a:xfrm>
         </p:spPr>
         <p:txBody>
-          <a:bodyPr/>
+          <a:bodyPr anchor="t"/>
           <a:lstStyle>
             <a:lvl1pPr marL="0" indent="0" algn="ctr">
               <a:buNone/>
-              <a:defRPr>
-                <a:solidFill>
-                  <a:schemeClr val="tx1">
-                    <a:tint val="75000"/>
-                  </a:schemeClr>
-                </a:solidFill>
+              <a:defRPr lang="zh-CN" altLang="en-US" dirty="0">
+                <a:effectLst/>
               </a:defRPr>
             </a:lvl1pPr>
             <a:lvl2pPr marL="457200" indent="0" algn="ctr">
@@ -265,10 +323,10 @@
           </a:lstStyle>
           <a:p>
             <a:r>
-              <a:rPr lang="zh-CN" altLang="en-US" smtClean="0"/>
+              <a:rPr kumimoji="0" lang="zh-CN" altLang="en-US" smtClean="0"/>
               <a:t>单击此处编辑母版副标题样式</a:t>
             </a:r>
-            <a:endParaRPr lang="zh-CN" altLang="en-US"/>
+            <a:endParaRPr kumimoji="0" lang="en-US"/>
           </a:p>
         </p:txBody>
       </p:sp>
@@ -289,7 +347,7 @@
           <a:p>
             <a:fld id="{530820CF-B880-4189-942D-D702A7CBA730}" type="datetimeFigureOut">
               <a:rPr lang="zh-CN" altLang="en-US" smtClean="0"/>
-              <a:t>2018/1/30</a:t>
+              <a:t>2018/5/17</a:t>
             </a:fld>
             <a:endParaRPr lang="zh-CN" altLang="en-US"/>
           </a:p>
@@ -340,7 +398,7 @@
     </p:spTree>
   </p:cSld>
   <p:clrMapOvr>
-    <a:masterClrMapping/>
+    <a:overrideClrMapping bg1="dk1" tx1="lt1" bg2="dk2" tx2="lt2" accent1="accent1" accent2="accent2" accent3="accent3" accent4="accent4" accent5="accent5" accent6="accent6" hlink="hlink" folHlink="folHlink"/>
   </p:clrMapOvr>
 </p:sldLayout>
 </file>
@@ -364,6 +422,54 @@
       </p:grpSpPr>
       <p:sp>
         <p:nvSpPr>
+          <p:cNvPr id="7" name="矩形 6"/>
+          <p:cNvSpPr/>
+          <p:nvPr/>
+        </p:nvSpPr>
+        <p:spPr>
+          <a:xfrm>
+            <a:off x="0" y="0"/>
+            <a:ext cx="669600" cy="5143500"/>
+          </a:xfrm>
+          <a:prstGeom prst="rect">
+            <a:avLst/>
+          </a:prstGeom>
+          <a:blipFill>
+            <a:blip r:embed="rId2">
+              <a:alphaModFix amt="40000"/>
+            </a:blip>
+            <a:tile tx="0" ty="0" sx="50000" sy="50000" flip="x" algn="tl"/>
+          </a:blipFill>
+          <a:ln w="25400" cap="rnd" cmpd="sng" algn="ctr">
+            <a:noFill/>
+            <a:prstDash val="solid"/>
+          </a:ln>
+        </p:spPr>
+        <p:style>
+          <a:lnRef idx="2">
+            <a:schemeClr val="accent1"/>
+          </a:lnRef>
+          <a:fillRef idx="1">
+            <a:schemeClr val="accent1"/>
+          </a:fillRef>
+          <a:effectRef idx="0">
+            <a:schemeClr val="accent1"/>
+          </a:effectRef>
+          <a:fontRef idx="minor">
+            <a:schemeClr val="lt1"/>
+          </a:fontRef>
+        </p:style>
+        <p:txBody>
+          <a:bodyPr rtlCol="0" anchor="ctr"/>
+          <a:lstStyle/>
+          <a:p>
+            <a:pPr algn="ctr" eaLnBrk="1" latinLnBrk="0" hangingPunct="1"/>
+            <a:endParaRPr kumimoji="0" lang="zh-CN" altLang="en-US"/>
+          </a:p>
+        </p:txBody>
+      </p:sp>
+      <p:sp>
+        <p:nvSpPr>
           <p:cNvPr id="2" name="标题 1"/>
           <p:cNvSpPr>
             <a:spLocks noGrp="1"/>
@@ -375,13 +481,17 @@
         <p:spPr/>
         <p:txBody>
           <a:bodyPr/>
-          <a:lstStyle/>
-          <a:p>
-            <a:r>
-              <a:rPr lang="zh-CN" altLang="en-US" smtClean="0"/>
+          <a:lstStyle>
+            <a:lvl1pPr algn="r">
+              <a:defRPr/>
+            </a:lvl1pPr>
+          </a:lstStyle>
+          <a:p>
+            <a:r>
+              <a:rPr kumimoji="0" lang="zh-CN" altLang="en-US" smtClean="0"/>
               <a:t>单击此处编辑母版标题样式</a:t>
             </a:r>
-            <a:endParaRPr lang="zh-CN" altLang="en-US"/>
+            <a:endParaRPr kumimoji="0" lang="en-US"/>
           </a:p>
         </p:txBody>
       </p:sp>
@@ -395,45 +505,50 @@
             <p:ph type="body" orient="vert" idx="1"/>
           </p:nvPr>
         </p:nvSpPr>
-        <p:spPr/>
+        <p:spPr>
+          <a:xfrm>
+            <a:off x="457200" y="1125133"/>
+            <a:ext cx="8229600" cy="3536180"/>
+          </a:xfrm>
+        </p:spPr>
         <p:txBody>
           <a:bodyPr vert="eaVert"/>
           <a:lstStyle/>
           <a:p>
-            <a:pPr lvl="0"/>
+            <a:pPr lvl="0" eaLnBrk="1" latinLnBrk="0" hangingPunct="1"/>
             <a:r>
               <a:rPr lang="zh-CN" altLang="en-US" smtClean="0"/>
               <a:t>单击此处编辑母版文本样式</a:t>
             </a:r>
           </a:p>
           <a:p>
-            <a:pPr lvl="1"/>
+            <a:pPr lvl="1" eaLnBrk="1" latinLnBrk="0" hangingPunct="1"/>
             <a:r>
               <a:rPr lang="zh-CN" altLang="en-US" smtClean="0"/>
               <a:t>第二级</a:t>
             </a:r>
           </a:p>
           <a:p>
-            <a:pPr lvl="2"/>
+            <a:pPr lvl="2" eaLnBrk="1" latinLnBrk="0" hangingPunct="1"/>
             <a:r>
               <a:rPr lang="zh-CN" altLang="en-US" smtClean="0"/>
               <a:t>第三级</a:t>
             </a:r>
           </a:p>
           <a:p>
-            <a:pPr lvl="3"/>
+            <a:pPr lvl="3" eaLnBrk="1" latinLnBrk="0" hangingPunct="1"/>
             <a:r>
               <a:rPr lang="zh-CN" altLang="en-US" smtClean="0"/>
               <a:t>第四级</a:t>
             </a:r>
           </a:p>
           <a:p>
-            <a:pPr lvl="4"/>
+            <a:pPr lvl="4" eaLnBrk="1" latinLnBrk="0" hangingPunct="1"/>
             <a:r>
               <a:rPr lang="zh-CN" altLang="en-US" smtClean="0"/>
               <a:t>第五级</a:t>
             </a:r>
-            <a:endParaRPr lang="zh-CN" altLang="en-US"/>
+            <a:endParaRPr kumimoji="0" lang="en-US"/>
           </a:p>
         </p:txBody>
       </p:sp>
@@ -454,7 +569,7 @@
           <a:p>
             <a:fld id="{530820CF-B880-4189-942D-D702A7CBA730}" type="datetimeFigureOut">
               <a:rPr lang="zh-CN" altLang="en-US" smtClean="0"/>
-              <a:t>2018/1/30</a:t>
+              <a:t>2018/5/17</a:t>
             </a:fld>
             <a:endParaRPr lang="zh-CN" altLang="en-US"/>
           </a:p>
@@ -502,6 +617,39 @@
           </a:p>
         </p:txBody>
       </p:sp>
+      <p:pic>
+        <p:nvPicPr>
+          <p:cNvPr id="8" name="图片 7"/>
+          <p:cNvPicPr>
+            <a:picLocks noChangeAspect="1"/>
+          </p:cNvPicPr>
+          <p:nvPr/>
+        </p:nvPicPr>
+        <p:blipFill>
+          <a:blip r:embed="rId3">
+            <a:duotone>
+              <a:schemeClr val="bg2"/>
+              <a:srgbClr val="FFF1C1"/>
+            </a:duotone>
+          </a:blip>
+          <a:stretch>
+            <a:fillRect/>
+          </a:stretch>
+        </p:blipFill>
+        <p:spPr>
+          <a:xfrm>
+            <a:off x="8135908" y="0"/>
+            <a:ext cx="1008093" cy="1071552"/>
+          </a:xfrm>
+          <a:prstGeom prst="rect">
+            <a:avLst/>
+          </a:prstGeom>
+          <a:noFill/>
+          <a:ln>
+            <a:noFill/>
+          </a:ln>
+        </p:spPr>
+      </p:pic>
     </p:spTree>
   </p:cSld>
   <p:clrMapOvr>
@@ -529,29 +677,89 @@
       </p:grpSpPr>
       <p:sp>
         <p:nvSpPr>
-          <p:cNvPr id="2" name="竖排标题 1"/>
-          <p:cNvSpPr>
-            <a:spLocks noGrp="1"/>
-          </p:cNvSpPr>
-          <p:nvPr>
-            <p:ph type="title" orient="vert"/>
-          </p:nvPr>
+          <p:cNvPr id="7" name="矩形 6"/>
+          <p:cNvSpPr/>
+          <p:nvPr/>
         </p:nvSpPr>
         <p:spPr>
           <a:xfrm>
-            <a:off x="6629400" y="205979"/>
-            <a:ext cx="2057400" cy="4388644"/>
+            <a:off x="0" y="0"/>
+            <a:ext cx="669600" cy="5143500"/>
+          </a:xfrm>
+          <a:prstGeom prst="rect">
+            <a:avLst/>
+          </a:prstGeom>
+          <a:blipFill>
+            <a:blip r:embed="rId2">
+              <a:alphaModFix amt="40000"/>
+            </a:blip>
+            <a:tile tx="0" ty="0" sx="50000" sy="50000" flip="x" algn="tl"/>
+          </a:blipFill>
+          <a:ln w="25400" cap="rnd" cmpd="sng" algn="ctr">
+            <a:noFill/>
+            <a:prstDash val="solid"/>
+          </a:ln>
+        </p:spPr>
+        <p:style>
+          <a:lnRef idx="2">
+            <a:schemeClr val="accent1"/>
+          </a:lnRef>
+          <a:fillRef idx="1">
+            <a:schemeClr val="accent1"/>
+          </a:fillRef>
+          <a:effectRef idx="0">
+            <a:schemeClr val="accent1"/>
+          </a:effectRef>
+          <a:fontRef idx="minor">
+            <a:schemeClr val="lt1"/>
+          </a:fontRef>
+        </p:style>
+        <p:txBody>
+          <a:bodyPr rtlCol="0" anchor="ctr"/>
+          <a:lstStyle/>
+          <a:p>
+            <a:pPr algn="ctr" eaLnBrk="1" latinLnBrk="0" hangingPunct="1"/>
+            <a:endParaRPr kumimoji="0" lang="zh-CN" altLang="en-US"/>
+          </a:p>
+        </p:txBody>
+      </p:sp>
+      <p:sp>
+        <p:nvSpPr>
+          <p:cNvPr id="2" name="竖排标题 1"/>
+          <p:cNvSpPr>
+            <a:spLocks noGrp="1"/>
+          </p:cNvSpPr>
+          <p:nvPr>
+            <p:ph type="title" orient="vert"/>
+          </p:nvPr>
+        </p:nvSpPr>
+        <p:spPr>
+          <a:xfrm>
+            <a:off x="7286644" y="205979"/>
+            <a:ext cx="1400156" cy="4455333"/>
           </a:xfrm>
         </p:spPr>
         <p:txBody>
           <a:bodyPr vert="eaVert"/>
-          <a:lstStyle/>
-          <a:p>
-            <a:r>
-              <a:rPr lang="zh-CN" altLang="en-US" smtClean="0"/>
+          <a:lstStyle>
+            <a:lvl1pPr algn="ctr">
+              <a:defRPr>
+                <a:effectLst>
+                  <a:outerShdw dist="50800" dir="18900000" algn="tl" rotWithShape="0">
+                    <a:srgbClr val="000000">
+                      <a:alpha val="75000"/>
+                    </a:srgbClr>
+                  </a:outerShdw>
+                </a:effectLst>
+              </a:defRPr>
+            </a:lvl1pPr>
+          </a:lstStyle>
+          <a:p>
+            <a:r>
+              <a:rPr kumimoji="0" lang="zh-CN" altLang="en-US" smtClean="0"/>
               <a:t>单击此处编辑母版标题样式</a:t>
             </a:r>
-            <a:endParaRPr lang="zh-CN" altLang="en-US"/>
+            <a:endParaRPr kumimoji="0" lang="en-US"/>
           </a:p>
         </p:txBody>
       </p:sp>
@@ -568,47 +776,47 @@
         <p:spPr>
           <a:xfrm>
             <a:off x="457200" y="205979"/>
-            <a:ext cx="6019800" cy="4388644"/>
+            <a:ext cx="6758006" cy="4455333"/>
           </a:xfrm>
         </p:spPr>
         <p:txBody>
           <a:bodyPr vert="eaVert"/>
           <a:lstStyle/>
           <a:p>
-            <a:pPr lvl="0"/>
+            <a:pPr lvl="0" eaLnBrk="1" latinLnBrk="0" hangingPunct="1"/>
             <a:r>
               <a:rPr lang="zh-CN" altLang="en-US" smtClean="0"/>
               <a:t>单击此处编辑母版文本样式</a:t>
             </a:r>
           </a:p>
           <a:p>
-            <a:pPr lvl="1"/>
+            <a:pPr lvl="1" eaLnBrk="1" latinLnBrk="0" hangingPunct="1"/>
             <a:r>
               <a:rPr lang="zh-CN" altLang="en-US" smtClean="0"/>
               <a:t>第二级</a:t>
             </a:r>
           </a:p>
           <a:p>
-            <a:pPr lvl="2"/>
+            <a:pPr lvl="2" eaLnBrk="1" latinLnBrk="0" hangingPunct="1"/>
             <a:r>
               <a:rPr lang="zh-CN" altLang="en-US" smtClean="0"/>
               <a:t>第三级</a:t>
             </a:r>
           </a:p>
           <a:p>
-            <a:pPr lvl="3"/>
+            <a:pPr lvl="3" eaLnBrk="1" latinLnBrk="0" hangingPunct="1"/>
             <a:r>
               <a:rPr lang="zh-CN" altLang="en-US" smtClean="0"/>
               <a:t>第四级</a:t>
             </a:r>
           </a:p>
           <a:p>
-            <a:pPr lvl="4"/>
+            <a:pPr lvl="4" eaLnBrk="1" latinLnBrk="0" hangingPunct="1"/>
             <a:r>
               <a:rPr lang="zh-CN" altLang="en-US" smtClean="0"/>
               <a:t>第五级</a:t>
             </a:r>
-            <a:endParaRPr lang="zh-CN" altLang="en-US"/>
+            <a:endParaRPr kumimoji="0" lang="en-US"/>
           </a:p>
         </p:txBody>
       </p:sp>
@@ -629,7 +837,7 @@
           <a:p>
             <a:fld id="{530820CF-B880-4189-942D-D702A7CBA730}" type="datetimeFigureOut">
               <a:rPr lang="zh-CN" altLang="en-US" smtClean="0"/>
-              <a:t>2018/1/30</a:t>
+              <a:t>2018/5/17</a:t>
             </a:fld>
             <a:endParaRPr lang="zh-CN" altLang="en-US"/>
           </a:p>
@@ -677,6 +885,39 @@
           </a:p>
         </p:txBody>
       </p:sp>
+      <p:pic>
+        <p:nvPicPr>
+          <p:cNvPr id="8" name="图片 7"/>
+          <p:cNvPicPr>
+            <a:picLocks noChangeAspect="1"/>
+          </p:cNvPicPr>
+          <p:nvPr/>
+        </p:nvPicPr>
+        <p:blipFill>
+          <a:blip r:embed="rId3">
+            <a:duotone>
+              <a:schemeClr val="bg2"/>
+              <a:srgbClr val="FFF1C1"/>
+            </a:duotone>
+          </a:blip>
+          <a:stretch>
+            <a:fillRect/>
+          </a:stretch>
+        </p:blipFill>
+        <p:spPr>
+          <a:xfrm>
+            <a:off x="8135908" y="0"/>
+            <a:ext cx="1008093" cy="1071552"/>
+          </a:xfrm>
+          <a:prstGeom prst="rect">
+            <a:avLst/>
+          </a:prstGeom>
+          <a:noFill/>
+          <a:ln>
+            <a:noFill/>
+          </a:ln>
+        </p:spPr>
+      </p:pic>
     </p:spTree>
   </p:cSld>
   <p:clrMapOvr>
@@ -704,6 +945,54 @@
       </p:grpSpPr>
       <p:sp>
         <p:nvSpPr>
+          <p:cNvPr id="7" name="矩形 6"/>
+          <p:cNvSpPr/>
+          <p:nvPr/>
+        </p:nvSpPr>
+        <p:spPr>
+          <a:xfrm>
+            <a:off x="0" y="0"/>
+            <a:ext cx="669600" cy="5143500"/>
+          </a:xfrm>
+          <a:prstGeom prst="rect">
+            <a:avLst/>
+          </a:prstGeom>
+          <a:blipFill>
+            <a:blip r:embed="rId2">
+              <a:alphaModFix amt="40000"/>
+            </a:blip>
+            <a:tile tx="0" ty="0" sx="50000" sy="50000" flip="x" algn="tl"/>
+          </a:blipFill>
+          <a:ln w="25400" cap="rnd" cmpd="sng" algn="ctr">
+            <a:noFill/>
+            <a:prstDash val="solid"/>
+          </a:ln>
+        </p:spPr>
+        <p:style>
+          <a:lnRef idx="2">
+            <a:schemeClr val="accent1"/>
+          </a:lnRef>
+          <a:fillRef idx="1">
+            <a:schemeClr val="accent1"/>
+          </a:fillRef>
+          <a:effectRef idx="0">
+            <a:schemeClr val="accent1"/>
+          </a:effectRef>
+          <a:fontRef idx="minor">
+            <a:schemeClr val="lt1"/>
+          </a:fontRef>
+        </p:style>
+        <p:txBody>
+          <a:bodyPr rtlCol="0" anchor="ctr"/>
+          <a:lstStyle/>
+          <a:p>
+            <a:pPr algn="ctr" eaLnBrk="1" latinLnBrk="0" hangingPunct="1"/>
+            <a:endParaRPr kumimoji="0" lang="zh-CN" altLang="en-US"/>
+          </a:p>
+        </p:txBody>
+      </p:sp>
+      <p:sp>
+        <p:nvSpPr>
           <p:cNvPr id="2" name="标题 1"/>
           <p:cNvSpPr>
             <a:spLocks noGrp="1"/>
@@ -715,13 +1004,17 @@
         <p:spPr/>
         <p:txBody>
           <a:bodyPr/>
-          <a:lstStyle/>
-          <a:p>
-            <a:r>
-              <a:rPr lang="zh-CN" altLang="en-US" smtClean="0"/>
+          <a:lstStyle>
+            <a:lvl1pPr algn="l">
+              <a:defRPr/>
+            </a:lvl1pPr>
+          </a:lstStyle>
+          <a:p>
+            <a:r>
+              <a:rPr kumimoji="0" lang="zh-CN" altLang="en-US" smtClean="0"/>
               <a:t>单击此处编辑母版标题样式</a:t>
             </a:r>
-            <a:endParaRPr lang="zh-CN" altLang="en-US"/>
+            <a:endParaRPr kumimoji="0" lang="en-US"/>
           </a:p>
         </p:txBody>
       </p:sp>
@@ -740,40 +1033,40 @@
           <a:bodyPr/>
           <a:lstStyle/>
           <a:p>
-            <a:pPr lvl="0"/>
+            <a:pPr lvl="0" eaLnBrk="1" latinLnBrk="0" hangingPunct="1"/>
             <a:r>
               <a:rPr lang="zh-CN" altLang="en-US" smtClean="0"/>
               <a:t>单击此处编辑母版文本样式</a:t>
             </a:r>
           </a:p>
           <a:p>
-            <a:pPr lvl="1"/>
+            <a:pPr lvl="1" eaLnBrk="1" latinLnBrk="0" hangingPunct="1"/>
             <a:r>
               <a:rPr lang="zh-CN" altLang="en-US" smtClean="0"/>
               <a:t>第二级</a:t>
             </a:r>
           </a:p>
           <a:p>
-            <a:pPr lvl="2"/>
+            <a:pPr lvl="2" eaLnBrk="1" latinLnBrk="0" hangingPunct="1"/>
             <a:r>
               <a:rPr lang="zh-CN" altLang="en-US" smtClean="0"/>
               <a:t>第三级</a:t>
             </a:r>
           </a:p>
           <a:p>
-            <a:pPr lvl="3"/>
+            <a:pPr lvl="3" eaLnBrk="1" latinLnBrk="0" hangingPunct="1"/>
             <a:r>
               <a:rPr lang="zh-CN" altLang="en-US" smtClean="0"/>
               <a:t>第四级</a:t>
             </a:r>
           </a:p>
           <a:p>
-            <a:pPr lvl="4"/>
+            <a:pPr lvl="4" eaLnBrk="1" latinLnBrk="0" hangingPunct="1"/>
             <a:r>
               <a:rPr lang="zh-CN" altLang="en-US" smtClean="0"/>
               <a:t>第五级</a:t>
             </a:r>
-            <a:endParaRPr lang="zh-CN" altLang="en-US"/>
+            <a:endParaRPr kumimoji="0" lang="en-US"/>
           </a:p>
         </p:txBody>
       </p:sp>
@@ -794,7 +1087,7 @@
           <a:p>
             <a:fld id="{530820CF-B880-4189-942D-D702A7CBA730}" type="datetimeFigureOut">
               <a:rPr lang="zh-CN" altLang="en-US" smtClean="0"/>
-              <a:t>2018/1/30</a:t>
+              <a:t>2018/5/17</a:t>
             </a:fld>
             <a:endParaRPr lang="zh-CN" altLang="en-US"/>
           </a:p>
@@ -842,6 +1135,39 @@
           </a:p>
         </p:txBody>
       </p:sp>
+      <p:pic>
+        <p:nvPicPr>
+          <p:cNvPr id="8" name="图片 7"/>
+          <p:cNvPicPr>
+            <a:picLocks noChangeAspect="1"/>
+          </p:cNvPicPr>
+          <p:nvPr/>
+        </p:nvPicPr>
+        <p:blipFill>
+          <a:blip r:embed="rId3">
+            <a:duotone>
+              <a:schemeClr val="bg2"/>
+              <a:srgbClr val="FFF1C1"/>
+            </a:duotone>
+          </a:blip>
+          <a:stretch>
+            <a:fillRect/>
+          </a:stretch>
+        </p:blipFill>
+        <p:spPr>
+          <a:xfrm>
+            <a:off x="8135908" y="0"/>
+            <a:ext cx="1008093" cy="1071552"/>
+          </a:xfrm>
+          <a:prstGeom prst="rect">
+            <a:avLst/>
+          </a:prstGeom>
+          <a:noFill/>
+          <a:ln>
+            <a:noFill/>
+          </a:ln>
+        </p:spPr>
+      </p:pic>
     </p:spTree>
   </p:cSld>
   <p:clrMapOvr>
@@ -853,6 +1179,11 @@
 <file path=ppt/slideLayouts/slideLayout3.xml><?xml version="1.0" encoding="utf-8"?>
 <p:sldLayout xmlns:a="http://schemas.openxmlformats.org/drawingml/2006/main" xmlns:r="http://schemas.openxmlformats.org/officeDocument/2006/relationships" xmlns:p="http://schemas.openxmlformats.org/presentationml/2006/main" type="secHead" preserve="1">
   <p:cSld name="节标题">
+    <p:bg>
+      <p:bgRef idx="1003">
+        <a:schemeClr val="bg2"/>
+      </p:bgRef>
+    </p:bg>
     <p:spTree>
       <p:nvGrpSpPr>
         <p:cNvPr id="1" name=""/>
@@ -879,7 +1210,7 @@
         </p:nvSpPr>
         <p:spPr>
           <a:xfrm>
-            <a:off x="722313" y="3305176"/>
+            <a:off x="722313" y="3107527"/>
             <a:ext cx="7772400" cy="1021556"/>
           </a:xfrm>
         </p:spPr>
@@ -892,10 +1223,10 @@
           </a:lstStyle>
           <a:p>
             <a:r>
-              <a:rPr lang="zh-CN" altLang="en-US" smtClean="0"/>
+              <a:rPr kumimoji="0" lang="zh-CN" altLang="en-US" smtClean="0"/>
               <a:t>单击此处编辑母版标题样式</a:t>
             </a:r>
-            <a:endParaRPr lang="zh-CN" altLang="en-US"/>
+            <a:endParaRPr kumimoji="0" lang="en-US"/>
           </a:p>
         </p:txBody>
       </p:sp>
@@ -911,7 +1242,7 @@
         </p:nvSpPr>
         <p:spPr>
           <a:xfrm>
-            <a:off x="722313" y="2180035"/>
+            <a:off x="722313" y="1982387"/>
             <a:ext cx="7772400" cy="1125140"/>
           </a:xfrm>
         </p:spPr>
@@ -920,52 +1251,32 @@
           <a:lstStyle>
             <a:lvl1pPr marL="0" indent="0">
               <a:buNone/>
-              <a:defRPr sz="2000">
-                <a:solidFill>
-                  <a:schemeClr val="tx1">
-                    <a:tint val="75000"/>
-                  </a:schemeClr>
-                </a:solidFill>
+              <a:defRPr lang="zh-CN" altLang="en-US" sz="2800" smtClean="0">
+                <a:effectLst/>
               </a:defRPr>
             </a:lvl1pPr>
             <a:lvl2pPr marL="457200" indent="0">
               <a:buNone/>
-              <a:defRPr sz="1800">
-                <a:solidFill>
-                  <a:schemeClr val="tx1">
-                    <a:tint val="75000"/>
-                  </a:schemeClr>
-                </a:solidFill>
+              <a:defRPr lang="zh-CN" altLang="en-US" sz="2400" smtClean="0">
+                <a:effectLst/>
               </a:defRPr>
             </a:lvl2pPr>
             <a:lvl3pPr marL="914400" indent="0">
               <a:buNone/>
-              <a:defRPr sz="1600">
-                <a:solidFill>
-                  <a:schemeClr val="tx1">
-                    <a:tint val="75000"/>
-                  </a:schemeClr>
-                </a:solidFill>
+              <a:defRPr lang="zh-CN" altLang="en-US" sz="2000" smtClean="0">
+                <a:effectLst/>
               </a:defRPr>
             </a:lvl3pPr>
             <a:lvl4pPr marL="1371600" indent="0">
               <a:buNone/>
-              <a:defRPr sz="1400">
-                <a:solidFill>
-                  <a:schemeClr val="tx1">
-                    <a:tint val="75000"/>
-                  </a:schemeClr>
-                </a:solidFill>
+              <a:defRPr lang="zh-CN" altLang="en-US" sz="1600" smtClean="0">
+                <a:effectLst/>
               </a:defRPr>
             </a:lvl4pPr>
             <a:lvl5pPr marL="1828800" indent="0">
               <a:buNone/>
-              <a:defRPr sz="1400">
-                <a:solidFill>
-                  <a:schemeClr val="tx1">
-                    <a:tint val="75000"/>
-                  </a:schemeClr>
-                </a:solidFill>
+              <a:defRPr lang="zh-CN" altLang="en-US" sz="1400" dirty="0" smtClean="0">
+                <a:effectLst/>
               </a:defRPr>
             </a:lvl5pPr>
             <a:lvl6pPr marL="2286000" indent="0">
@@ -1010,9 +1321,9 @@
             </a:lvl9pPr>
           </a:lstStyle>
           <a:p>
-            <a:pPr lvl="0"/>
-            <a:r>
-              <a:rPr lang="zh-CN" altLang="en-US" smtClean="0"/>
+            <a:pPr lvl="0" eaLnBrk="1" latinLnBrk="0" hangingPunct="1"/>
+            <a:r>
+              <a:rPr kumimoji="0" lang="zh-CN" altLang="en-US" smtClean="0"/>
               <a:t>单击此处编辑母版文本样式</a:t>
             </a:r>
           </a:p>
@@ -1035,7 +1346,7 @@
           <a:p>
             <a:fld id="{530820CF-B880-4189-942D-D702A7CBA730}" type="datetimeFigureOut">
               <a:rPr lang="zh-CN" altLang="en-US" smtClean="0"/>
-              <a:t>2018/1/30</a:t>
+              <a:t>2018/5/17</a:t>
             </a:fld>
             <a:endParaRPr lang="zh-CN" altLang="en-US"/>
           </a:p>
@@ -1083,10 +1394,44 @@
           </a:p>
         </p:txBody>
       </p:sp>
+      <p:pic>
+        <p:nvPicPr>
+          <p:cNvPr id="7" name="图片 6"/>
+          <p:cNvPicPr>
+            <a:picLocks noChangeAspect="1"/>
+          </p:cNvPicPr>
+          <p:nvPr/>
+        </p:nvPicPr>
+        <p:blipFill>
+          <a:blip r:embed="rId2">
+            <a:duotone>
+              <a:schemeClr val="bg2"/>
+              <a:srgbClr val="FFF1C1"/>
+            </a:duotone>
+            <a:lum bright="-10000" contrast="-30000"/>
+          </a:blip>
+          <a:stretch>
+            <a:fillRect/>
+          </a:stretch>
+        </p:blipFill>
+        <p:spPr>
+          <a:xfrm>
+            <a:off x="7480636" y="0"/>
+            <a:ext cx="1663364" cy="1768073"/>
+          </a:xfrm>
+          <a:prstGeom prst="rect">
+            <a:avLst/>
+          </a:prstGeom>
+          <a:noFill/>
+          <a:ln>
+            <a:noFill/>
+          </a:ln>
+        </p:spPr>
+      </p:pic>
     </p:spTree>
   </p:cSld>
   <p:clrMapOvr>
-    <a:masterClrMapping/>
+    <a:overrideClrMapping bg1="dk1" tx1="lt1" bg2="dk2" tx2="lt2" accent1="accent1" accent2="accent2" accent3="accent3" accent4="accent4" accent5="accent5" accent6="accent6" hlink="hlink" folHlink="folHlink"/>
   </p:clrMapOvr>
 </p:sldLayout>
 </file>
@@ -1110,6 +1455,54 @@
       </p:grpSpPr>
       <p:sp>
         <p:nvSpPr>
+          <p:cNvPr id="8" name="矩形 7"/>
+          <p:cNvSpPr/>
+          <p:nvPr/>
+        </p:nvSpPr>
+        <p:spPr>
+          <a:xfrm>
+            <a:off x="0" y="0"/>
+            <a:ext cx="655200" cy="5143500"/>
+          </a:xfrm>
+          <a:prstGeom prst="rect">
+            <a:avLst/>
+          </a:prstGeom>
+          <a:blipFill>
+            <a:blip r:embed="rId2">
+              <a:alphaModFix amt="40000"/>
+            </a:blip>
+            <a:tile tx="0" ty="0" sx="50000" sy="50000" flip="x" algn="tl"/>
+          </a:blipFill>
+          <a:ln w="25400" cap="rnd" cmpd="sng" algn="ctr">
+            <a:noFill/>
+            <a:prstDash val="solid"/>
+          </a:ln>
+        </p:spPr>
+        <p:style>
+          <a:lnRef idx="2">
+            <a:schemeClr val="accent1"/>
+          </a:lnRef>
+          <a:fillRef idx="1">
+            <a:schemeClr val="accent1"/>
+          </a:fillRef>
+          <a:effectRef idx="0">
+            <a:schemeClr val="accent1"/>
+          </a:effectRef>
+          <a:fontRef idx="minor">
+            <a:schemeClr val="lt1"/>
+          </a:fontRef>
+        </p:style>
+        <p:txBody>
+          <a:bodyPr rtlCol="0" anchor="ctr"/>
+          <a:lstStyle/>
+          <a:p>
+            <a:pPr algn="ctr" eaLnBrk="1" latinLnBrk="0" hangingPunct="1"/>
+            <a:endParaRPr kumimoji="0" lang="zh-CN" altLang="en-US"/>
+          </a:p>
+        </p:txBody>
+      </p:sp>
+      <p:sp>
+        <p:nvSpPr>
           <p:cNvPr id="2" name="标题 1"/>
           <p:cNvSpPr>
             <a:spLocks noGrp="1"/>
@@ -1124,10 +1517,10 @@
           <a:lstStyle/>
           <a:p>
             <a:r>
-              <a:rPr lang="zh-CN" altLang="en-US" smtClean="0"/>
+              <a:rPr kumimoji="0" lang="zh-CN" altLang="en-US" smtClean="0"/>
               <a:t>单击此处编辑母版标题样式</a:t>
             </a:r>
-            <a:endParaRPr lang="zh-CN" altLang="en-US"/>
+            <a:endParaRPr kumimoji="0" lang="en-US"/>
           </a:p>
         </p:txBody>
       </p:sp>
@@ -1179,40 +1572,40 @@
             </a:lvl9pPr>
           </a:lstStyle>
           <a:p>
-            <a:pPr lvl="0"/>
+            <a:pPr lvl="0" eaLnBrk="1" latinLnBrk="0" hangingPunct="1"/>
             <a:r>
               <a:rPr lang="zh-CN" altLang="en-US" smtClean="0"/>
               <a:t>单击此处编辑母版文本样式</a:t>
             </a:r>
           </a:p>
           <a:p>
-            <a:pPr lvl="1"/>
+            <a:pPr lvl="1" eaLnBrk="1" latinLnBrk="0" hangingPunct="1"/>
             <a:r>
               <a:rPr lang="zh-CN" altLang="en-US" smtClean="0"/>
               <a:t>第二级</a:t>
             </a:r>
           </a:p>
           <a:p>
-            <a:pPr lvl="2"/>
+            <a:pPr lvl="2" eaLnBrk="1" latinLnBrk="0" hangingPunct="1"/>
             <a:r>
               <a:rPr lang="zh-CN" altLang="en-US" smtClean="0"/>
               <a:t>第三级</a:t>
             </a:r>
           </a:p>
           <a:p>
-            <a:pPr lvl="3"/>
+            <a:pPr lvl="3" eaLnBrk="1" latinLnBrk="0" hangingPunct="1"/>
             <a:r>
               <a:rPr lang="zh-CN" altLang="en-US" smtClean="0"/>
               <a:t>第四级</a:t>
             </a:r>
           </a:p>
           <a:p>
-            <a:pPr lvl="4"/>
+            <a:pPr lvl="4" eaLnBrk="1" latinLnBrk="0" hangingPunct="1"/>
             <a:r>
               <a:rPr lang="zh-CN" altLang="en-US" smtClean="0"/>
               <a:t>第五级</a:t>
             </a:r>
-            <a:endParaRPr lang="zh-CN" altLang="en-US"/>
+            <a:endParaRPr kumimoji="0" lang="en-US"/>
           </a:p>
         </p:txBody>
       </p:sp>
@@ -1264,40 +1657,40 @@
             </a:lvl9pPr>
           </a:lstStyle>
           <a:p>
-            <a:pPr lvl="0"/>
+            <a:pPr lvl="0" eaLnBrk="1" latinLnBrk="0" hangingPunct="1"/>
             <a:r>
               <a:rPr lang="zh-CN" altLang="en-US" smtClean="0"/>
               <a:t>单击此处编辑母版文本样式</a:t>
             </a:r>
           </a:p>
           <a:p>
-            <a:pPr lvl="1"/>
+            <a:pPr lvl="1" eaLnBrk="1" latinLnBrk="0" hangingPunct="1"/>
             <a:r>
               <a:rPr lang="zh-CN" altLang="en-US" smtClean="0"/>
               <a:t>第二级</a:t>
             </a:r>
           </a:p>
           <a:p>
-            <a:pPr lvl="2"/>
+            <a:pPr lvl="2" eaLnBrk="1" latinLnBrk="0" hangingPunct="1"/>
             <a:r>
               <a:rPr lang="zh-CN" altLang="en-US" smtClean="0"/>
               <a:t>第三级</a:t>
             </a:r>
           </a:p>
           <a:p>
-            <a:pPr lvl="3"/>
+            <a:pPr lvl="3" eaLnBrk="1" latinLnBrk="0" hangingPunct="1"/>
             <a:r>
               <a:rPr lang="zh-CN" altLang="en-US" smtClean="0"/>
               <a:t>第四级</a:t>
             </a:r>
           </a:p>
           <a:p>
-            <a:pPr lvl="4"/>
+            <a:pPr lvl="4" eaLnBrk="1" latinLnBrk="0" hangingPunct="1"/>
             <a:r>
               <a:rPr lang="zh-CN" altLang="en-US" smtClean="0"/>
               <a:t>第五级</a:t>
             </a:r>
-            <a:endParaRPr lang="zh-CN" altLang="en-US"/>
+            <a:endParaRPr kumimoji="0" lang="en-US"/>
           </a:p>
         </p:txBody>
       </p:sp>
@@ -1318,7 +1711,7 @@
           <a:p>
             <a:fld id="{530820CF-B880-4189-942D-D702A7CBA730}" type="datetimeFigureOut">
               <a:rPr lang="zh-CN" altLang="en-US" smtClean="0"/>
-              <a:t>2018/1/30</a:t>
+              <a:t>2018/5/17</a:t>
             </a:fld>
             <a:endParaRPr lang="zh-CN" altLang="en-US"/>
           </a:p>
@@ -1366,6 +1759,39 @@
           </a:p>
         </p:txBody>
       </p:sp>
+      <p:pic>
+        <p:nvPicPr>
+          <p:cNvPr id="9" name="图片 8"/>
+          <p:cNvPicPr>
+            <a:picLocks noChangeAspect="1"/>
+          </p:cNvPicPr>
+          <p:nvPr/>
+        </p:nvPicPr>
+        <p:blipFill>
+          <a:blip r:embed="rId3">
+            <a:duotone>
+              <a:schemeClr val="bg2"/>
+              <a:srgbClr val="FFF1C1"/>
+            </a:duotone>
+          </a:blip>
+          <a:stretch>
+            <a:fillRect/>
+          </a:stretch>
+        </p:blipFill>
+        <p:spPr>
+          <a:xfrm>
+            <a:off x="8135908" y="0"/>
+            <a:ext cx="1008093" cy="1071552"/>
+          </a:xfrm>
+          <a:prstGeom prst="rect">
+            <a:avLst/>
+          </a:prstGeom>
+          <a:noFill/>
+          <a:ln>
+            <a:noFill/>
+          </a:ln>
+        </p:spPr>
+      </p:pic>
     </p:spTree>
   </p:cSld>
   <p:clrMapOvr>
@@ -1393,6 +1819,54 @@
       </p:grpSpPr>
       <p:sp>
         <p:nvSpPr>
+          <p:cNvPr id="10" name="矩形 9"/>
+          <p:cNvSpPr/>
+          <p:nvPr/>
+        </p:nvSpPr>
+        <p:spPr>
+          <a:xfrm>
+            <a:off x="0" y="0"/>
+            <a:ext cx="640800" cy="5143500"/>
+          </a:xfrm>
+          <a:prstGeom prst="rect">
+            <a:avLst/>
+          </a:prstGeom>
+          <a:blipFill>
+            <a:blip r:embed="rId2">
+              <a:alphaModFix amt="40000"/>
+            </a:blip>
+            <a:tile tx="0" ty="0" sx="50000" sy="50000" flip="x" algn="tl"/>
+          </a:blipFill>
+          <a:ln w="25400" cap="rnd" cmpd="sng" algn="ctr">
+            <a:noFill/>
+            <a:prstDash val="solid"/>
+          </a:ln>
+        </p:spPr>
+        <p:style>
+          <a:lnRef idx="2">
+            <a:schemeClr val="accent1"/>
+          </a:lnRef>
+          <a:fillRef idx="1">
+            <a:schemeClr val="accent1"/>
+          </a:fillRef>
+          <a:effectRef idx="0">
+            <a:schemeClr val="accent1"/>
+          </a:effectRef>
+          <a:fontRef idx="minor">
+            <a:schemeClr val="lt1"/>
+          </a:fontRef>
+        </p:style>
+        <p:txBody>
+          <a:bodyPr rtlCol="0" anchor="ctr"/>
+          <a:lstStyle/>
+          <a:p>
+            <a:pPr algn="ctr" eaLnBrk="1" latinLnBrk="0" hangingPunct="1"/>
+            <a:endParaRPr kumimoji="0" lang="zh-CN" altLang="en-US"/>
+          </a:p>
+        </p:txBody>
+      </p:sp>
+      <p:sp>
+        <p:nvSpPr>
           <p:cNvPr id="2" name="标题 1"/>
           <p:cNvSpPr>
             <a:spLocks noGrp="1"/>
@@ -1411,10 +1885,10 @@
           </a:lstStyle>
           <a:p>
             <a:r>
-              <a:rPr lang="zh-CN" altLang="en-US" smtClean="0"/>
+              <a:rPr kumimoji="0" lang="zh-CN" altLang="en-US" smtClean="0"/>
               <a:t>单击此处编辑母版标题样式</a:t>
             </a:r>
-            <a:endParaRPr lang="zh-CN" altLang="en-US"/>
+            <a:endParaRPr kumimoji="0" lang="en-US"/>
           </a:p>
         </p:txBody>
       </p:sp>
@@ -1475,9 +1949,9 @@
             </a:lvl9pPr>
           </a:lstStyle>
           <a:p>
-            <a:pPr lvl="0"/>
-            <a:r>
-              <a:rPr lang="zh-CN" altLang="en-US" smtClean="0"/>
+            <a:pPr lvl="0" eaLnBrk="1" latinLnBrk="0" hangingPunct="1"/>
+            <a:r>
+              <a:rPr kumimoji="0" lang="zh-CN" altLang="en-US" smtClean="0"/>
               <a:t>单击此处编辑母版文本样式</a:t>
             </a:r>
           </a:p>
@@ -1531,40 +2005,40 @@
             </a:lvl9pPr>
           </a:lstStyle>
           <a:p>
-            <a:pPr lvl="0"/>
+            <a:pPr lvl="0" eaLnBrk="1" latinLnBrk="0" hangingPunct="1"/>
             <a:r>
               <a:rPr lang="zh-CN" altLang="en-US" smtClean="0"/>
               <a:t>单击此处编辑母版文本样式</a:t>
             </a:r>
           </a:p>
           <a:p>
-            <a:pPr lvl="1"/>
+            <a:pPr lvl="1" eaLnBrk="1" latinLnBrk="0" hangingPunct="1"/>
             <a:r>
               <a:rPr lang="zh-CN" altLang="en-US" smtClean="0"/>
               <a:t>第二级</a:t>
             </a:r>
           </a:p>
           <a:p>
-            <a:pPr lvl="2"/>
+            <a:pPr lvl="2" eaLnBrk="1" latinLnBrk="0" hangingPunct="1"/>
             <a:r>
               <a:rPr lang="zh-CN" altLang="en-US" smtClean="0"/>
               <a:t>第三级</a:t>
             </a:r>
           </a:p>
           <a:p>
-            <a:pPr lvl="3"/>
+            <a:pPr lvl="3" eaLnBrk="1" latinLnBrk="0" hangingPunct="1"/>
             <a:r>
               <a:rPr lang="zh-CN" altLang="en-US" smtClean="0"/>
               <a:t>第四级</a:t>
             </a:r>
           </a:p>
           <a:p>
-            <a:pPr lvl="4"/>
+            <a:pPr lvl="4" eaLnBrk="1" latinLnBrk="0" hangingPunct="1"/>
             <a:r>
               <a:rPr lang="zh-CN" altLang="en-US" smtClean="0"/>
               <a:t>第五级</a:t>
             </a:r>
-            <a:endParaRPr lang="zh-CN" altLang="en-US"/>
+            <a:endParaRPr kumimoji="0" lang="en-US"/>
           </a:p>
         </p:txBody>
       </p:sp>
@@ -1625,9 +2099,9 @@
             </a:lvl9pPr>
           </a:lstStyle>
           <a:p>
-            <a:pPr lvl="0"/>
-            <a:r>
-              <a:rPr lang="zh-CN" altLang="en-US" smtClean="0"/>
+            <a:pPr lvl="0" eaLnBrk="1" latinLnBrk="0" hangingPunct="1"/>
+            <a:r>
+              <a:rPr kumimoji="0" lang="zh-CN" altLang="en-US" smtClean="0"/>
               <a:t>单击此处编辑母版文本样式</a:t>
             </a:r>
           </a:p>
@@ -1681,40 +2155,40 @@
             </a:lvl9pPr>
           </a:lstStyle>
           <a:p>
-            <a:pPr lvl="0"/>
+            <a:pPr lvl="0" eaLnBrk="1" latinLnBrk="0" hangingPunct="1"/>
             <a:r>
               <a:rPr lang="zh-CN" altLang="en-US" smtClean="0"/>
               <a:t>单击此处编辑母版文本样式</a:t>
             </a:r>
           </a:p>
           <a:p>
-            <a:pPr lvl="1"/>
+            <a:pPr lvl="1" eaLnBrk="1" latinLnBrk="0" hangingPunct="1"/>
             <a:r>
               <a:rPr lang="zh-CN" altLang="en-US" smtClean="0"/>
               <a:t>第二级</a:t>
             </a:r>
           </a:p>
           <a:p>
-            <a:pPr lvl="2"/>
+            <a:pPr lvl="2" eaLnBrk="1" latinLnBrk="0" hangingPunct="1"/>
             <a:r>
               <a:rPr lang="zh-CN" altLang="en-US" smtClean="0"/>
               <a:t>第三级</a:t>
             </a:r>
           </a:p>
           <a:p>
-            <a:pPr lvl="3"/>
+            <a:pPr lvl="3" eaLnBrk="1" latinLnBrk="0" hangingPunct="1"/>
             <a:r>
               <a:rPr lang="zh-CN" altLang="en-US" smtClean="0"/>
               <a:t>第四级</a:t>
             </a:r>
           </a:p>
           <a:p>
-            <a:pPr lvl="4"/>
+            <a:pPr lvl="4" eaLnBrk="1" latinLnBrk="0" hangingPunct="1"/>
             <a:r>
               <a:rPr lang="zh-CN" altLang="en-US" smtClean="0"/>
               <a:t>第五级</a:t>
             </a:r>
-            <a:endParaRPr lang="zh-CN" altLang="en-US"/>
+            <a:endParaRPr kumimoji="0" lang="en-US"/>
           </a:p>
         </p:txBody>
       </p:sp>
@@ -1735,7 +2209,7 @@
           <a:p>
             <a:fld id="{530820CF-B880-4189-942D-D702A7CBA730}" type="datetimeFigureOut">
               <a:rPr lang="zh-CN" altLang="en-US" smtClean="0"/>
-              <a:t>2018/1/30</a:t>
+              <a:t>2018/5/17</a:t>
             </a:fld>
             <a:endParaRPr lang="zh-CN" altLang="en-US"/>
           </a:p>
@@ -1783,6 +2257,39 @@
           </a:p>
         </p:txBody>
       </p:sp>
+      <p:pic>
+        <p:nvPicPr>
+          <p:cNvPr id="11" name="图片 10"/>
+          <p:cNvPicPr>
+            <a:picLocks noChangeAspect="1"/>
+          </p:cNvPicPr>
+          <p:nvPr/>
+        </p:nvPicPr>
+        <p:blipFill>
+          <a:blip r:embed="rId3">
+            <a:duotone>
+              <a:schemeClr val="bg2"/>
+              <a:srgbClr val="FFF1C1"/>
+            </a:duotone>
+          </a:blip>
+          <a:stretch>
+            <a:fillRect/>
+          </a:stretch>
+        </p:blipFill>
+        <p:spPr>
+          <a:xfrm>
+            <a:off x="8135908" y="0"/>
+            <a:ext cx="1008093" cy="1071552"/>
+          </a:xfrm>
+          <a:prstGeom prst="rect">
+            <a:avLst/>
+          </a:prstGeom>
+          <a:noFill/>
+          <a:ln>
+            <a:noFill/>
+          </a:ln>
+        </p:spPr>
+      </p:pic>
     </p:spTree>
   </p:cSld>
   <p:clrMapOvr>
@@ -1810,6 +2317,54 @@
       </p:grpSpPr>
       <p:sp>
         <p:nvSpPr>
+          <p:cNvPr id="6" name="矩形 5"/>
+          <p:cNvSpPr/>
+          <p:nvPr/>
+        </p:nvSpPr>
+        <p:spPr>
+          <a:xfrm>
+            <a:off x="0" y="0"/>
+            <a:ext cx="669600" cy="5143500"/>
+          </a:xfrm>
+          <a:prstGeom prst="rect">
+            <a:avLst/>
+          </a:prstGeom>
+          <a:blipFill>
+            <a:blip r:embed="rId2">
+              <a:alphaModFix amt="40000"/>
+            </a:blip>
+            <a:tile tx="0" ty="0" sx="50000" sy="50000" flip="x" algn="tl"/>
+          </a:blipFill>
+          <a:ln w="25400" cap="rnd" cmpd="sng" algn="ctr">
+            <a:noFill/>
+            <a:prstDash val="solid"/>
+          </a:ln>
+        </p:spPr>
+        <p:style>
+          <a:lnRef idx="2">
+            <a:schemeClr val="accent1"/>
+          </a:lnRef>
+          <a:fillRef idx="1">
+            <a:schemeClr val="accent1"/>
+          </a:fillRef>
+          <a:effectRef idx="0">
+            <a:schemeClr val="accent1"/>
+          </a:effectRef>
+          <a:fontRef idx="minor">
+            <a:schemeClr val="lt1"/>
+          </a:fontRef>
+        </p:style>
+        <p:txBody>
+          <a:bodyPr rtlCol="0" anchor="ctr"/>
+          <a:lstStyle/>
+          <a:p>
+            <a:pPr algn="ctr" eaLnBrk="1" latinLnBrk="0" hangingPunct="1"/>
+            <a:endParaRPr kumimoji="0" lang="zh-CN" altLang="en-US"/>
+          </a:p>
+        </p:txBody>
+      </p:sp>
+      <p:sp>
+        <p:nvSpPr>
           <p:cNvPr id="2" name="标题 1"/>
           <p:cNvSpPr>
             <a:spLocks noGrp="1"/>
@@ -1824,10 +2379,10 @@
           <a:lstStyle/>
           <a:p>
             <a:r>
-              <a:rPr lang="zh-CN" altLang="en-US" smtClean="0"/>
+              <a:rPr kumimoji="0" lang="zh-CN" altLang="en-US" smtClean="0"/>
               <a:t>单击此处编辑母版标题样式</a:t>
             </a:r>
-            <a:endParaRPr lang="zh-CN" altLang="en-US"/>
+            <a:endParaRPr kumimoji="0" lang="en-US"/>
           </a:p>
         </p:txBody>
       </p:sp>
@@ -1848,7 +2403,7 @@
           <a:p>
             <a:fld id="{530820CF-B880-4189-942D-D702A7CBA730}" type="datetimeFigureOut">
               <a:rPr lang="zh-CN" altLang="en-US" smtClean="0"/>
-              <a:t>2018/1/30</a:t>
+              <a:t>2018/5/17</a:t>
             </a:fld>
             <a:endParaRPr lang="zh-CN" altLang="en-US"/>
           </a:p>
@@ -1896,6 +2451,39 @@
           </a:p>
         </p:txBody>
       </p:sp>
+      <p:pic>
+        <p:nvPicPr>
+          <p:cNvPr id="7" name="图片 6"/>
+          <p:cNvPicPr>
+            <a:picLocks noChangeAspect="1"/>
+          </p:cNvPicPr>
+          <p:nvPr/>
+        </p:nvPicPr>
+        <p:blipFill>
+          <a:blip r:embed="rId3">
+            <a:duotone>
+              <a:schemeClr val="bg2"/>
+              <a:srgbClr val="FFF1C1"/>
+            </a:duotone>
+          </a:blip>
+          <a:stretch>
+            <a:fillRect/>
+          </a:stretch>
+        </p:blipFill>
+        <p:spPr>
+          <a:xfrm>
+            <a:off x="8135908" y="0"/>
+            <a:ext cx="1008093" cy="1071552"/>
+          </a:xfrm>
+          <a:prstGeom prst="rect">
+            <a:avLst/>
+          </a:prstGeom>
+          <a:noFill/>
+          <a:ln>
+            <a:noFill/>
+          </a:ln>
+        </p:spPr>
+      </p:pic>
     </p:spTree>
   </p:cSld>
   <p:clrMapOvr>
@@ -1923,6 +2511,54 @@
       </p:grpSpPr>
       <p:sp>
         <p:nvSpPr>
+          <p:cNvPr id="5" name="矩形 4"/>
+          <p:cNvSpPr/>
+          <p:nvPr/>
+        </p:nvSpPr>
+        <p:spPr>
+          <a:xfrm>
+            <a:off x="0" y="0"/>
+            <a:ext cx="669600" cy="5143500"/>
+          </a:xfrm>
+          <a:prstGeom prst="rect">
+            <a:avLst/>
+          </a:prstGeom>
+          <a:blipFill>
+            <a:blip r:embed="rId2">
+              <a:alphaModFix amt="40000"/>
+            </a:blip>
+            <a:tile tx="0" ty="0" sx="50000" sy="50000" flip="x" algn="tl"/>
+          </a:blipFill>
+          <a:ln w="25400" cap="rnd" cmpd="sng" algn="ctr">
+            <a:noFill/>
+            <a:prstDash val="solid"/>
+          </a:ln>
+        </p:spPr>
+        <p:style>
+          <a:lnRef idx="2">
+            <a:schemeClr val="accent1"/>
+          </a:lnRef>
+          <a:fillRef idx="1">
+            <a:schemeClr val="accent1"/>
+          </a:fillRef>
+          <a:effectRef idx="0">
+            <a:schemeClr val="accent1"/>
+          </a:effectRef>
+          <a:fontRef idx="minor">
+            <a:schemeClr val="lt1"/>
+          </a:fontRef>
+        </p:style>
+        <p:txBody>
+          <a:bodyPr rtlCol="0" anchor="ctr"/>
+          <a:lstStyle/>
+          <a:p>
+            <a:pPr algn="ctr" eaLnBrk="1" latinLnBrk="0" hangingPunct="1"/>
+            <a:endParaRPr kumimoji="0" lang="zh-CN" altLang="en-US"/>
+          </a:p>
+        </p:txBody>
+      </p:sp>
+      <p:sp>
+        <p:nvSpPr>
           <p:cNvPr id="2" name="日期占位符 1"/>
           <p:cNvSpPr>
             <a:spLocks noGrp="1"/>
@@ -1938,7 +2574,7 @@
           <a:p>
             <a:fld id="{530820CF-B880-4189-942D-D702A7CBA730}" type="datetimeFigureOut">
               <a:rPr lang="zh-CN" altLang="en-US" smtClean="0"/>
-              <a:t>2018/1/30</a:t>
+              <a:t>2018/5/17</a:t>
             </a:fld>
             <a:endParaRPr lang="zh-CN" altLang="en-US"/>
           </a:p>
@@ -1986,6 +2622,39 @@
           </a:p>
         </p:txBody>
       </p:sp>
+      <p:pic>
+        <p:nvPicPr>
+          <p:cNvPr id="6" name="图片 5"/>
+          <p:cNvPicPr>
+            <a:picLocks noChangeAspect="1"/>
+          </p:cNvPicPr>
+          <p:nvPr/>
+        </p:nvPicPr>
+        <p:blipFill>
+          <a:blip r:embed="rId3">
+            <a:duotone>
+              <a:schemeClr val="bg2"/>
+              <a:srgbClr val="FFF1C1"/>
+            </a:duotone>
+          </a:blip>
+          <a:stretch>
+            <a:fillRect/>
+          </a:stretch>
+        </p:blipFill>
+        <p:spPr>
+          <a:xfrm>
+            <a:off x="8135908" y="0"/>
+            <a:ext cx="1008093" cy="1071552"/>
+          </a:xfrm>
+          <a:prstGeom prst="rect">
+            <a:avLst/>
+          </a:prstGeom>
+          <a:noFill/>
+          <a:ln>
+            <a:noFill/>
+          </a:ln>
+        </p:spPr>
+      </p:pic>
     </p:spTree>
   </p:cSld>
   <p:clrMapOvr>
@@ -2013,33 +2682,99 @@
       </p:grpSpPr>
       <p:sp>
         <p:nvSpPr>
-          <p:cNvPr id="2" name="标题 1"/>
-          <p:cNvSpPr>
-            <a:spLocks noGrp="1"/>
-          </p:cNvSpPr>
-          <p:nvPr>
-            <p:ph type="title"/>
-          </p:nvPr>
+          <p:cNvPr id="8" name="矩形 7"/>
+          <p:cNvSpPr/>
+          <p:nvPr/>
         </p:nvSpPr>
         <p:spPr>
           <a:xfrm>
-            <a:off x="457201" y="204787"/>
-            <a:ext cx="3008313" cy="871538"/>
+            <a:off x="0" y="0"/>
+            <a:ext cx="673200" cy="5143500"/>
+          </a:xfrm>
+          <a:prstGeom prst="rect">
+            <a:avLst/>
+          </a:prstGeom>
+          <a:blipFill>
+            <a:blip r:embed="rId2">
+              <a:alphaModFix amt="40000"/>
+            </a:blip>
+            <a:tile tx="0" ty="0" sx="50000" sy="50000" flip="x" algn="tl"/>
+          </a:blipFill>
+          <a:ln w="25400" cap="rnd" cmpd="sng" algn="ctr">
+            <a:noFill/>
+            <a:prstDash val="solid"/>
+          </a:ln>
+        </p:spPr>
+        <p:style>
+          <a:lnRef idx="2">
+            <a:schemeClr val="accent1"/>
+          </a:lnRef>
+          <a:fillRef idx="1">
+            <a:schemeClr val="accent1"/>
+          </a:fillRef>
+          <a:effectRef idx="0">
+            <a:schemeClr val="accent1"/>
+          </a:effectRef>
+          <a:fontRef idx="minor">
+            <a:schemeClr val="lt1"/>
+          </a:fontRef>
+        </p:style>
+        <p:txBody>
+          <a:bodyPr rtlCol="0" anchor="ctr"/>
+          <a:lstStyle/>
+          <a:p>
+            <a:pPr algn="ctr" eaLnBrk="1" latinLnBrk="0" hangingPunct="1"/>
+            <a:endParaRPr kumimoji="0" lang="zh-CN" altLang="en-US"/>
+          </a:p>
+        </p:txBody>
+      </p:sp>
+      <p:sp>
+        <p:nvSpPr>
+          <p:cNvPr id="2" name="标题 1"/>
+          <p:cNvSpPr>
+            <a:spLocks noGrp="1"/>
+          </p:cNvSpPr>
+          <p:nvPr>
+            <p:ph type="title"/>
+          </p:nvPr>
+        </p:nvSpPr>
+        <p:spPr>
+          <a:xfrm>
+            <a:off x="461176" y="4018370"/>
+            <a:ext cx="8226225" cy="576021"/>
           </a:xfrm>
         </p:spPr>
         <p:txBody>
-          <a:bodyPr anchor="b"/>
+          <a:bodyPr anchor="ctr"/>
           <a:lstStyle>
-            <a:lvl1pPr algn="l">
-              <a:defRPr sz="2000" b="1"/>
+            <a:lvl1pPr algn="ctr">
+              <a:defRPr lang="zh-CN" altLang="en-US" sz="3600" b="0" kern="1200" spc="50" dirty="0">
+                <a:ln w="12700">
+                  <a:noFill/>
+                  <a:prstDash val="solid"/>
+                </a:ln>
+                <a:solidFill>
+                  <a:schemeClr val="accent4"/>
+                </a:solidFill>
+                <a:effectLst>
+                  <a:outerShdw blurRad="38100" dist="20320" dir="2700000" algn="tl" rotWithShape="0">
+                    <a:srgbClr val="000000">
+                      <a:alpha val="70000"/>
+                    </a:srgbClr>
+                  </a:outerShdw>
+                </a:effectLst>
+                <a:latin typeface="+mj-lt"/>
+                <a:ea typeface="+mj-ea"/>
+                <a:cs typeface="+mj-cs"/>
+              </a:defRPr>
             </a:lvl1pPr>
           </a:lstStyle>
           <a:p>
             <a:r>
-              <a:rPr lang="zh-CN" altLang="en-US" smtClean="0"/>
+              <a:rPr kumimoji="0" lang="zh-CN" altLang="en-US" smtClean="0"/>
               <a:t>单击此处编辑母版标题样式</a:t>
             </a:r>
-            <a:endParaRPr lang="zh-CN" altLang="en-US"/>
+            <a:endParaRPr kumimoji="0" lang="en-US"/>
           </a:p>
         </p:txBody>
       </p:sp>
@@ -2055,8 +2790,8 @@
         </p:nvSpPr>
         <p:spPr>
           <a:xfrm>
-            <a:off x="3575050" y="204788"/>
-            <a:ext cx="5111750" cy="4389835"/>
+            <a:off x="460382" y="321453"/>
+            <a:ext cx="5111750" cy="3643339"/>
           </a:xfrm>
         </p:spPr>
         <p:txBody>
@@ -2091,40 +2826,40 @@
             </a:lvl9pPr>
           </a:lstStyle>
           <a:p>
-            <a:pPr lvl="0"/>
+            <a:pPr lvl="0" eaLnBrk="1" latinLnBrk="0" hangingPunct="1"/>
             <a:r>
               <a:rPr lang="zh-CN" altLang="en-US" smtClean="0"/>
               <a:t>单击此处编辑母版文本样式</a:t>
             </a:r>
           </a:p>
           <a:p>
-            <a:pPr lvl="1"/>
+            <a:pPr lvl="1" eaLnBrk="1" latinLnBrk="0" hangingPunct="1"/>
             <a:r>
               <a:rPr lang="zh-CN" altLang="en-US" smtClean="0"/>
               <a:t>第二级</a:t>
             </a:r>
           </a:p>
           <a:p>
-            <a:pPr lvl="2"/>
+            <a:pPr lvl="2" eaLnBrk="1" latinLnBrk="0" hangingPunct="1"/>
             <a:r>
               <a:rPr lang="zh-CN" altLang="en-US" smtClean="0"/>
               <a:t>第三级</a:t>
             </a:r>
           </a:p>
           <a:p>
-            <a:pPr lvl="3"/>
+            <a:pPr lvl="3" eaLnBrk="1" latinLnBrk="0" hangingPunct="1"/>
             <a:r>
               <a:rPr lang="zh-CN" altLang="en-US" smtClean="0"/>
               <a:t>第四级</a:t>
             </a:r>
           </a:p>
           <a:p>
-            <a:pPr lvl="4"/>
+            <a:pPr lvl="4" eaLnBrk="1" latinLnBrk="0" hangingPunct="1"/>
             <a:r>
               <a:rPr lang="zh-CN" altLang="en-US" smtClean="0"/>
               <a:t>第五级</a:t>
             </a:r>
-            <a:endParaRPr lang="zh-CN" altLang="en-US"/>
+            <a:endParaRPr kumimoji="0" lang="en-US"/>
           </a:p>
         </p:txBody>
       </p:sp>
@@ -2140,8 +2875,8 @@
         </p:nvSpPr>
         <p:spPr>
           <a:xfrm>
-            <a:off x="457201" y="1076326"/>
-            <a:ext cx="3008313" cy="3518297"/>
+            <a:off x="5679087" y="1017973"/>
+            <a:ext cx="3008313" cy="2946818"/>
           </a:xfrm>
         </p:spPr>
         <p:txBody>
@@ -2185,12 +2920,41 @@
             </a:lvl9pPr>
           </a:lstStyle>
           <a:p>
-            <a:pPr lvl="0"/>
+            <a:pPr lvl="0" eaLnBrk="1" latinLnBrk="0" hangingPunct="1"/>
             <a:r>
               <a:rPr lang="zh-CN" altLang="en-US" smtClean="0"/>
               <a:t>单击此处编辑母版文本样式</a:t>
             </a:r>
           </a:p>
+          <a:p>
+            <a:pPr lvl="1" eaLnBrk="1" latinLnBrk="0" hangingPunct="1"/>
+            <a:r>
+              <a:rPr lang="zh-CN" altLang="en-US" smtClean="0"/>
+              <a:t>第二级</a:t>
+            </a:r>
+          </a:p>
+          <a:p>
+            <a:pPr lvl="2" eaLnBrk="1" latinLnBrk="0" hangingPunct="1"/>
+            <a:r>
+              <a:rPr lang="zh-CN" altLang="en-US" smtClean="0"/>
+              <a:t>第三级</a:t>
+            </a:r>
+          </a:p>
+          <a:p>
+            <a:pPr lvl="3" eaLnBrk="1" latinLnBrk="0" hangingPunct="1"/>
+            <a:r>
+              <a:rPr lang="zh-CN" altLang="en-US" smtClean="0"/>
+              <a:t>第四级</a:t>
+            </a:r>
+          </a:p>
+          <a:p>
+            <a:pPr lvl="4" eaLnBrk="1" latinLnBrk="0" hangingPunct="1"/>
+            <a:r>
+              <a:rPr lang="zh-CN" altLang="en-US" smtClean="0"/>
+              <a:t>第五级</a:t>
+            </a:r>
+            <a:endParaRPr kumimoji="0" lang="en-US"/>
+          </a:p>
         </p:txBody>
       </p:sp>
       <p:sp>
@@ -2210,7 +2974,7 @@
           <a:p>
             <a:fld id="{530820CF-B880-4189-942D-D702A7CBA730}" type="datetimeFigureOut">
               <a:rPr lang="zh-CN" altLang="en-US" smtClean="0"/>
-              <a:t>2018/1/30</a:t>
+              <a:t>2018/5/17</a:t>
             </a:fld>
             <a:endParaRPr lang="zh-CN" altLang="en-US"/>
           </a:p>
@@ -2258,6 +3022,39 @@
           </a:p>
         </p:txBody>
       </p:sp>
+      <p:pic>
+        <p:nvPicPr>
+          <p:cNvPr id="9" name="图片 8"/>
+          <p:cNvPicPr>
+            <a:picLocks noChangeAspect="1"/>
+          </p:cNvPicPr>
+          <p:nvPr/>
+        </p:nvPicPr>
+        <p:blipFill>
+          <a:blip r:embed="rId3">
+            <a:duotone>
+              <a:schemeClr val="bg2"/>
+              <a:srgbClr val="FFF1C1"/>
+            </a:duotone>
+          </a:blip>
+          <a:stretch>
+            <a:fillRect/>
+          </a:stretch>
+        </p:blipFill>
+        <p:spPr>
+          <a:xfrm>
+            <a:off x="8135908" y="0"/>
+            <a:ext cx="1008093" cy="1071552"/>
+          </a:xfrm>
+          <a:prstGeom prst="rect">
+            <a:avLst/>
+          </a:prstGeom>
+          <a:noFill/>
+          <a:ln>
+            <a:noFill/>
+          </a:ln>
+        </p:spPr>
+      </p:pic>
     </p:spTree>
   </p:cSld>
   <p:clrMapOvr>
@@ -2285,33 +3082,103 @@
       </p:grpSpPr>
       <p:sp>
         <p:nvSpPr>
-          <p:cNvPr id="2" name="标题 1"/>
-          <p:cNvSpPr>
-            <a:spLocks noGrp="1"/>
-          </p:cNvSpPr>
-          <p:nvPr>
-            <p:ph type="title"/>
-          </p:nvPr>
+          <p:cNvPr id="8" name="矩形 7"/>
+          <p:cNvSpPr/>
+          <p:nvPr/>
         </p:nvSpPr>
         <p:spPr>
           <a:xfrm>
-            <a:off x="1792288" y="3600450"/>
-            <a:ext cx="5486400" cy="425054"/>
+            <a:off x="0" y="0"/>
+            <a:ext cx="669600" cy="5143500"/>
+          </a:xfrm>
+          <a:prstGeom prst="rect">
+            <a:avLst/>
+          </a:prstGeom>
+          <a:blipFill>
+            <a:blip r:embed="rId2">
+              <a:alphaModFix amt="40000"/>
+            </a:blip>
+            <a:tile tx="0" ty="0" sx="50000" sy="50000" flip="x" algn="tl"/>
+          </a:blipFill>
+          <a:ln w="25400" cap="rnd" cmpd="sng" algn="ctr">
+            <a:noFill/>
+            <a:prstDash val="solid"/>
+          </a:ln>
+        </p:spPr>
+        <p:style>
+          <a:lnRef idx="2">
+            <a:schemeClr val="accent1"/>
+          </a:lnRef>
+          <a:fillRef idx="1">
+            <a:schemeClr val="accent1"/>
+          </a:fillRef>
+          <a:effectRef idx="0">
+            <a:schemeClr val="accent1"/>
+          </a:effectRef>
+          <a:fontRef idx="minor">
+            <a:schemeClr val="lt1"/>
+          </a:fontRef>
+        </p:style>
+        <p:txBody>
+          <a:bodyPr rtlCol="0" anchor="ctr"/>
+          <a:lstStyle/>
+          <a:p>
+            <a:pPr algn="ctr" eaLnBrk="1" latinLnBrk="0" hangingPunct="1"/>
+            <a:endParaRPr kumimoji="0" lang="zh-CN" altLang="en-US"/>
+          </a:p>
+        </p:txBody>
+      </p:sp>
+      <p:sp>
+        <p:nvSpPr>
+          <p:cNvPr id="2" name="标题 1"/>
+          <p:cNvSpPr>
+            <a:spLocks noGrp="1"/>
+          </p:cNvSpPr>
+          <p:nvPr>
+            <p:ph type="title"/>
+          </p:nvPr>
+        </p:nvSpPr>
+        <p:spPr>
+          <a:xfrm>
+            <a:off x="695298" y="160718"/>
+            <a:ext cx="7448602" cy="585789"/>
           </a:xfrm>
         </p:spPr>
         <p:txBody>
-          <a:bodyPr anchor="b"/>
+          <a:bodyPr anchor="ctr"/>
           <a:lstStyle>
-            <a:lvl1pPr algn="l">
-              <a:defRPr sz="2000" b="1"/>
+            <a:lvl1pPr algn="ctr" rtl="0">
+              <a:spcBef>
+                <a:spcPct val="0"/>
+              </a:spcBef>
+              <a:buNone/>
+              <a:defRPr sz="3600" b="0" kern="1200" spc="50">
+                <a:ln w="12700">
+                  <a:noFill/>
+                  <a:prstDash val="solid"/>
+                </a:ln>
+                <a:solidFill>
+                  <a:schemeClr val="accent4"/>
+                </a:solidFill>
+                <a:effectLst>
+                  <a:outerShdw blurRad="38100" dist="20320" dir="2700000" algn="tl" rotWithShape="0">
+                    <a:srgbClr val="000000">
+                      <a:alpha val="70000"/>
+                    </a:srgbClr>
+                  </a:outerShdw>
+                </a:effectLst>
+                <a:latin typeface="+mj-lt"/>
+                <a:ea typeface="+mj-ea"/>
+                <a:cs typeface="+mj-cs"/>
+              </a:defRPr>
             </a:lvl1pPr>
           </a:lstStyle>
           <a:p>
             <a:r>
-              <a:rPr lang="zh-CN" altLang="en-US" smtClean="0"/>
+              <a:rPr kumimoji="0" lang="zh-CN" altLang="en-US" smtClean="0"/>
               <a:t>单击此处编辑母版标题样式</a:t>
             </a:r>
-            <a:endParaRPr lang="zh-CN" altLang="en-US"/>
+            <a:endParaRPr kumimoji="0" lang="en-US"/>
           </a:p>
         </p:txBody>
       </p:sp>
@@ -2327,10 +3194,30 @@
         </p:nvSpPr>
         <p:spPr>
           <a:xfrm>
-            <a:off x="1792288" y="459581"/>
-            <a:ext cx="5486400" cy="3086100"/>
+            <a:off x="681015" y="750081"/>
+            <a:ext cx="7452360" cy="3911231"/>
           </a:xfrm>
+          <a:prstGeom prst="snip2DiagRect">
+            <a:avLst>
+              <a:gd name="adj1" fmla="val 0"/>
+              <a:gd name="adj2" fmla="val 17946"/>
+            </a:avLst>
+          </a:prstGeom>
         </p:spPr>
+        <p:style>
+          <a:lnRef idx="2">
+            <a:schemeClr val="accent1"/>
+          </a:lnRef>
+          <a:fillRef idx="1">
+            <a:schemeClr val="lt1"/>
+          </a:fillRef>
+          <a:effectRef idx="0">
+            <a:schemeClr val="accent1"/>
+          </a:effectRef>
+          <a:fontRef idx="minor">
+            <a:schemeClr val="dk1"/>
+          </a:fontRef>
+        </p:style>
         <p:txBody>
           <a:bodyPr/>
           <a:lstStyle>
@@ -2372,7 +3259,11 @@
             </a:lvl9pPr>
           </a:lstStyle>
           <a:p>
-            <a:endParaRPr lang="zh-CN" altLang="en-US"/>
+            <a:r>
+              <a:rPr kumimoji="0" lang="zh-CN" altLang="en-US" smtClean="0"/>
+              <a:t>单击图标添加图片</a:t>
+            </a:r>
+            <a:endParaRPr kumimoji="0" lang="en-US"/>
           </a:p>
         </p:txBody>
       </p:sp>
@@ -2388,30 +3279,30 @@
         </p:nvSpPr>
         <p:spPr>
           <a:xfrm>
-            <a:off x="1792288" y="4025503"/>
-            <a:ext cx="5486400" cy="603647"/>
+            <a:off x="4953001" y="4682725"/>
+            <a:ext cx="3180375" cy="460775"/>
           </a:xfrm>
         </p:spPr>
         <p:txBody>
-          <a:bodyPr/>
+          <a:bodyPr anchor="t"/>
           <a:lstStyle>
-            <a:lvl1pPr marL="0" indent="0">
+            <a:lvl1pPr marL="0" indent="0" algn="r">
               <a:buNone/>
               <a:defRPr sz="1400"/>
             </a:lvl1pPr>
-            <a:lvl2pPr marL="457200" indent="0">
+            <a:lvl2pPr marL="457200" indent="0" algn="r">
               <a:buNone/>
               <a:defRPr sz="1200"/>
             </a:lvl2pPr>
-            <a:lvl3pPr marL="914400" indent="0">
+            <a:lvl3pPr marL="914400" indent="0" algn="r">
               <a:buNone/>
               <a:defRPr sz="1000"/>
             </a:lvl3pPr>
-            <a:lvl4pPr marL="1371600" indent="0">
+            <a:lvl4pPr marL="1371600" indent="0" algn="r">
               <a:buNone/>
               <a:defRPr sz="900"/>
             </a:lvl4pPr>
-            <a:lvl5pPr marL="1828800" indent="0">
+            <a:lvl5pPr marL="1828800" indent="0" algn="r">
               <a:buNone/>
               <a:defRPr sz="900"/>
             </a:lvl5pPr>
@@ -2433,9 +3324,9 @@
             </a:lvl9pPr>
           </a:lstStyle>
           <a:p>
-            <a:pPr lvl="0"/>
-            <a:r>
-              <a:rPr lang="zh-CN" altLang="en-US" smtClean="0"/>
+            <a:pPr lvl="0" eaLnBrk="1" latinLnBrk="0" hangingPunct="1"/>
+            <a:r>
+              <a:rPr kumimoji="0" lang="zh-CN" altLang="en-US" smtClean="0"/>
               <a:t>单击此处编辑母版文本样式</a:t>
             </a:r>
           </a:p>
@@ -2451,14 +3342,19 @@
             <p:ph type="dt" sz="half" idx="10"/>
           </p:nvPr>
         </p:nvSpPr>
-        <p:spPr/>
+        <p:spPr>
+          <a:xfrm>
+            <a:off x="609600" y="4869659"/>
+            <a:ext cx="1676384" cy="273844"/>
+          </a:xfrm>
+        </p:spPr>
         <p:txBody>
           <a:bodyPr/>
           <a:lstStyle/>
           <a:p>
             <a:fld id="{530820CF-B880-4189-942D-D702A7CBA730}" type="datetimeFigureOut">
               <a:rPr lang="zh-CN" altLang="en-US" smtClean="0"/>
-              <a:t>2018/1/30</a:t>
+              <a:t>2018/5/17</a:t>
             </a:fld>
             <a:endParaRPr lang="zh-CN" altLang="en-US"/>
           </a:p>
@@ -2474,7 +3370,12 @@
             <p:ph type="ftr" sz="quarter" idx="11"/>
           </p:nvPr>
         </p:nvSpPr>
-        <p:spPr/>
+        <p:spPr>
+          <a:xfrm>
+            <a:off x="2285984" y="4869657"/>
+            <a:ext cx="2643206" cy="273844"/>
+          </a:xfrm>
+        </p:spPr>
         <p:txBody>
           <a:bodyPr/>
           <a:lstStyle/>
@@ -2493,7 +3394,30 @@
             <p:ph type="sldNum" sz="quarter" idx="12"/>
           </p:nvPr>
         </p:nvSpPr>
-        <p:spPr/>
+        <p:spPr>
+          <a:xfrm>
+            <a:off x="683073" y="4010254"/>
+            <a:ext cx="871200" cy="653400"/>
+          </a:xfrm>
+          <a:prstGeom prst="rtTriangle">
+            <a:avLst/>
+          </a:prstGeom>
+          <a:noFill/>
+        </p:spPr>
+        <p:style>
+          <a:lnRef idx="2">
+            <a:schemeClr val="accent1"/>
+          </a:lnRef>
+          <a:fillRef idx="1">
+            <a:schemeClr val="lt1"/>
+          </a:fillRef>
+          <a:effectRef idx="0">
+            <a:schemeClr val="accent1"/>
+          </a:effectRef>
+          <a:fontRef idx="minor">
+            <a:schemeClr val="dk1"/>
+          </a:fontRef>
+        </p:style>
         <p:txBody>
           <a:bodyPr/>
           <a:lstStyle/>
@@ -2506,6 +3430,39 @@
           </a:p>
         </p:txBody>
       </p:sp>
+      <p:pic>
+        <p:nvPicPr>
+          <p:cNvPr id="9" name="图片 8"/>
+          <p:cNvPicPr>
+            <a:picLocks noChangeAspect="1"/>
+          </p:cNvPicPr>
+          <p:nvPr/>
+        </p:nvPicPr>
+        <p:blipFill>
+          <a:blip r:embed="rId3">
+            <a:duotone>
+              <a:schemeClr val="bg2"/>
+              <a:srgbClr val="FFF1C1"/>
+            </a:duotone>
+          </a:blip>
+          <a:stretch>
+            <a:fillRect/>
+          </a:stretch>
+        </p:blipFill>
+        <p:spPr>
+          <a:xfrm>
+            <a:off x="8135908" y="0"/>
+            <a:ext cx="1008093" cy="1071552"/>
+          </a:xfrm>
+          <a:prstGeom prst="rect">
+            <a:avLst/>
+          </a:prstGeom>
+          <a:noFill/>
+          <a:ln>
+            <a:noFill/>
+          </a:ln>
+        </p:spPr>
+      </p:pic>
     </p:spTree>
   </p:cSld>
   <p:clrMapOvr>
@@ -2519,7 +3476,7 @@
   <p:cSld>
     <p:bg>
       <p:bgRef idx="1001">
-        <a:schemeClr val="bg1"/>
+        <a:schemeClr val="bg2"/>
       </p:bgRef>
     </p:bg>
     <p:spTree>
@@ -2549,23 +3506,30 @@
         <p:spPr>
           <a:xfrm>
             <a:off x="457200" y="205979"/>
-            <a:ext cx="8229600" cy="857250"/>
+            <a:ext cx="7776000" cy="857250"/>
           </a:xfrm>
           <a:prstGeom prst="rect">
             <a:avLst/>
           </a:prstGeom>
         </p:spPr>
         <p:txBody>
-          <a:bodyPr vert="horz" lIns="91440" tIns="45720" rIns="91440" bIns="45720" rtlCol="0" anchor="ctr">
+          <a:bodyPr vert="horz" rtlCol="0" anchor="ctr">
             <a:normAutofit/>
+            <a:scene3d>
+              <a:camera prst="orthographicFront"/>
+              <a:lightRig rig="soft" dir="t"/>
+            </a:scene3d>
+            <a:sp3d prstMaterial="matte">
+              <a:bevelT w="12700" h="12700"/>
+            </a:sp3d>
           </a:bodyPr>
           <a:lstStyle/>
           <a:p>
             <a:r>
-              <a:rPr lang="zh-CN" altLang="en-US" smtClean="0"/>
+              <a:rPr kumimoji="0" lang="zh-CN" altLang="en-US" smtClean="0"/>
               <a:t>单击此处编辑母版标题样式</a:t>
             </a:r>
-            <a:endParaRPr lang="zh-CN" altLang="en-US"/>
+            <a:endParaRPr kumimoji="0" lang="en-US"/>
           </a:p>
         </p:txBody>
       </p:sp>
@@ -2589,45 +3553,45 @@
           </a:prstGeom>
         </p:spPr>
         <p:txBody>
-          <a:bodyPr vert="horz" lIns="91440" tIns="45720" rIns="91440" bIns="45720" rtlCol="0">
+          <a:bodyPr vert="horz" rtlCol="0">
             <a:normAutofit/>
           </a:bodyPr>
           <a:lstStyle/>
           <a:p>
-            <a:pPr lvl="0"/>
-            <a:r>
-              <a:rPr lang="zh-CN" altLang="en-US" smtClean="0"/>
+            <a:pPr lvl="0" eaLnBrk="1" latinLnBrk="0" hangingPunct="1"/>
+            <a:r>
+              <a:rPr kumimoji="0" lang="zh-CN" altLang="en-US" smtClean="0"/>
               <a:t>单击此处编辑母版文本样式</a:t>
             </a:r>
           </a:p>
           <a:p>
-            <a:pPr lvl="1"/>
-            <a:r>
-              <a:rPr lang="zh-CN" altLang="en-US" smtClean="0"/>
+            <a:pPr lvl="1" eaLnBrk="1" latinLnBrk="0" hangingPunct="1"/>
+            <a:r>
+              <a:rPr kumimoji="0" lang="zh-CN" altLang="en-US" smtClean="0"/>
               <a:t>第二级</a:t>
             </a:r>
           </a:p>
           <a:p>
-            <a:pPr lvl="2"/>
-            <a:r>
-              <a:rPr lang="zh-CN" altLang="en-US" smtClean="0"/>
+            <a:pPr lvl="2" eaLnBrk="1" latinLnBrk="0" hangingPunct="1"/>
+            <a:r>
+              <a:rPr kumimoji="0" lang="zh-CN" altLang="en-US" smtClean="0"/>
               <a:t>第三级</a:t>
             </a:r>
           </a:p>
           <a:p>
-            <a:pPr lvl="3"/>
-            <a:r>
-              <a:rPr lang="zh-CN" altLang="en-US" smtClean="0"/>
+            <a:pPr lvl="3" eaLnBrk="1" latinLnBrk="0" hangingPunct="1"/>
+            <a:r>
+              <a:rPr kumimoji="0" lang="zh-CN" altLang="en-US" smtClean="0"/>
               <a:t>第四级</a:t>
             </a:r>
           </a:p>
           <a:p>
-            <a:pPr lvl="4"/>
-            <a:r>
-              <a:rPr lang="zh-CN" altLang="en-US" smtClean="0"/>
+            <a:pPr lvl="4" eaLnBrk="1" latinLnBrk="0" hangingPunct="1"/>
+            <a:r>
+              <a:rPr kumimoji="0" lang="zh-CN" altLang="en-US" smtClean="0"/>
               <a:t>第五级</a:t>
             </a:r>
-            <a:endParaRPr lang="zh-CN" altLang="en-US"/>
+            <a:endParaRPr kumimoji="0" lang="en-US"/>
           </a:p>
         </p:txBody>
       </p:sp>
@@ -2651,14 +3615,12 @@
           </a:prstGeom>
         </p:spPr>
         <p:txBody>
-          <a:bodyPr vert="horz" lIns="91440" tIns="45720" rIns="91440" bIns="45720" rtlCol="0" anchor="ctr"/>
+          <a:bodyPr vert="horz" lIns="274320" rtlCol="0" anchor="ctr"/>
           <a:lstStyle>
-            <a:lvl1pPr algn="l">
-              <a:defRPr sz="1200">
+            <a:lvl1pPr algn="l" eaLnBrk="1" latinLnBrk="0" hangingPunct="1">
+              <a:defRPr kumimoji="0" sz="1200">
                 <a:solidFill>
-                  <a:schemeClr val="tx1">
-                    <a:tint val="75000"/>
-                  </a:schemeClr>
+                  <a:schemeClr val="tx1"/>
                 </a:solidFill>
               </a:defRPr>
             </a:lvl1pPr>
@@ -2666,7 +3628,7 @@
           <a:p>
             <a:fld id="{530820CF-B880-4189-942D-D702A7CBA730}" type="datetimeFigureOut">
               <a:rPr lang="zh-CN" altLang="en-US" smtClean="0"/>
-              <a:t>2018/1/30</a:t>
+              <a:t>2018/5/17</a:t>
             </a:fld>
             <a:endParaRPr lang="zh-CN" altLang="en-US"/>
           </a:p>
@@ -2692,14 +3654,12 @@
           </a:prstGeom>
         </p:spPr>
         <p:txBody>
-          <a:bodyPr vert="horz" lIns="91440" tIns="45720" rIns="91440" bIns="45720" rtlCol="0" anchor="ctr"/>
+          <a:bodyPr vert="horz" rtlCol="0" anchor="ctr"/>
           <a:lstStyle>
-            <a:lvl1pPr algn="ctr">
-              <a:defRPr sz="1200">
+            <a:lvl1pPr algn="ctr" eaLnBrk="1" latinLnBrk="0" hangingPunct="1">
+              <a:defRPr kumimoji="0" sz="1200">
                 <a:solidFill>
-                  <a:schemeClr val="tx1">
-                    <a:tint val="75000"/>
-                  </a:schemeClr>
+                  <a:schemeClr val="tx1"/>
                 </a:solidFill>
               </a:defRPr>
             </a:lvl1pPr>
@@ -2729,14 +3689,12 @@
           </a:prstGeom>
         </p:spPr>
         <p:txBody>
-          <a:bodyPr vert="horz" lIns="91440" tIns="45720" rIns="91440" bIns="45720" rtlCol="0" anchor="ctr"/>
+          <a:bodyPr vert="horz" lIns="45720" tIns="45720" rIns="45720" rtlCol="0" anchor="ctr"/>
           <a:lstStyle>
-            <a:lvl1pPr algn="r">
-              <a:defRPr sz="1200">
+            <a:lvl1pPr algn="r" eaLnBrk="1" latinLnBrk="0" hangingPunct="1">
+              <a:defRPr kumimoji="0" sz="1200">
                 <a:solidFill>
-                  <a:schemeClr val="tx1">
-                    <a:tint val="75000"/>
-                  </a:schemeClr>
+                  <a:schemeClr val="tx1"/>
                 </a:solidFill>
               </a:defRPr>
             </a:lvl1pPr>
@@ -2752,45 +3710,116 @@
       </p:sp>
     </p:spTree>
   </p:cSld>
-  <p:clrMap bg1="lt1" tx1="dk1" bg2="lt2" tx2="dk2" accent1="accent1" accent2="accent2" accent3="accent3" accent4="accent4" accent5="accent5" accent6="accent6" hlink="hlink" folHlink="folHlink"/>
+  <p:clrMap bg1="dk1" tx1="lt1" bg2="dk2" tx2="lt2" accent1="accent1" accent2="accent2" accent3="accent3" accent4="accent4" accent5="accent5" accent6="accent6" hlink="hlink" folHlink="folHlink"/>
   <p:sldLayoutIdLst>
-    <p:sldLayoutId id="2147483649" r:id="rId1"/>
-    <p:sldLayoutId id="2147483650" r:id="rId2"/>
-    <p:sldLayoutId id="2147483651" r:id="rId3"/>
-    <p:sldLayoutId id="2147483652" r:id="rId4"/>
-    <p:sldLayoutId id="2147483653" r:id="rId5"/>
-    <p:sldLayoutId id="2147483654" r:id="rId6"/>
-    <p:sldLayoutId id="2147483655" r:id="rId7"/>
-    <p:sldLayoutId id="2147483656" r:id="rId8"/>
-    <p:sldLayoutId id="2147483657" r:id="rId9"/>
-    <p:sldLayoutId id="2147483658" r:id="rId10"/>
-    <p:sldLayoutId id="2147483659" r:id="rId11"/>
+    <p:sldLayoutId id="2147483661" r:id="rId1"/>
+    <p:sldLayoutId id="2147483662" r:id="rId2"/>
+    <p:sldLayoutId id="2147483663" r:id="rId3"/>
+    <p:sldLayoutId id="2147483664" r:id="rId4"/>
+    <p:sldLayoutId id="2147483665" r:id="rId5"/>
+    <p:sldLayoutId id="2147483666" r:id="rId6"/>
+    <p:sldLayoutId id="2147483667" r:id="rId7"/>
+    <p:sldLayoutId id="2147483668" r:id="rId8"/>
+    <p:sldLayoutId id="2147483669" r:id="rId9"/>
+    <p:sldLayoutId id="2147483670" r:id="rId10"/>
+    <p:sldLayoutId id="2147483671" r:id="rId11"/>
   </p:sldLayoutIdLst>
   <p:txStyles>
     <p:titleStyle>
-      <a:lvl1pPr algn="ctr" defTabSz="914400" rtl="0" eaLnBrk="1" latinLnBrk="0" hangingPunct="1">
+      <a:lvl1pPr algn="l" rtl="0" eaLnBrk="1" latinLnBrk="0" hangingPunct="1">
         <a:spcBef>
           <a:spcPct val="0"/>
         </a:spcBef>
         <a:buNone/>
-        <a:defRPr sz="4400" kern="1200">
+        <a:defRPr kumimoji="0" lang="zh-CN" altLang="en-US" sz="4400" b="0" kern="1200" spc="50" dirty="0">
+          <a:ln w="12700">
+            <a:noFill/>
+            <a:prstDash val="solid"/>
+          </a:ln>
           <a:solidFill>
-            <a:schemeClr val="tx1"/>
+            <a:schemeClr val="accent4"/>
           </a:solidFill>
+          <a:effectLst>
+            <a:outerShdw blurRad="38100" dist="20320" dir="2700000" algn="tl" rotWithShape="0">
+              <a:srgbClr val="000000">
+                <a:alpha val="70000"/>
+              </a:srgbClr>
+            </a:outerShdw>
+          </a:effectLst>
           <a:latin typeface="+mj-lt"/>
           <a:ea typeface="+mj-ea"/>
           <a:cs typeface="+mj-cs"/>
         </a:defRPr>
       </a:lvl1pPr>
+      <a:lvl2pPr eaLnBrk="1" latinLnBrk="0" hangingPunct="1">
+        <a:defRPr kumimoji="0">
+          <a:solidFill>
+            <a:schemeClr val="tx2"/>
+          </a:solidFill>
+        </a:defRPr>
+      </a:lvl2pPr>
+      <a:lvl3pPr eaLnBrk="1" latinLnBrk="0" hangingPunct="1">
+        <a:defRPr kumimoji="0">
+          <a:solidFill>
+            <a:schemeClr val="tx2"/>
+          </a:solidFill>
+        </a:defRPr>
+      </a:lvl3pPr>
+      <a:lvl4pPr eaLnBrk="1" latinLnBrk="0" hangingPunct="1">
+        <a:defRPr kumimoji="0">
+          <a:solidFill>
+            <a:schemeClr val="tx2"/>
+          </a:solidFill>
+        </a:defRPr>
+      </a:lvl4pPr>
+      <a:lvl5pPr eaLnBrk="1" latinLnBrk="0" hangingPunct="1">
+        <a:defRPr kumimoji="0">
+          <a:solidFill>
+            <a:schemeClr val="tx2"/>
+          </a:solidFill>
+        </a:defRPr>
+      </a:lvl5pPr>
+      <a:lvl6pPr eaLnBrk="1" latinLnBrk="0" hangingPunct="1">
+        <a:defRPr kumimoji="0">
+          <a:solidFill>
+            <a:schemeClr val="tx2"/>
+          </a:solidFill>
+        </a:defRPr>
+      </a:lvl6pPr>
+      <a:lvl7pPr eaLnBrk="1" latinLnBrk="0" hangingPunct="1">
+        <a:defRPr kumimoji="0">
+          <a:solidFill>
+            <a:schemeClr val="tx2"/>
+          </a:solidFill>
+        </a:defRPr>
+      </a:lvl7pPr>
+      <a:lvl8pPr eaLnBrk="1" latinLnBrk="0" hangingPunct="1">
+        <a:defRPr kumimoji="0">
+          <a:solidFill>
+            <a:schemeClr val="tx2"/>
+          </a:solidFill>
+        </a:defRPr>
+      </a:lvl8pPr>
+      <a:lvl9pPr eaLnBrk="1" latinLnBrk="0" hangingPunct="1">
+        <a:defRPr kumimoji="0">
+          <a:solidFill>
+            <a:schemeClr val="tx2"/>
+          </a:solidFill>
+        </a:defRPr>
+      </a:lvl9pPr>
     </p:titleStyle>
     <p:bodyStyle>
-      <a:lvl1pPr marL="342900" indent="-342900" algn="l" defTabSz="914400" rtl="0" eaLnBrk="1" latinLnBrk="0" hangingPunct="1">
+      <a:lvl1pPr marL="342900" indent="-342900" algn="l" rtl="0" eaLnBrk="1" latinLnBrk="0" hangingPunct="1">
         <a:spcBef>
           <a:spcPct val="20000"/>
         </a:spcBef>
-        <a:buFont typeface="Arial" pitchFamily="34" charset="0"/>
-        <a:buChar char="•"/>
-        <a:defRPr sz="3200" kern="1200">
+        <a:buClr>
+          <a:schemeClr val="tx2"/>
+        </a:buClr>
+        <a:buSzPct val="60000"/>
+        <a:buFont typeface="Wingdings 2"/>
+        <a:buChar char=""/>
+        <a:defRPr kumimoji="0" sz="3200" kern="1200">
           <a:solidFill>
             <a:schemeClr val="tx1"/>
           </a:solidFill>
@@ -2799,13 +3828,17 @@
           <a:cs typeface="+mn-cs"/>
         </a:defRPr>
       </a:lvl1pPr>
-      <a:lvl2pPr marL="742950" indent="-285750" algn="l" defTabSz="914400" rtl="0" eaLnBrk="1" latinLnBrk="0" hangingPunct="1">
+      <a:lvl2pPr marL="742950" indent="-285750" algn="l" rtl="0" eaLnBrk="1" latinLnBrk="0" hangingPunct="1">
         <a:spcBef>
           <a:spcPct val="20000"/>
         </a:spcBef>
-        <a:buFont typeface="Arial" pitchFamily="34" charset="0"/>
-        <a:buChar char="–"/>
-        <a:defRPr sz="2800" kern="1200">
+        <a:buClr>
+          <a:schemeClr val="tx2"/>
+        </a:buClr>
+        <a:buSzPct val="60000"/>
+        <a:buFont typeface="Wingdings 2"/>
+        <a:buChar char=""/>
+        <a:defRPr kumimoji="0" sz="2800" kern="1200">
           <a:solidFill>
             <a:schemeClr val="tx1"/>
           </a:solidFill>
@@ -2814,13 +3847,17 @@
           <a:cs typeface="+mn-cs"/>
         </a:defRPr>
       </a:lvl2pPr>
-      <a:lvl3pPr marL="1143000" indent="-228600" algn="l" defTabSz="914400" rtl="0" eaLnBrk="1" latinLnBrk="0" hangingPunct="1">
+      <a:lvl3pPr marL="1143000" indent="-228600" algn="l" rtl="0" eaLnBrk="1" latinLnBrk="0" hangingPunct="1">
         <a:spcBef>
           <a:spcPct val="20000"/>
         </a:spcBef>
-        <a:buFont typeface="Arial" pitchFamily="34" charset="0"/>
-        <a:buChar char="•"/>
-        <a:defRPr sz="2400" kern="1200">
+        <a:buClr>
+          <a:schemeClr val="tx2"/>
+        </a:buClr>
+        <a:buSzPct val="60000"/>
+        <a:buFont typeface="Wingdings 2"/>
+        <a:buChar char=""/>
+        <a:defRPr kumimoji="0" sz="2400" kern="1200">
           <a:solidFill>
             <a:schemeClr val="tx1"/>
           </a:solidFill>
@@ -2829,13 +3866,17 @@
           <a:cs typeface="+mn-cs"/>
         </a:defRPr>
       </a:lvl3pPr>
-      <a:lvl4pPr marL="1600200" indent="-228600" algn="l" defTabSz="914400" rtl="0" eaLnBrk="1" latinLnBrk="0" hangingPunct="1">
+      <a:lvl4pPr marL="1600200" indent="-228600" algn="l" rtl="0" eaLnBrk="1" latinLnBrk="0" hangingPunct="1">
         <a:spcBef>
           <a:spcPct val="20000"/>
         </a:spcBef>
-        <a:buFont typeface="Arial" pitchFamily="34" charset="0"/>
-        <a:buChar char="–"/>
-        <a:defRPr sz="2000" kern="1200">
+        <a:buClr>
+          <a:schemeClr val="tx2"/>
+        </a:buClr>
+        <a:buSzPct val="60000"/>
+        <a:buFont typeface="Wingdings 2"/>
+        <a:buChar char=""/>
+        <a:defRPr kumimoji="0" sz="2000" kern="1200">
           <a:solidFill>
             <a:schemeClr val="tx1"/>
           </a:solidFill>
@@ -2844,13 +3885,17 @@
           <a:cs typeface="+mn-cs"/>
         </a:defRPr>
       </a:lvl4pPr>
-      <a:lvl5pPr marL="2057400" indent="-228600" algn="l" defTabSz="914400" rtl="0" eaLnBrk="1" latinLnBrk="0" hangingPunct="1">
+      <a:lvl5pPr marL="2057400" indent="-228600" algn="l" rtl="0" eaLnBrk="1" latinLnBrk="0" hangingPunct="1">
         <a:spcBef>
           <a:spcPct val="20000"/>
         </a:spcBef>
-        <a:buFont typeface="Arial" pitchFamily="34" charset="0"/>
-        <a:buChar char="»"/>
-        <a:defRPr sz="2000" kern="1200">
+        <a:buClr>
+          <a:schemeClr val="tx2"/>
+        </a:buClr>
+        <a:buSzPct val="60000"/>
+        <a:buFont typeface="Wingdings 2"/>
+        <a:buChar char=""/>
+        <a:defRPr kumimoji="0" sz="2000" kern="1200">
           <a:solidFill>
             <a:schemeClr val="tx1"/>
           </a:solidFill>
@@ -2859,13 +3904,13 @@
           <a:cs typeface="+mn-cs"/>
         </a:defRPr>
       </a:lvl5pPr>
-      <a:lvl6pPr marL="2514600" indent="-228600" algn="l" defTabSz="914400" rtl="0" eaLnBrk="1" latinLnBrk="0" hangingPunct="1">
+      <a:lvl6pPr marL="2514600" indent="-228600" algn="l" rtl="0" eaLnBrk="1" latinLnBrk="0" hangingPunct="1">
         <a:spcBef>
           <a:spcPct val="20000"/>
         </a:spcBef>
-        <a:buFont typeface="Arial" pitchFamily="34" charset="0"/>
+        <a:buFont typeface="Arial"/>
         <a:buChar char="•"/>
-        <a:defRPr sz="2000" kern="1200">
+        <a:defRPr kumimoji="0" sz="2000" kern="1200">
           <a:solidFill>
             <a:schemeClr val="tx1"/>
           </a:solidFill>
@@ -2874,13 +3919,13 @@
           <a:cs typeface="+mn-cs"/>
         </a:defRPr>
       </a:lvl6pPr>
-      <a:lvl7pPr marL="2971800" indent="-228600" algn="l" defTabSz="914400" rtl="0" eaLnBrk="1" latinLnBrk="0" hangingPunct="1">
+      <a:lvl7pPr marL="2971800" indent="-228600" algn="l" rtl="0" eaLnBrk="1" latinLnBrk="0" hangingPunct="1">
         <a:spcBef>
           <a:spcPct val="20000"/>
         </a:spcBef>
-        <a:buFont typeface="Arial" pitchFamily="34" charset="0"/>
+        <a:buFont typeface="Arial"/>
         <a:buChar char="•"/>
-        <a:defRPr sz="2000" kern="1200">
+        <a:defRPr kumimoji="0" sz="2000" kern="1200">
           <a:solidFill>
             <a:schemeClr val="tx1"/>
           </a:solidFill>
@@ -2889,13 +3934,13 @@
           <a:cs typeface="+mn-cs"/>
         </a:defRPr>
       </a:lvl7pPr>
-      <a:lvl8pPr marL="3429000" indent="-228600" algn="l" defTabSz="914400" rtl="0" eaLnBrk="1" latinLnBrk="0" hangingPunct="1">
+      <a:lvl8pPr marL="3429000" indent="-228600" algn="l" rtl="0" eaLnBrk="1" latinLnBrk="0" hangingPunct="1">
         <a:spcBef>
           <a:spcPct val="20000"/>
         </a:spcBef>
-        <a:buFont typeface="Arial" pitchFamily="34" charset="0"/>
+        <a:buFont typeface="Arial"/>
         <a:buChar char="•"/>
-        <a:defRPr sz="2000" kern="1200">
+        <a:defRPr kumimoji="0" sz="2000" kern="1200">
           <a:solidFill>
             <a:schemeClr val="tx1"/>
           </a:solidFill>
@@ -2904,13 +3949,13 @@
           <a:cs typeface="+mn-cs"/>
         </a:defRPr>
       </a:lvl8pPr>
-      <a:lvl9pPr marL="3886200" indent="-228600" algn="l" defTabSz="914400" rtl="0" eaLnBrk="1" latinLnBrk="0" hangingPunct="1">
+      <a:lvl9pPr marL="3886200" indent="-228600" algn="l" rtl="0" eaLnBrk="1" latinLnBrk="0" hangingPunct="1">
         <a:spcBef>
           <a:spcPct val="20000"/>
         </a:spcBef>
-        <a:buFont typeface="Arial" pitchFamily="34" charset="0"/>
+        <a:buFont typeface="Arial"/>
         <a:buChar char="•"/>
-        <a:defRPr sz="2000" kern="1200">
+        <a:defRPr kumimoji="0" sz="2000" kern="1200">
           <a:solidFill>
             <a:schemeClr val="tx1"/>
           </a:solidFill>
@@ -2921,11 +3966,8 @@
       </a:lvl9pPr>
     </p:bodyStyle>
     <p:otherStyle>
-      <a:defPPr>
-        <a:defRPr lang="zh-CN"/>
-      </a:defPPr>
-      <a:lvl1pPr marL="0" algn="l" defTabSz="914400" rtl="0" eaLnBrk="1" latinLnBrk="0" hangingPunct="1">
-        <a:defRPr sz="1800" kern="1200">
+      <a:lvl1pPr marL="0" algn="l" rtl="0" eaLnBrk="1" latinLnBrk="0" hangingPunct="1">
+        <a:defRPr kumimoji="0" kern="1200">
           <a:solidFill>
             <a:schemeClr val="tx1"/>
           </a:solidFill>
@@ -2934,8 +3976,8 @@
           <a:cs typeface="+mn-cs"/>
         </a:defRPr>
       </a:lvl1pPr>
-      <a:lvl2pPr marL="457200" algn="l" defTabSz="914400" rtl="0" eaLnBrk="1" latinLnBrk="0" hangingPunct="1">
-        <a:defRPr sz="1800" kern="1200">
+      <a:lvl2pPr marL="457200" algn="l" rtl="0" eaLnBrk="1" latinLnBrk="0" hangingPunct="1">
+        <a:defRPr kumimoji="0" kern="1200">
           <a:solidFill>
             <a:schemeClr val="tx1"/>
           </a:solidFill>
@@ -2944,8 +3986,8 @@
           <a:cs typeface="+mn-cs"/>
         </a:defRPr>
       </a:lvl2pPr>
-      <a:lvl3pPr marL="914400" algn="l" defTabSz="914400" rtl="0" eaLnBrk="1" latinLnBrk="0" hangingPunct="1">
-        <a:defRPr sz="1800" kern="1200">
+      <a:lvl3pPr marL="914400" algn="l" rtl="0" eaLnBrk="1" latinLnBrk="0" hangingPunct="1">
+        <a:defRPr kumimoji="0" kern="1200">
           <a:solidFill>
             <a:schemeClr val="tx1"/>
           </a:solidFill>
@@ -2954,8 +3996,8 @@
           <a:cs typeface="+mn-cs"/>
         </a:defRPr>
       </a:lvl3pPr>
-      <a:lvl4pPr marL="1371600" algn="l" defTabSz="914400" rtl="0" eaLnBrk="1" latinLnBrk="0" hangingPunct="1">
-        <a:defRPr sz="1800" kern="1200">
+      <a:lvl4pPr marL="1371600" algn="l" rtl="0" eaLnBrk="1" latinLnBrk="0" hangingPunct="1">
+        <a:defRPr kumimoji="0" kern="1200">
           <a:solidFill>
             <a:schemeClr val="tx1"/>
           </a:solidFill>
@@ -2964,8 +4006,8 @@
           <a:cs typeface="+mn-cs"/>
         </a:defRPr>
       </a:lvl4pPr>
-      <a:lvl5pPr marL="1828800" algn="l" defTabSz="914400" rtl="0" eaLnBrk="1" latinLnBrk="0" hangingPunct="1">
-        <a:defRPr sz="1800" kern="1200">
+      <a:lvl5pPr marL="1828800" algn="l" rtl="0" eaLnBrk="1" latinLnBrk="0" hangingPunct="1">
+        <a:defRPr kumimoji="0" kern="1200">
           <a:solidFill>
             <a:schemeClr val="tx1"/>
           </a:solidFill>
@@ -2974,8 +4016,8 @@
           <a:cs typeface="+mn-cs"/>
         </a:defRPr>
       </a:lvl5pPr>
-      <a:lvl6pPr marL="2286000" algn="l" defTabSz="914400" rtl="0" eaLnBrk="1" latinLnBrk="0" hangingPunct="1">
-        <a:defRPr sz="1800" kern="1200">
+      <a:lvl6pPr marL="2286000" algn="l" rtl="0" eaLnBrk="1" latinLnBrk="0" hangingPunct="1">
+        <a:defRPr kumimoji="0" kern="1200">
           <a:solidFill>
             <a:schemeClr val="tx1"/>
           </a:solidFill>
@@ -2984,8 +4026,8 @@
           <a:cs typeface="+mn-cs"/>
         </a:defRPr>
       </a:lvl6pPr>
-      <a:lvl7pPr marL="2743200" algn="l" defTabSz="914400" rtl="0" eaLnBrk="1" latinLnBrk="0" hangingPunct="1">
-        <a:defRPr sz="1800" kern="1200">
+      <a:lvl7pPr marL="2743200" algn="l" rtl="0" eaLnBrk="1" latinLnBrk="0" hangingPunct="1">
+        <a:defRPr kumimoji="0" kern="1200">
           <a:solidFill>
             <a:schemeClr val="tx1"/>
           </a:solidFill>
@@ -2994,8 +4036,8 @@
           <a:cs typeface="+mn-cs"/>
         </a:defRPr>
       </a:lvl7pPr>
-      <a:lvl8pPr marL="3200400" algn="l" defTabSz="914400" rtl="0" eaLnBrk="1" latinLnBrk="0" hangingPunct="1">
-        <a:defRPr sz="1800" kern="1200">
+      <a:lvl8pPr marL="3200400" algn="l" rtl="0" eaLnBrk="1" latinLnBrk="0" hangingPunct="1">
+        <a:defRPr kumimoji="0" kern="1200">
           <a:solidFill>
             <a:schemeClr val="tx1"/>
           </a:solidFill>
@@ -3004,8 +4046,8 @@
           <a:cs typeface="+mn-cs"/>
         </a:defRPr>
       </a:lvl8pPr>
-      <a:lvl9pPr marL="3657600" algn="l" defTabSz="914400" rtl="0" eaLnBrk="1" latinLnBrk="0" hangingPunct="1">
-        <a:defRPr sz="1800" kern="1200">
+      <a:lvl9pPr marL="3657600" algn="l" rtl="0" eaLnBrk="1" latinLnBrk="0" hangingPunct="1">
+        <a:defRPr kumimoji="0" kern="1200">
           <a:solidFill>
             <a:schemeClr val="tx1"/>
           </a:solidFill>
@@ -3109,6 +4151,1783 @@
 </p:sld>
 </file>
 
+<file path=ppt/slides/slide10.xml><?xml version="1.0" encoding="utf-8"?>
+<p:sld xmlns:a="http://schemas.openxmlformats.org/drawingml/2006/main" xmlns:r="http://schemas.openxmlformats.org/officeDocument/2006/relationships" xmlns:p="http://schemas.openxmlformats.org/presentationml/2006/main">
+  <p:cSld>
+    <p:spTree>
+      <p:nvGrpSpPr>
+        <p:cNvPr id="1" name=""/>
+        <p:cNvGrpSpPr/>
+        <p:nvPr/>
+      </p:nvGrpSpPr>
+      <p:grpSpPr>
+        <a:xfrm>
+          <a:off x="0" y="0"/>
+          <a:ext cx="0" cy="0"/>
+          <a:chOff x="0" y="0"/>
+          <a:chExt cx="0" cy="0"/>
+        </a:xfrm>
+      </p:grpSpPr>
+      <p:sp>
+        <p:nvSpPr>
+          <p:cNvPr id="2" name="标题 1"/>
+          <p:cNvSpPr>
+            <a:spLocks noGrp="1"/>
+          </p:cNvSpPr>
+          <p:nvPr>
+            <p:ph type="title"/>
+          </p:nvPr>
+        </p:nvSpPr>
+        <p:spPr/>
+        <p:txBody>
+          <a:bodyPr/>
+          <a:lstStyle/>
+          <a:p>
+            <a:endParaRPr lang="zh-CN" altLang="en-US"/>
+          </a:p>
+        </p:txBody>
+      </p:sp>
+      <p:sp>
+        <p:nvSpPr>
+          <p:cNvPr id="3" name="内容占位符 2"/>
+          <p:cNvSpPr>
+            <a:spLocks noGrp="1"/>
+          </p:cNvSpPr>
+          <p:nvPr>
+            <p:ph idx="1"/>
+          </p:nvPr>
+        </p:nvSpPr>
+        <p:spPr/>
+        <p:txBody>
+          <a:bodyPr>
+            <a:normAutofit fontScale="77500" lnSpcReduction="20000"/>
+          </a:bodyPr>
+          <a:lstStyle/>
+          <a:p>
+            <a:r>
+              <a:rPr lang="zh-CN" altLang="zh-CN" dirty="0"/>
+              <a:t>在输入的时候，也可以采用逐字符和字符串整体输入两种方法。比如下面的代码片段，可以分别采用这两种方式实现对字符串的格式化输入。</a:t>
+            </a:r>
+          </a:p>
+          <a:p>
+            <a:r>
+              <a:rPr lang="en-US" altLang="zh-CN" dirty="0"/>
+              <a:t>    char string</a:t>
+            </a:r>
+            <a:r>
+              <a:rPr lang="en-US" altLang="zh-CN" b="1" dirty="0"/>
+              <a:t>[</a:t>
+            </a:r>
+            <a:r>
+              <a:rPr lang="en-US" altLang="zh-CN" dirty="0"/>
+              <a:t>10</a:t>
+            </a:r>
+            <a:r>
+              <a:rPr lang="en-US" altLang="zh-CN" b="1" dirty="0"/>
+              <a:t>];</a:t>
+            </a:r>
+            <a:endParaRPr lang="zh-CN" altLang="zh-CN" dirty="0"/>
+          </a:p>
+          <a:p>
+            <a:r>
+              <a:rPr lang="en-US" altLang="zh-CN" dirty="0"/>
+              <a:t>    </a:t>
+            </a:r>
+            <a:r>
+              <a:rPr lang="en-US" altLang="zh-CN" b="1" dirty="0"/>
+              <a:t>for</a:t>
+            </a:r>
+            <a:r>
+              <a:rPr lang="en-US" altLang="zh-CN" dirty="0"/>
+              <a:t> </a:t>
+            </a:r>
+            <a:r>
+              <a:rPr lang="en-US" altLang="zh-CN" b="1" dirty="0"/>
+              <a:t>(</a:t>
+            </a:r>
+            <a:r>
+              <a:rPr lang="en-US" altLang="zh-CN" dirty="0" err="1"/>
+              <a:t>int</a:t>
+            </a:r>
+            <a:r>
+              <a:rPr lang="en-US" altLang="zh-CN" dirty="0"/>
+              <a:t> </a:t>
+            </a:r>
+            <a:r>
+              <a:rPr lang="en-US" altLang="zh-CN" dirty="0" err="1"/>
+              <a:t>i</a:t>
+            </a:r>
+            <a:r>
+              <a:rPr lang="en-US" altLang="zh-CN" dirty="0"/>
+              <a:t> </a:t>
+            </a:r>
+            <a:r>
+              <a:rPr lang="en-US" altLang="zh-CN" b="1" dirty="0"/>
+              <a:t>=</a:t>
+            </a:r>
+            <a:r>
+              <a:rPr lang="en-US" altLang="zh-CN" dirty="0"/>
+              <a:t> 0</a:t>
+            </a:r>
+            <a:r>
+              <a:rPr lang="en-US" altLang="zh-CN" b="1" dirty="0"/>
+              <a:t>;</a:t>
+            </a:r>
+            <a:r>
+              <a:rPr lang="en-US" altLang="zh-CN" dirty="0"/>
+              <a:t> </a:t>
+            </a:r>
+            <a:r>
+              <a:rPr lang="en-US" altLang="zh-CN" dirty="0" err="1"/>
+              <a:t>i</a:t>
+            </a:r>
+            <a:r>
+              <a:rPr lang="en-US" altLang="zh-CN" dirty="0"/>
+              <a:t> </a:t>
+            </a:r>
+            <a:r>
+              <a:rPr lang="en-US" altLang="zh-CN" b="1" dirty="0"/>
+              <a:t>&lt;</a:t>
+            </a:r>
+            <a:r>
+              <a:rPr lang="en-US" altLang="zh-CN" dirty="0"/>
+              <a:t> 4</a:t>
+            </a:r>
+            <a:r>
+              <a:rPr lang="en-US" altLang="zh-CN" b="1" dirty="0"/>
+              <a:t>;</a:t>
+            </a:r>
+            <a:r>
+              <a:rPr lang="en-US" altLang="zh-CN" dirty="0"/>
+              <a:t> </a:t>
+            </a:r>
+            <a:r>
+              <a:rPr lang="en-US" altLang="zh-CN" dirty="0" err="1"/>
+              <a:t>i</a:t>
+            </a:r>
+            <a:r>
+              <a:rPr lang="en-US" altLang="zh-CN" b="1" dirty="0"/>
+              <a:t>++)</a:t>
+            </a:r>
+            <a:endParaRPr lang="zh-CN" altLang="zh-CN" dirty="0"/>
+          </a:p>
+          <a:p>
+            <a:r>
+              <a:rPr lang="en-US" altLang="zh-CN" dirty="0"/>
+              <a:t>        </a:t>
+            </a:r>
+            <a:r>
+              <a:rPr lang="en-US" altLang="zh-CN" dirty="0" err="1"/>
+              <a:t>scanf</a:t>
+            </a:r>
+            <a:r>
+              <a:rPr lang="en-US" altLang="zh-CN" b="1" dirty="0"/>
+              <a:t>(</a:t>
+            </a:r>
+            <a:r>
+              <a:rPr lang="en-US" altLang="zh-CN" dirty="0"/>
+              <a:t>"%c"</a:t>
+            </a:r>
+            <a:r>
+              <a:rPr lang="en-US" altLang="zh-CN" b="1" dirty="0"/>
+              <a:t>,</a:t>
+            </a:r>
+            <a:r>
+              <a:rPr lang="en-US" altLang="zh-CN" dirty="0"/>
+              <a:t> </a:t>
+            </a:r>
+            <a:r>
+              <a:rPr lang="en-US" altLang="zh-CN" dirty="0" err="1"/>
+              <a:t>string</a:t>
+            </a:r>
+            <a:r>
+              <a:rPr lang="en-US" altLang="zh-CN" b="1" dirty="0" err="1"/>
+              <a:t>+</a:t>
+            </a:r>
+            <a:r>
+              <a:rPr lang="en-US" altLang="zh-CN" dirty="0" err="1"/>
+              <a:t>i</a:t>
+            </a:r>
+            <a:r>
+              <a:rPr lang="en-US" altLang="zh-CN" b="1" dirty="0"/>
+              <a:t>);</a:t>
+            </a:r>
+            <a:r>
+              <a:rPr lang="en-US" altLang="zh-CN" dirty="0"/>
+              <a:t>  </a:t>
+            </a:r>
+            <a:r>
+              <a:rPr lang="en-US" altLang="zh-CN" i="1" dirty="0"/>
+              <a:t>// </a:t>
+            </a:r>
+            <a:r>
+              <a:rPr lang="zh-CN" altLang="zh-CN" i="1" dirty="0"/>
+              <a:t>逐字符读入用户输入的字符串</a:t>
+            </a:r>
+            <a:endParaRPr lang="zh-CN" altLang="zh-CN" dirty="0"/>
+          </a:p>
+          <a:p>
+            <a:r>
+              <a:rPr lang="en-US" altLang="zh-CN" dirty="0"/>
+              <a:t>    string</a:t>
+            </a:r>
+            <a:r>
+              <a:rPr lang="en-US" altLang="zh-CN" b="1" dirty="0"/>
+              <a:t>[</a:t>
+            </a:r>
+            <a:r>
+              <a:rPr lang="en-US" altLang="zh-CN" dirty="0"/>
+              <a:t>4</a:t>
+            </a:r>
+            <a:r>
+              <a:rPr lang="en-US" altLang="zh-CN" b="1" dirty="0"/>
+              <a:t>]</a:t>
+            </a:r>
+            <a:r>
+              <a:rPr lang="en-US" altLang="zh-CN" dirty="0"/>
+              <a:t> </a:t>
+            </a:r>
+            <a:r>
+              <a:rPr lang="en-US" altLang="zh-CN" b="1" dirty="0"/>
+              <a:t>=</a:t>
+            </a:r>
+            <a:r>
+              <a:rPr lang="en-US" altLang="zh-CN" dirty="0"/>
+              <a:t> '\0'</a:t>
+            </a:r>
+            <a:r>
+              <a:rPr lang="en-US" altLang="zh-CN" b="1" dirty="0"/>
+              <a:t>;</a:t>
+            </a:r>
+            <a:endParaRPr lang="zh-CN" altLang="zh-CN" dirty="0"/>
+          </a:p>
+          <a:p>
+            <a:r>
+              <a:rPr lang="en-US" altLang="zh-CN" dirty="0"/>
+              <a:t>    </a:t>
+            </a:r>
+            <a:r>
+              <a:rPr lang="en-US" altLang="zh-CN" dirty="0" err="1"/>
+              <a:t>scanf</a:t>
+            </a:r>
+            <a:r>
+              <a:rPr lang="en-US" altLang="zh-CN" b="1" dirty="0"/>
+              <a:t>(</a:t>
+            </a:r>
+            <a:r>
+              <a:rPr lang="en-US" altLang="zh-CN" dirty="0"/>
+              <a:t>"%s"</a:t>
+            </a:r>
+            <a:r>
+              <a:rPr lang="en-US" altLang="zh-CN" b="1" dirty="0"/>
+              <a:t>,</a:t>
+            </a:r>
+            <a:r>
+              <a:rPr lang="en-US" altLang="zh-CN" dirty="0"/>
+              <a:t> string</a:t>
+            </a:r>
+            <a:r>
+              <a:rPr lang="en-US" altLang="zh-CN" b="1" dirty="0"/>
+              <a:t>);</a:t>
+            </a:r>
+            <a:r>
+              <a:rPr lang="en-US" altLang="zh-CN" dirty="0"/>
+              <a:t>        </a:t>
+            </a:r>
+            <a:r>
+              <a:rPr lang="en-US" altLang="zh-CN" i="1" dirty="0"/>
+              <a:t>// </a:t>
+            </a:r>
+            <a:r>
+              <a:rPr lang="zh-CN" altLang="zh-CN" i="1" dirty="0"/>
+              <a:t>直接读入整个字符串</a:t>
+            </a:r>
+            <a:endParaRPr lang="zh-CN" altLang="zh-CN" dirty="0"/>
+          </a:p>
+          <a:p>
+            <a:endParaRPr lang="zh-CN" altLang="en-US" dirty="0"/>
+          </a:p>
+        </p:txBody>
+      </p:sp>
+    </p:spTree>
+    <p:extLst>
+      <p:ext uri="{BB962C8B-B14F-4D97-AF65-F5344CB8AC3E}">
+        <p14:creationId xmlns:p14="http://schemas.microsoft.com/office/powerpoint/2010/main" val="3370173584"/>
+      </p:ext>
+    </p:extLst>
+  </p:cSld>
+  <p:clrMapOvr>
+    <a:masterClrMapping/>
+  </p:clrMapOvr>
+</p:sld>
+</file>
+
+<file path=ppt/slides/slide11.xml><?xml version="1.0" encoding="utf-8"?>
+<p:sld xmlns:a="http://schemas.openxmlformats.org/drawingml/2006/main" xmlns:r="http://schemas.openxmlformats.org/officeDocument/2006/relationships" xmlns:p="http://schemas.openxmlformats.org/presentationml/2006/main">
+  <p:cSld>
+    <p:spTree>
+      <p:nvGrpSpPr>
+        <p:cNvPr id="1" name=""/>
+        <p:cNvGrpSpPr/>
+        <p:nvPr/>
+      </p:nvGrpSpPr>
+      <p:grpSpPr>
+        <a:xfrm>
+          <a:off x="0" y="0"/>
+          <a:ext cx="0" cy="0"/>
+          <a:chOff x="0" y="0"/>
+          <a:chExt cx="0" cy="0"/>
+        </a:xfrm>
+      </p:grpSpPr>
+      <p:sp>
+        <p:nvSpPr>
+          <p:cNvPr id="2" name="标题 1"/>
+          <p:cNvSpPr>
+            <a:spLocks noGrp="1"/>
+          </p:cNvSpPr>
+          <p:nvPr>
+            <p:ph type="title"/>
+          </p:nvPr>
+        </p:nvSpPr>
+        <p:spPr/>
+        <p:txBody>
+          <a:bodyPr/>
+          <a:lstStyle/>
+          <a:p>
+            <a:endParaRPr lang="zh-CN" altLang="en-US"/>
+          </a:p>
+        </p:txBody>
+      </p:sp>
+      <p:sp>
+        <p:nvSpPr>
+          <p:cNvPr id="3" name="内容占位符 2"/>
+          <p:cNvSpPr>
+            <a:spLocks noGrp="1"/>
+          </p:cNvSpPr>
+          <p:nvPr>
+            <p:ph idx="1"/>
+          </p:nvPr>
+        </p:nvSpPr>
+        <p:spPr/>
+        <p:txBody>
+          <a:bodyPr>
+            <a:normAutofit fontScale="70000" lnSpcReduction="20000"/>
+          </a:bodyPr>
+          <a:lstStyle/>
+          <a:p>
+            <a:r>
+              <a:rPr lang="zh-CN" altLang="zh-CN" dirty="0"/>
+              <a:t>当用户输入</a:t>
+            </a:r>
+            <a:r>
+              <a:rPr lang="en-US" altLang="zh-CN" dirty="0"/>
+              <a:t>Game</a:t>
+            </a:r>
+            <a:r>
+              <a:rPr lang="zh-CN" altLang="zh-CN" dirty="0"/>
+              <a:t>，然后按下回车后，程序会通过</a:t>
+            </a:r>
+            <a:r>
+              <a:rPr lang="en-US" altLang="zh-CN" dirty="0" err="1"/>
+              <a:t>scanf</a:t>
+            </a:r>
+            <a:r>
+              <a:rPr lang="zh-CN" altLang="zh-CN" dirty="0"/>
+              <a:t>函数逐字符地读入用户输入，然后将其保存到字符型数组</a:t>
+            </a:r>
+            <a:r>
+              <a:rPr lang="en-US" altLang="zh-CN" dirty="0"/>
+              <a:t>string</a:t>
+            </a:r>
+            <a:r>
+              <a:rPr lang="zh-CN" altLang="zh-CN" dirty="0" smtClean="0"/>
+              <a:t>中</a:t>
+            </a:r>
+            <a:endParaRPr lang="en-US" altLang="zh-CN" dirty="0" smtClean="0"/>
+          </a:p>
+          <a:p>
+            <a:r>
+              <a:rPr lang="zh-CN" altLang="zh-CN" dirty="0" smtClean="0"/>
+              <a:t>为了</a:t>
+            </a:r>
+            <a:r>
+              <a:rPr lang="zh-CN" altLang="zh-CN" dirty="0"/>
+              <a:t>表示这是一个字符串，需要在后面手动添加字符串结束标志。最后的一个语句则是将用户的输入作为一个字符串读入，保存到</a:t>
+            </a:r>
+            <a:r>
+              <a:rPr lang="en-US" altLang="zh-CN" dirty="0"/>
+              <a:t>string</a:t>
+            </a:r>
+            <a:r>
+              <a:rPr lang="zh-CN" altLang="zh-CN" dirty="0"/>
+              <a:t>字符数组中。</a:t>
+            </a:r>
+          </a:p>
+          <a:p>
+            <a:r>
+              <a:rPr lang="zh-CN" altLang="zh-CN" dirty="0"/>
+              <a:t>需要特别注意的是，和前面“数组及指针”章节中介绍的“野指针”一样，当一个字符指针不指向一个特定的字符数组时，它无法保存用户输入的字符串，如：</a:t>
+            </a:r>
+          </a:p>
+          <a:p>
+            <a:r>
+              <a:rPr lang="en-US" altLang="zh-CN" dirty="0"/>
+              <a:t>    char </a:t>
+            </a:r>
+            <a:r>
+              <a:rPr lang="en-US" altLang="zh-CN" b="1" dirty="0"/>
+              <a:t>*</a:t>
+            </a:r>
+            <a:r>
+              <a:rPr lang="en-US" altLang="zh-CN" dirty="0"/>
+              <a:t>p</a:t>
+            </a:r>
+            <a:r>
+              <a:rPr lang="en-US" altLang="zh-CN" b="1" dirty="0"/>
+              <a:t>;</a:t>
+            </a:r>
+            <a:endParaRPr lang="zh-CN" altLang="zh-CN" dirty="0"/>
+          </a:p>
+          <a:p>
+            <a:r>
+              <a:rPr lang="en-US" altLang="zh-CN" dirty="0"/>
+              <a:t>    </a:t>
+            </a:r>
+            <a:r>
+              <a:rPr lang="en-US" altLang="zh-CN" dirty="0" err="1"/>
+              <a:t>scanf</a:t>
+            </a:r>
+            <a:r>
+              <a:rPr lang="en-US" altLang="zh-CN" b="1" dirty="0"/>
+              <a:t>(</a:t>
+            </a:r>
+            <a:r>
+              <a:rPr lang="en-US" altLang="zh-CN" dirty="0"/>
+              <a:t>"%s"</a:t>
+            </a:r>
+            <a:r>
+              <a:rPr lang="en-US" altLang="zh-CN" b="1" dirty="0"/>
+              <a:t>,</a:t>
+            </a:r>
+            <a:r>
+              <a:rPr lang="en-US" altLang="zh-CN" dirty="0"/>
+              <a:t> p</a:t>
+            </a:r>
+            <a:r>
+              <a:rPr lang="en-US" altLang="zh-CN" b="1" dirty="0"/>
+              <a:t>);</a:t>
+            </a:r>
+            <a:endParaRPr lang="zh-CN" altLang="zh-CN" dirty="0"/>
+          </a:p>
+          <a:p>
+            <a:endParaRPr lang="zh-CN" altLang="en-US" dirty="0"/>
+          </a:p>
+        </p:txBody>
+      </p:sp>
+    </p:spTree>
+    <p:extLst>
+      <p:ext uri="{BB962C8B-B14F-4D97-AF65-F5344CB8AC3E}">
+        <p14:creationId xmlns:p14="http://schemas.microsoft.com/office/powerpoint/2010/main" val="2541542528"/>
+      </p:ext>
+    </p:extLst>
+  </p:cSld>
+  <p:clrMapOvr>
+    <a:masterClrMapping/>
+  </p:clrMapOvr>
+</p:sld>
+</file>
+
+<file path=ppt/slides/slide12.xml><?xml version="1.0" encoding="utf-8"?>
+<p:sld xmlns:a="http://schemas.openxmlformats.org/drawingml/2006/main" xmlns:r="http://schemas.openxmlformats.org/officeDocument/2006/relationships" xmlns:p="http://schemas.openxmlformats.org/presentationml/2006/main">
+  <p:cSld>
+    <p:spTree>
+      <p:nvGrpSpPr>
+        <p:cNvPr id="1" name=""/>
+        <p:cNvGrpSpPr/>
+        <p:nvPr/>
+      </p:nvGrpSpPr>
+      <p:grpSpPr>
+        <a:xfrm>
+          <a:off x="0" y="0"/>
+          <a:ext cx="0" cy="0"/>
+          <a:chOff x="0" y="0"/>
+          <a:chExt cx="0" cy="0"/>
+        </a:xfrm>
+      </p:grpSpPr>
+      <p:sp>
+        <p:nvSpPr>
+          <p:cNvPr id="2" name="标题 1"/>
+          <p:cNvSpPr>
+            <a:spLocks noGrp="1"/>
+          </p:cNvSpPr>
+          <p:nvPr>
+            <p:ph type="title"/>
+          </p:nvPr>
+        </p:nvSpPr>
+        <p:spPr/>
+        <p:txBody>
+          <a:bodyPr/>
+          <a:lstStyle/>
+          <a:p>
+            <a:endParaRPr lang="zh-CN" altLang="en-US"/>
+          </a:p>
+        </p:txBody>
+      </p:sp>
+      <p:sp>
+        <p:nvSpPr>
+          <p:cNvPr id="3" name="内容占位符 2"/>
+          <p:cNvSpPr>
+            <a:spLocks noGrp="1"/>
+          </p:cNvSpPr>
+          <p:nvPr>
+            <p:ph idx="1"/>
+          </p:nvPr>
+        </p:nvSpPr>
+        <p:spPr/>
+        <p:txBody>
+          <a:bodyPr>
+            <a:normAutofit lnSpcReduction="10000"/>
+          </a:bodyPr>
+          <a:lstStyle/>
+          <a:p>
+            <a:r>
+              <a:rPr lang="zh-CN" altLang="zh-CN" dirty="0"/>
+              <a:t>但下面的代码片段是合理的，因为指针</a:t>
+            </a:r>
+            <a:r>
+              <a:rPr lang="en-US" altLang="zh-CN" dirty="0"/>
+              <a:t>p</a:t>
+            </a:r>
+            <a:r>
+              <a:rPr lang="zh-CN" altLang="zh-CN" dirty="0"/>
+              <a:t>指向了数组</a:t>
+            </a:r>
+            <a:r>
+              <a:rPr lang="en-US" altLang="zh-CN" dirty="0"/>
+              <a:t>string</a:t>
+            </a:r>
+            <a:r>
+              <a:rPr lang="zh-CN" altLang="zh-CN" dirty="0"/>
+              <a:t>。</a:t>
+            </a:r>
+          </a:p>
+          <a:p>
+            <a:r>
+              <a:rPr lang="en-US" altLang="zh-CN" dirty="0"/>
+              <a:t>    char string</a:t>
+            </a:r>
+            <a:r>
+              <a:rPr lang="en-US" altLang="zh-CN" b="1" dirty="0"/>
+              <a:t>[</a:t>
+            </a:r>
+            <a:r>
+              <a:rPr lang="en-US" altLang="zh-CN" dirty="0"/>
+              <a:t>10</a:t>
+            </a:r>
+            <a:r>
+              <a:rPr lang="en-US" altLang="zh-CN" b="1" dirty="0"/>
+              <a:t>];</a:t>
+            </a:r>
+            <a:endParaRPr lang="zh-CN" altLang="zh-CN" dirty="0"/>
+          </a:p>
+          <a:p>
+            <a:r>
+              <a:rPr lang="en-US" altLang="zh-CN" dirty="0"/>
+              <a:t>    char </a:t>
+            </a:r>
+            <a:r>
+              <a:rPr lang="en-US" altLang="zh-CN" b="1" dirty="0"/>
+              <a:t>*</a:t>
+            </a:r>
+            <a:r>
+              <a:rPr lang="en-US" altLang="zh-CN" dirty="0"/>
+              <a:t>p</a:t>
+            </a:r>
+            <a:r>
+              <a:rPr lang="en-US" altLang="zh-CN" b="1" dirty="0"/>
+              <a:t>;</a:t>
+            </a:r>
+            <a:endParaRPr lang="zh-CN" altLang="zh-CN" dirty="0"/>
+          </a:p>
+          <a:p>
+            <a:r>
+              <a:rPr lang="en-US" altLang="zh-CN" dirty="0"/>
+              <a:t>    p </a:t>
+            </a:r>
+            <a:r>
+              <a:rPr lang="en-US" altLang="zh-CN" b="1" dirty="0"/>
+              <a:t>=</a:t>
+            </a:r>
+            <a:r>
+              <a:rPr lang="en-US" altLang="zh-CN" dirty="0"/>
+              <a:t> string</a:t>
+            </a:r>
+            <a:r>
+              <a:rPr lang="en-US" altLang="zh-CN" b="1" dirty="0"/>
+              <a:t>;</a:t>
+            </a:r>
+            <a:endParaRPr lang="zh-CN" altLang="zh-CN" dirty="0"/>
+          </a:p>
+          <a:p>
+            <a:r>
+              <a:rPr lang="en-US" altLang="zh-CN" dirty="0"/>
+              <a:t>    </a:t>
+            </a:r>
+            <a:r>
+              <a:rPr lang="en-US" altLang="zh-CN" dirty="0" err="1"/>
+              <a:t>scanf</a:t>
+            </a:r>
+            <a:r>
+              <a:rPr lang="en-US" altLang="zh-CN" b="1" dirty="0"/>
+              <a:t>(</a:t>
+            </a:r>
+            <a:r>
+              <a:rPr lang="en-US" altLang="zh-CN" dirty="0"/>
+              <a:t>"%s"</a:t>
+            </a:r>
+            <a:r>
+              <a:rPr lang="en-US" altLang="zh-CN" b="1" dirty="0"/>
+              <a:t>,</a:t>
+            </a:r>
+            <a:r>
+              <a:rPr lang="en-US" altLang="zh-CN" dirty="0"/>
+              <a:t> p</a:t>
+            </a:r>
+            <a:r>
+              <a:rPr lang="en-US" altLang="zh-CN" b="1" dirty="0"/>
+              <a:t>);</a:t>
+            </a:r>
+            <a:endParaRPr lang="zh-CN" altLang="zh-CN" dirty="0"/>
+          </a:p>
+          <a:p>
+            <a:endParaRPr lang="zh-CN" altLang="en-US" dirty="0"/>
+          </a:p>
+        </p:txBody>
+      </p:sp>
+    </p:spTree>
+    <p:extLst>
+      <p:ext uri="{BB962C8B-B14F-4D97-AF65-F5344CB8AC3E}">
+        <p14:creationId xmlns:p14="http://schemas.microsoft.com/office/powerpoint/2010/main" val="1609615314"/>
+      </p:ext>
+    </p:extLst>
+  </p:cSld>
+  <p:clrMapOvr>
+    <a:masterClrMapping/>
+  </p:clrMapOvr>
+</p:sld>
+</file>
+
+<file path=ppt/slides/slide13.xml><?xml version="1.0" encoding="utf-8"?>
+<p:sld xmlns:a="http://schemas.openxmlformats.org/drawingml/2006/main" xmlns:r="http://schemas.openxmlformats.org/officeDocument/2006/relationships" xmlns:p="http://schemas.openxmlformats.org/presentationml/2006/main">
+  <p:cSld>
+    <p:spTree>
+      <p:nvGrpSpPr>
+        <p:cNvPr id="1" name=""/>
+        <p:cNvGrpSpPr/>
+        <p:nvPr/>
+      </p:nvGrpSpPr>
+      <p:grpSpPr>
+        <a:xfrm>
+          <a:off x="0" y="0"/>
+          <a:ext cx="0" cy="0"/>
+          <a:chOff x="0" y="0"/>
+          <a:chExt cx="0" cy="0"/>
+        </a:xfrm>
+      </p:grpSpPr>
+      <p:sp>
+        <p:nvSpPr>
+          <p:cNvPr id="2" name="标题 1"/>
+          <p:cNvSpPr>
+            <a:spLocks noGrp="1"/>
+          </p:cNvSpPr>
+          <p:nvPr>
+            <p:ph type="title"/>
+          </p:nvPr>
+        </p:nvSpPr>
+        <p:spPr/>
+        <p:txBody>
+          <a:bodyPr/>
+          <a:lstStyle/>
+          <a:p>
+            <a:endParaRPr lang="zh-CN" altLang="en-US"/>
+          </a:p>
+        </p:txBody>
+      </p:sp>
+      <p:sp>
+        <p:nvSpPr>
+          <p:cNvPr id="3" name="内容占位符 2"/>
+          <p:cNvSpPr>
+            <a:spLocks noGrp="1"/>
+          </p:cNvSpPr>
+          <p:nvPr>
+            <p:ph idx="1"/>
+          </p:nvPr>
+        </p:nvSpPr>
+        <p:spPr/>
+        <p:txBody>
+          <a:bodyPr>
+            <a:normAutofit fontScale="70000" lnSpcReduction="20000"/>
+          </a:bodyPr>
+          <a:lstStyle/>
+          <a:p>
+            <a:r>
+              <a:rPr lang="zh-CN" altLang="zh-CN" dirty="0"/>
+              <a:t>还可以使用一些现成的针对字符串的输入输出函数，比如常用的</a:t>
+            </a:r>
+            <a:r>
+              <a:rPr lang="en-US" altLang="zh-CN" dirty="0"/>
+              <a:t>puts</a:t>
+            </a:r>
+            <a:r>
+              <a:rPr lang="zh-CN" altLang="zh-CN" dirty="0"/>
+              <a:t>和</a:t>
+            </a:r>
+            <a:r>
+              <a:rPr lang="en-US" altLang="zh-CN" dirty="0"/>
+              <a:t>gets</a:t>
+            </a:r>
+            <a:r>
+              <a:rPr lang="zh-CN" altLang="zh-CN" dirty="0"/>
+              <a:t>函数，后缀</a:t>
+            </a:r>
+            <a:r>
+              <a:rPr lang="en-US" altLang="zh-CN" dirty="0"/>
+              <a:t>s</a:t>
+            </a:r>
+            <a:r>
+              <a:rPr lang="zh-CN" altLang="zh-CN" dirty="0"/>
+              <a:t>表示字符串。</a:t>
+            </a:r>
+          </a:p>
+          <a:p>
+            <a:r>
+              <a:rPr lang="en-US" altLang="zh-CN" dirty="0"/>
+              <a:t>puts</a:t>
+            </a:r>
+            <a:r>
+              <a:rPr lang="zh-CN" altLang="zh-CN" dirty="0"/>
+              <a:t>函数可以将一个字符串输出到终端，下面的程序片段可以直接输出字符串</a:t>
+            </a:r>
+            <a:r>
+              <a:rPr lang="en-US" altLang="zh-CN" dirty="0"/>
+              <a:t>Game</a:t>
+            </a:r>
+            <a:r>
+              <a:rPr lang="zh-CN" altLang="zh-CN" dirty="0"/>
+              <a:t>：</a:t>
+            </a:r>
+          </a:p>
+          <a:p>
+            <a:r>
+              <a:rPr lang="en-US" altLang="zh-CN" dirty="0"/>
+              <a:t>	char </a:t>
+            </a:r>
+            <a:r>
+              <a:rPr lang="en-US" altLang="zh-CN" dirty="0" err="1"/>
+              <a:t>str</a:t>
+            </a:r>
+            <a:r>
+              <a:rPr lang="en-US" altLang="zh-CN" b="1" dirty="0"/>
+              <a:t>[</a:t>
+            </a:r>
+            <a:r>
+              <a:rPr lang="en-US" altLang="zh-CN" dirty="0"/>
+              <a:t>20</a:t>
+            </a:r>
+            <a:r>
+              <a:rPr lang="en-US" altLang="zh-CN" b="1" dirty="0"/>
+              <a:t>]</a:t>
+            </a:r>
+            <a:r>
+              <a:rPr lang="en-US" altLang="zh-CN" dirty="0"/>
+              <a:t> </a:t>
+            </a:r>
+            <a:r>
+              <a:rPr lang="en-US" altLang="zh-CN" b="1" dirty="0"/>
+              <a:t>=</a:t>
+            </a:r>
+            <a:r>
+              <a:rPr lang="en-US" altLang="zh-CN" dirty="0"/>
+              <a:t> "Game"</a:t>
+            </a:r>
+            <a:r>
+              <a:rPr lang="en-US" altLang="zh-CN" b="1" dirty="0"/>
+              <a:t>;</a:t>
+            </a:r>
+            <a:endParaRPr lang="zh-CN" altLang="zh-CN" dirty="0"/>
+          </a:p>
+          <a:p>
+            <a:r>
+              <a:rPr lang="en-US" altLang="zh-CN" dirty="0"/>
+              <a:t>	puts</a:t>
+            </a:r>
+            <a:r>
+              <a:rPr lang="en-US" altLang="zh-CN" b="1" dirty="0"/>
+              <a:t>(</a:t>
+            </a:r>
+            <a:r>
+              <a:rPr lang="en-US" altLang="zh-CN" dirty="0" err="1"/>
+              <a:t>str</a:t>
+            </a:r>
+            <a:r>
+              <a:rPr lang="en-US" altLang="zh-CN" b="1" dirty="0"/>
+              <a:t>);</a:t>
+            </a:r>
+            <a:r>
+              <a:rPr lang="en-US" altLang="zh-CN" dirty="0"/>
+              <a:t>  </a:t>
+            </a:r>
+            <a:endParaRPr lang="zh-CN" altLang="zh-CN" dirty="0"/>
+          </a:p>
+          <a:p>
+            <a:r>
+              <a:rPr lang="en-US" altLang="zh-CN" dirty="0"/>
+              <a:t>gets</a:t>
+            </a:r>
+            <a:r>
+              <a:rPr lang="zh-CN" altLang="zh-CN" dirty="0"/>
+              <a:t>函数可以读取用户输入的字符串到字符数组中，比如下面的程序片段，可以将用户输入的字符串读取到字符数组</a:t>
+            </a:r>
+            <a:r>
+              <a:rPr lang="en-US" altLang="zh-CN" dirty="0" err="1"/>
+              <a:t>str</a:t>
+            </a:r>
+            <a:r>
+              <a:rPr lang="zh-CN" altLang="zh-CN" dirty="0"/>
+              <a:t>中。</a:t>
+            </a:r>
+          </a:p>
+          <a:p>
+            <a:r>
+              <a:rPr lang="en-US" altLang="zh-CN" dirty="0"/>
+              <a:t>	char </a:t>
+            </a:r>
+            <a:r>
+              <a:rPr lang="en-US" altLang="zh-CN" dirty="0" err="1"/>
+              <a:t>str</a:t>
+            </a:r>
+            <a:r>
+              <a:rPr lang="en-US" altLang="zh-CN" b="1" dirty="0"/>
+              <a:t>[</a:t>
+            </a:r>
+            <a:r>
+              <a:rPr lang="en-US" altLang="zh-CN" dirty="0"/>
+              <a:t>20</a:t>
+            </a:r>
+            <a:r>
+              <a:rPr lang="en-US" altLang="zh-CN" b="1" dirty="0"/>
+              <a:t>];</a:t>
+            </a:r>
+            <a:endParaRPr lang="zh-CN" altLang="zh-CN" dirty="0"/>
+          </a:p>
+          <a:p>
+            <a:r>
+              <a:rPr lang="en-US" altLang="zh-CN" dirty="0"/>
+              <a:t>	gets</a:t>
+            </a:r>
+            <a:r>
+              <a:rPr lang="en-US" altLang="zh-CN" b="1" dirty="0"/>
+              <a:t>(</a:t>
+            </a:r>
+            <a:r>
+              <a:rPr lang="en-US" altLang="zh-CN" dirty="0" err="1"/>
+              <a:t>str</a:t>
+            </a:r>
+            <a:r>
+              <a:rPr lang="en-US" altLang="zh-CN" b="1" dirty="0"/>
+              <a:t>);</a:t>
+            </a:r>
+            <a:r>
+              <a:rPr lang="en-US" altLang="zh-CN" dirty="0"/>
+              <a:t>  </a:t>
+            </a:r>
+            <a:endParaRPr lang="zh-CN" altLang="zh-CN" dirty="0"/>
+          </a:p>
+          <a:p>
+            <a:endParaRPr lang="zh-CN" altLang="en-US" dirty="0"/>
+          </a:p>
+        </p:txBody>
+      </p:sp>
+    </p:spTree>
+    <p:extLst>
+      <p:ext uri="{BB962C8B-B14F-4D97-AF65-F5344CB8AC3E}">
+        <p14:creationId xmlns:p14="http://schemas.microsoft.com/office/powerpoint/2010/main" val="3568860408"/>
+      </p:ext>
+    </p:extLst>
+  </p:cSld>
+  <p:clrMapOvr>
+    <a:masterClrMapping/>
+  </p:clrMapOvr>
+</p:sld>
+</file>
+
+<file path=ppt/slides/slide14.xml><?xml version="1.0" encoding="utf-8"?>
+<p:sld xmlns:a="http://schemas.openxmlformats.org/drawingml/2006/main" xmlns:r="http://schemas.openxmlformats.org/officeDocument/2006/relationships" xmlns:p="http://schemas.openxmlformats.org/presentationml/2006/main">
+  <p:cSld>
+    <p:spTree>
+      <p:nvGrpSpPr>
+        <p:cNvPr id="1" name=""/>
+        <p:cNvGrpSpPr/>
+        <p:nvPr/>
+      </p:nvGrpSpPr>
+      <p:grpSpPr>
+        <a:xfrm>
+          <a:off x="0" y="0"/>
+          <a:ext cx="0" cy="0"/>
+          <a:chOff x="0" y="0"/>
+          <a:chExt cx="0" cy="0"/>
+        </a:xfrm>
+      </p:grpSpPr>
+      <p:sp>
+        <p:nvSpPr>
+          <p:cNvPr id="2" name="标题 1"/>
+          <p:cNvSpPr>
+            <a:spLocks noGrp="1"/>
+          </p:cNvSpPr>
+          <p:nvPr>
+            <p:ph type="title"/>
+          </p:nvPr>
+        </p:nvSpPr>
+        <p:spPr/>
+        <p:txBody>
+          <a:bodyPr>
+            <a:normAutofit/>
+          </a:bodyPr>
+          <a:lstStyle/>
+          <a:p>
+            <a:r>
+              <a:rPr lang="zh-CN" altLang="en-US" dirty="0"/>
+              <a:t>字符串处理</a:t>
+            </a:r>
+            <a:r>
+              <a:rPr lang="zh-CN" altLang="en-US" dirty="0" smtClean="0"/>
+              <a:t>函数</a:t>
+            </a:r>
+            <a:endParaRPr lang="zh-CN" altLang="en-US" dirty="0"/>
+          </a:p>
+        </p:txBody>
+      </p:sp>
+      <p:sp>
+        <p:nvSpPr>
+          <p:cNvPr id="3" name="内容占位符 2"/>
+          <p:cNvSpPr>
+            <a:spLocks noGrp="1"/>
+          </p:cNvSpPr>
+          <p:nvPr>
+            <p:ph idx="1"/>
+          </p:nvPr>
+        </p:nvSpPr>
+        <p:spPr/>
+        <p:txBody>
+          <a:bodyPr/>
+          <a:lstStyle/>
+          <a:p>
+            <a:r>
+              <a:rPr lang="zh-CN" altLang="zh-CN" dirty="0" smtClean="0"/>
+              <a:t>由于</a:t>
+            </a:r>
+            <a:r>
+              <a:rPr lang="zh-CN" altLang="zh-CN" dirty="0"/>
+              <a:t>字符串在编程时很常用，因此标准库中也提供了大量针对字符串操作的函数（需要包含头文件</a:t>
+            </a:r>
+            <a:r>
+              <a:rPr lang="en-US" altLang="zh-CN" dirty="0" err="1"/>
+              <a:t>string.h</a:t>
+            </a:r>
+            <a:r>
+              <a:rPr lang="zh-CN" altLang="zh-CN" dirty="0"/>
+              <a:t>）。接下来，介绍几个比较常用的字符串处理函数，其他函数留待读者自学。</a:t>
+            </a:r>
+          </a:p>
+          <a:p>
+            <a:endParaRPr lang="zh-CN" altLang="en-US" dirty="0"/>
+          </a:p>
+        </p:txBody>
+      </p:sp>
+    </p:spTree>
+    <p:extLst>
+      <p:ext uri="{BB962C8B-B14F-4D97-AF65-F5344CB8AC3E}">
+        <p14:creationId xmlns:p14="http://schemas.microsoft.com/office/powerpoint/2010/main" val="4271562331"/>
+      </p:ext>
+    </p:extLst>
+  </p:cSld>
+  <p:clrMapOvr>
+    <a:masterClrMapping/>
+  </p:clrMapOvr>
+</p:sld>
+</file>
+
+<file path=ppt/slides/slide15.xml><?xml version="1.0" encoding="utf-8"?>
+<p:sld xmlns:a="http://schemas.openxmlformats.org/drawingml/2006/main" xmlns:r="http://schemas.openxmlformats.org/officeDocument/2006/relationships" xmlns:p="http://schemas.openxmlformats.org/presentationml/2006/main">
+  <p:cSld>
+    <p:spTree>
+      <p:nvGrpSpPr>
+        <p:cNvPr id="1" name=""/>
+        <p:cNvGrpSpPr/>
+        <p:nvPr/>
+      </p:nvGrpSpPr>
+      <p:grpSpPr>
+        <a:xfrm>
+          <a:off x="0" y="0"/>
+          <a:ext cx="0" cy="0"/>
+          <a:chOff x="0" y="0"/>
+          <a:chExt cx="0" cy="0"/>
+        </a:xfrm>
+      </p:grpSpPr>
+      <p:sp>
+        <p:nvSpPr>
+          <p:cNvPr id="2" name="标题 1"/>
+          <p:cNvSpPr>
+            <a:spLocks noGrp="1"/>
+          </p:cNvSpPr>
+          <p:nvPr>
+            <p:ph type="title"/>
+          </p:nvPr>
+        </p:nvSpPr>
+        <p:spPr/>
+        <p:txBody>
+          <a:bodyPr/>
+          <a:lstStyle/>
+          <a:p>
+            <a:endParaRPr lang="zh-CN" altLang="en-US"/>
+          </a:p>
+        </p:txBody>
+      </p:sp>
+      <p:sp>
+        <p:nvSpPr>
+          <p:cNvPr id="3" name="内容占位符 2"/>
+          <p:cNvSpPr>
+            <a:spLocks noGrp="1"/>
+          </p:cNvSpPr>
+          <p:nvPr>
+            <p:ph idx="1"/>
+          </p:nvPr>
+        </p:nvSpPr>
+        <p:spPr/>
+        <p:txBody>
+          <a:bodyPr/>
+          <a:lstStyle/>
+          <a:p>
+            <a:endParaRPr lang="zh-CN" altLang="en-US"/>
+          </a:p>
+        </p:txBody>
+      </p:sp>
+      <p:pic>
+        <p:nvPicPr>
+          <p:cNvPr id="1026" name="Picture 2"/>
+          <p:cNvPicPr>
+            <a:picLocks noChangeAspect="1" noChangeArrowheads="1"/>
+          </p:cNvPicPr>
+          <p:nvPr/>
+        </p:nvPicPr>
+        <p:blipFill>
+          <a:blip r:embed="rId2" cstate="print">
+            <a:extLst>
+              <a:ext uri="{28A0092B-C50C-407E-A947-70E740481C1C}">
+                <a14:useLocalDpi xmlns:a14="http://schemas.microsoft.com/office/drawing/2010/main" val="0"/>
+              </a:ext>
+            </a:extLst>
+          </a:blip>
+          <a:srcRect/>
+          <a:stretch>
+            <a:fillRect/>
+          </a:stretch>
+        </p:blipFill>
+        <p:spPr bwMode="auto">
+          <a:xfrm>
+            <a:off x="2195736" y="92831"/>
+            <a:ext cx="4659412" cy="4711167"/>
+          </a:xfrm>
+          <a:prstGeom prst="rect">
+            <a:avLst/>
+          </a:prstGeom>
+          <a:solidFill>
+            <a:srgbClr val="FFFFFF">
+              <a:shade val="85000"/>
+            </a:srgbClr>
+          </a:solidFill>
+          <a:ln w="9525">
+            <a:solidFill>
+              <a:schemeClr val="tx1"/>
+            </a:solidFill>
+            <a:miter lim="800000"/>
+            <a:headEnd/>
+            <a:tailEnd/>
+          </a:ln>
+          <a:effectLst>
+            <a:outerShdw blurRad="55000" dist="18000" dir="5400000" algn="tl" rotWithShape="0">
+              <a:srgbClr val="000000">
+                <a:alpha val="40000"/>
+              </a:srgbClr>
+            </a:outerShdw>
+          </a:effectLst>
+          <a:scene3d>
+            <a:camera prst="orthographicFront"/>
+            <a:lightRig rig="twoPt" dir="t">
+              <a:rot lat="0" lon="0" rev="7200000"/>
+            </a:lightRig>
+          </a:scene3d>
+          <a:sp3d>
+            <a:bevelT w="25400" h="19050"/>
+            <a:contourClr>
+              <a:srgbClr val="FFFFFF"/>
+            </a:contourClr>
+          </a:sp3d>
+          <a:extLst>
+            <a:ext uri="{909E8E84-426E-40DD-AFC4-6F175D3DCCD1}">
+              <a14:hiddenFill xmlns:a14="http://schemas.microsoft.com/office/drawing/2010/main">
+                <a:solidFill>
+                  <a:schemeClr val="accent1"/>
+                </a:solidFill>
+              </a14:hiddenFill>
+            </a:ext>
+            <a:ext uri="{AF507438-7753-43E0-B8FC-AC1667EBCBE1}">
+              <a14:hiddenEffects xmlns:a14="http://schemas.microsoft.com/office/drawing/2010/main">
+                <a:effectLst>
+                  <a:outerShdw dist="35921" dir="2700000" algn="ctr" rotWithShape="0">
+                    <a:schemeClr val="bg2"/>
+                  </a:outerShdw>
+                </a:effectLst>
+              </a14:hiddenEffects>
+            </a:ext>
+          </a:extLst>
+        </p:spPr>
+      </p:pic>
+    </p:spTree>
+    <p:extLst>
+      <p:ext uri="{BB962C8B-B14F-4D97-AF65-F5344CB8AC3E}">
+        <p14:creationId xmlns:p14="http://schemas.microsoft.com/office/powerpoint/2010/main" val="735856533"/>
+      </p:ext>
+    </p:extLst>
+  </p:cSld>
+  <p:clrMapOvr>
+    <a:masterClrMapping/>
+  </p:clrMapOvr>
+</p:sld>
+</file>
+
+<file path=ppt/slides/slide16.xml><?xml version="1.0" encoding="utf-8"?>
+<p:sld xmlns:a="http://schemas.openxmlformats.org/drawingml/2006/main" xmlns:r="http://schemas.openxmlformats.org/officeDocument/2006/relationships" xmlns:p="http://schemas.openxmlformats.org/presentationml/2006/main">
+  <p:cSld>
+    <p:spTree>
+      <p:nvGrpSpPr>
+        <p:cNvPr id="1" name=""/>
+        <p:cNvGrpSpPr/>
+        <p:nvPr/>
+      </p:nvGrpSpPr>
+      <p:grpSpPr>
+        <a:xfrm>
+          <a:off x="0" y="0"/>
+          <a:ext cx="0" cy="0"/>
+          <a:chOff x="0" y="0"/>
+          <a:chExt cx="0" cy="0"/>
+        </a:xfrm>
+      </p:grpSpPr>
+      <p:sp>
+        <p:nvSpPr>
+          <p:cNvPr id="2" name="标题 1"/>
+          <p:cNvSpPr>
+            <a:spLocks noGrp="1"/>
+          </p:cNvSpPr>
+          <p:nvPr>
+            <p:ph type="title"/>
+          </p:nvPr>
+        </p:nvSpPr>
+        <p:spPr/>
+        <p:txBody>
+          <a:bodyPr/>
+          <a:lstStyle/>
+          <a:p>
+            <a:endParaRPr lang="zh-CN" altLang="en-US"/>
+          </a:p>
+        </p:txBody>
+      </p:sp>
+      <p:sp>
+        <p:nvSpPr>
+          <p:cNvPr id="3" name="内容占位符 2"/>
+          <p:cNvSpPr>
+            <a:spLocks noGrp="1"/>
+          </p:cNvSpPr>
+          <p:nvPr>
+            <p:ph idx="1"/>
+          </p:nvPr>
+        </p:nvSpPr>
+        <p:spPr/>
+        <p:txBody>
+          <a:bodyPr/>
+          <a:lstStyle/>
+          <a:p>
+            <a:r>
+              <a:rPr lang="zh-CN" altLang="zh-CN" dirty="0"/>
+              <a:t>接下来，通过一个程序题目来了解部分字符串处理函数的用法。要求用户输入两个字符串</a:t>
+            </a:r>
+            <a:r>
+              <a:rPr lang="en-US" altLang="zh-CN" dirty="0"/>
+              <a:t>A</a:t>
+            </a:r>
+            <a:r>
+              <a:rPr lang="zh-CN" altLang="zh-CN" dirty="0"/>
+              <a:t>和</a:t>
+            </a:r>
+            <a:r>
+              <a:rPr lang="en-US" altLang="zh-CN" dirty="0"/>
+              <a:t>B</a:t>
+            </a:r>
+            <a:r>
+              <a:rPr lang="zh-CN" altLang="zh-CN" dirty="0"/>
+              <a:t>，不考虑大小写的情况下，输出</a:t>
+            </a:r>
+            <a:r>
+              <a:rPr lang="en-US" altLang="zh-CN" dirty="0"/>
+              <a:t>A</a:t>
+            </a:r>
+            <a:r>
+              <a:rPr lang="zh-CN" altLang="zh-CN" dirty="0"/>
+              <a:t>和</a:t>
+            </a:r>
+            <a:r>
+              <a:rPr lang="en-US" altLang="zh-CN" dirty="0"/>
+              <a:t>B</a:t>
+            </a:r>
+            <a:r>
+              <a:rPr lang="zh-CN" altLang="zh-CN" dirty="0"/>
+              <a:t>的最大公共子串</a:t>
+            </a:r>
+            <a:r>
+              <a:rPr lang="zh-CN" altLang="zh-CN" dirty="0" smtClean="0"/>
+              <a:t>。</a:t>
+            </a:r>
+            <a:endParaRPr lang="en-US" altLang="zh-CN" dirty="0" smtClean="0"/>
+          </a:p>
+          <a:p>
+            <a:r>
+              <a:rPr lang="zh-CN" altLang="zh-CN" dirty="0" smtClean="0"/>
+              <a:t>比如</a:t>
+            </a:r>
+            <a:r>
+              <a:rPr lang="en-US" altLang="zh-CN" dirty="0"/>
+              <a:t>A="</a:t>
+            </a:r>
+            <a:r>
+              <a:rPr lang="en-US" altLang="zh-CN" dirty="0" err="1"/>
+              <a:t>aocDfe</a:t>
+            </a:r>
+            <a:r>
+              <a:rPr lang="en-US" altLang="zh-CN" dirty="0"/>
+              <a:t>" B="</a:t>
+            </a:r>
+            <a:r>
+              <a:rPr lang="en-US" altLang="zh-CN" dirty="0" err="1"/>
+              <a:t>pMcdFa</a:t>
+            </a:r>
+            <a:r>
+              <a:rPr lang="en-US" altLang="zh-CN" dirty="0"/>
+              <a:t>" </a:t>
+            </a:r>
+            <a:r>
+              <a:rPr lang="zh-CN" altLang="zh-CN" dirty="0"/>
+              <a:t>则输出</a:t>
+            </a:r>
+            <a:r>
+              <a:rPr lang="en-US" altLang="zh-CN" dirty="0"/>
+              <a:t>"</a:t>
+            </a:r>
+            <a:r>
+              <a:rPr lang="en-US" altLang="zh-CN" dirty="0" err="1"/>
+              <a:t>cdf</a:t>
+            </a:r>
+            <a:r>
+              <a:rPr lang="en-US" altLang="zh-CN" dirty="0"/>
+              <a:t>"</a:t>
+            </a:r>
+            <a:r>
+              <a:rPr lang="zh-CN" altLang="zh-CN" dirty="0"/>
+              <a:t>。</a:t>
+            </a:r>
+          </a:p>
+          <a:p>
+            <a:endParaRPr lang="zh-CN" altLang="en-US" dirty="0"/>
+          </a:p>
+        </p:txBody>
+      </p:sp>
+    </p:spTree>
+    <p:extLst>
+      <p:ext uri="{BB962C8B-B14F-4D97-AF65-F5344CB8AC3E}">
+        <p14:creationId xmlns:p14="http://schemas.microsoft.com/office/powerpoint/2010/main" val="100233392"/>
+      </p:ext>
+    </p:extLst>
+  </p:cSld>
+  <p:clrMapOvr>
+    <a:masterClrMapping/>
+  </p:clrMapOvr>
+</p:sld>
+</file>
+
+<file path=ppt/slides/slide17.xml><?xml version="1.0" encoding="utf-8"?>
+<p:sld xmlns:a="http://schemas.openxmlformats.org/drawingml/2006/main" xmlns:r="http://schemas.openxmlformats.org/officeDocument/2006/relationships" xmlns:p="http://schemas.openxmlformats.org/presentationml/2006/main">
+  <p:cSld>
+    <p:spTree>
+      <p:nvGrpSpPr>
+        <p:cNvPr id="1" name=""/>
+        <p:cNvGrpSpPr/>
+        <p:nvPr/>
+      </p:nvGrpSpPr>
+      <p:grpSpPr>
+        <a:xfrm>
+          <a:off x="0" y="0"/>
+          <a:ext cx="0" cy="0"/>
+          <a:chOff x="0" y="0"/>
+          <a:chExt cx="0" cy="0"/>
+        </a:xfrm>
+      </p:grpSpPr>
+      <p:sp>
+        <p:nvSpPr>
+          <p:cNvPr id="2" name="标题 1"/>
+          <p:cNvSpPr>
+            <a:spLocks noGrp="1"/>
+          </p:cNvSpPr>
+          <p:nvPr>
+            <p:ph type="title"/>
+          </p:nvPr>
+        </p:nvSpPr>
+        <p:spPr/>
+        <p:txBody>
+          <a:bodyPr/>
+          <a:lstStyle/>
+          <a:p>
+            <a:endParaRPr lang="zh-CN" altLang="en-US"/>
+          </a:p>
+        </p:txBody>
+      </p:sp>
+      <p:sp>
+        <p:nvSpPr>
+          <p:cNvPr id="3" name="内容占位符 2"/>
+          <p:cNvSpPr>
+            <a:spLocks noGrp="1"/>
+          </p:cNvSpPr>
+          <p:nvPr>
+            <p:ph idx="1"/>
+          </p:nvPr>
+        </p:nvSpPr>
+        <p:spPr/>
+        <p:txBody>
+          <a:bodyPr/>
+          <a:lstStyle/>
+          <a:p>
+            <a:endParaRPr lang="zh-CN" altLang="en-US"/>
+          </a:p>
+        </p:txBody>
+      </p:sp>
+      <p:pic>
+        <p:nvPicPr>
+          <p:cNvPr id="2050" name="Picture 2"/>
+          <p:cNvPicPr>
+            <a:picLocks noChangeAspect="1" noChangeArrowheads="1"/>
+          </p:cNvPicPr>
+          <p:nvPr/>
+        </p:nvPicPr>
+        <p:blipFill>
+          <a:blip r:embed="rId2" cstate="print">
+            <a:extLst>
+              <a:ext uri="{28A0092B-C50C-407E-A947-70E740481C1C}">
+                <a14:useLocalDpi xmlns:a14="http://schemas.microsoft.com/office/drawing/2010/main" val="0"/>
+              </a:ext>
+            </a:extLst>
+          </a:blip>
+          <a:srcRect/>
+          <a:stretch>
+            <a:fillRect/>
+          </a:stretch>
+        </p:blipFill>
+        <p:spPr bwMode="auto">
+          <a:xfrm>
+            <a:off x="2267612" y="79866"/>
+            <a:ext cx="4032580" cy="5588228"/>
+          </a:xfrm>
+          <a:prstGeom prst="rect">
+            <a:avLst/>
+          </a:prstGeom>
+          <a:noFill/>
+          <a:ln>
+            <a:noFill/>
+          </a:ln>
+          <a:effectLst/>
+          <a:extLst>
+            <a:ext uri="{909E8E84-426E-40DD-AFC4-6F175D3DCCD1}">
+              <a14:hiddenFill xmlns:a14="http://schemas.microsoft.com/office/drawing/2010/main">
+                <a:solidFill>
+                  <a:schemeClr val="accent1"/>
+                </a:solidFill>
+              </a14:hiddenFill>
+            </a:ext>
+            <a:ext uri="{91240B29-F687-4F45-9708-019B960494DF}">
+              <a14:hiddenLine xmlns:a14="http://schemas.microsoft.com/office/drawing/2010/main" w="9525">
+                <a:solidFill>
+                  <a:schemeClr val="tx1"/>
+                </a:solidFill>
+                <a:miter lim="800000"/>
+                <a:headEnd/>
+                <a:tailEnd/>
+              </a14:hiddenLine>
+            </a:ext>
+            <a:ext uri="{AF507438-7753-43E0-B8FC-AC1667EBCBE1}">
+              <a14:hiddenEffects xmlns:a14="http://schemas.microsoft.com/office/drawing/2010/main">
+                <a:effectLst>
+                  <a:outerShdw dist="35921" dir="2700000" algn="ctr" rotWithShape="0">
+                    <a:schemeClr val="bg2"/>
+                  </a:outerShdw>
+                </a:effectLst>
+              </a14:hiddenEffects>
+            </a:ext>
+          </a:extLst>
+        </p:spPr>
+      </p:pic>
+    </p:spTree>
+    <p:extLst>
+      <p:ext uri="{BB962C8B-B14F-4D97-AF65-F5344CB8AC3E}">
+        <p14:creationId xmlns:p14="http://schemas.microsoft.com/office/powerpoint/2010/main" val="2500483065"/>
+      </p:ext>
+    </p:extLst>
+  </p:cSld>
+  <p:clrMapOvr>
+    <a:masterClrMapping/>
+  </p:clrMapOvr>
+</p:sld>
+</file>
+
+<file path=ppt/slides/slide18.xml><?xml version="1.0" encoding="utf-8"?>
+<p:sld xmlns:a="http://schemas.openxmlformats.org/drawingml/2006/main" xmlns:r="http://schemas.openxmlformats.org/officeDocument/2006/relationships" xmlns:p="http://schemas.openxmlformats.org/presentationml/2006/main">
+  <p:cSld>
+    <p:spTree>
+      <p:nvGrpSpPr>
+        <p:cNvPr id="1" name=""/>
+        <p:cNvGrpSpPr/>
+        <p:nvPr/>
+      </p:nvGrpSpPr>
+      <p:grpSpPr>
+        <a:xfrm>
+          <a:off x="0" y="0"/>
+          <a:ext cx="0" cy="0"/>
+          <a:chOff x="0" y="0"/>
+          <a:chExt cx="0" cy="0"/>
+        </a:xfrm>
+      </p:grpSpPr>
+      <p:sp>
+        <p:nvSpPr>
+          <p:cNvPr id="2" name="标题 1"/>
+          <p:cNvSpPr>
+            <a:spLocks noGrp="1"/>
+          </p:cNvSpPr>
+          <p:nvPr>
+            <p:ph type="title"/>
+          </p:nvPr>
+        </p:nvSpPr>
+        <p:spPr/>
+        <p:txBody>
+          <a:bodyPr/>
+          <a:lstStyle/>
+          <a:p>
+            <a:endParaRPr lang="zh-CN" altLang="en-US"/>
+          </a:p>
+        </p:txBody>
+      </p:sp>
+      <p:sp>
+        <p:nvSpPr>
+          <p:cNvPr id="3" name="内容占位符 2"/>
+          <p:cNvSpPr>
+            <a:spLocks noGrp="1"/>
+          </p:cNvSpPr>
+          <p:nvPr>
+            <p:ph idx="1"/>
+          </p:nvPr>
+        </p:nvSpPr>
+        <p:spPr/>
+        <p:txBody>
+          <a:bodyPr>
+            <a:normAutofit lnSpcReduction="10000"/>
+          </a:bodyPr>
+          <a:lstStyle/>
+          <a:p>
+            <a:r>
+              <a:rPr lang="zh-CN" altLang="zh-CN" dirty="0"/>
+              <a:t>在</a:t>
+            </a:r>
+            <a:r>
+              <a:rPr lang="en-US" altLang="zh-CN" dirty="0"/>
+              <a:t>main</a:t>
+            </a:r>
+            <a:r>
+              <a:rPr lang="zh-CN" altLang="zh-CN" dirty="0"/>
+              <a:t>函数中可以采用用户输入的方法，获得任意两个</a:t>
+            </a:r>
+            <a:r>
+              <a:rPr lang="zh-CN" altLang="zh-CN" dirty="0" smtClean="0"/>
+              <a:t>字符串</a:t>
+            </a:r>
+            <a:endParaRPr lang="en-US" altLang="zh-CN" dirty="0" smtClean="0"/>
+          </a:p>
+          <a:p>
+            <a:r>
+              <a:rPr lang="zh-CN" altLang="zh-CN" dirty="0" smtClean="0"/>
+              <a:t>由于</a:t>
+            </a:r>
+            <a:r>
+              <a:rPr lang="en-US" altLang="zh-CN" dirty="0" err="1"/>
+              <a:t>MaxSubstring</a:t>
+            </a:r>
+            <a:r>
+              <a:rPr lang="zh-CN" altLang="zh-CN" dirty="0"/>
+              <a:t>函数的参数采用了</a:t>
+            </a:r>
+            <a:r>
+              <a:rPr lang="en-US" altLang="zh-CN" dirty="0" err="1"/>
+              <a:t>const</a:t>
+            </a:r>
+            <a:r>
+              <a:rPr lang="zh-CN" altLang="zh-CN" dirty="0"/>
+              <a:t>修饰，可以防止程序在函数内部对实参进行修改，这样保证了函数的安全</a:t>
+            </a:r>
+            <a:r>
+              <a:rPr lang="zh-CN" altLang="zh-CN" dirty="0" smtClean="0"/>
+              <a:t>调用</a:t>
+            </a:r>
+            <a:endParaRPr lang="en-US" altLang="zh-CN" dirty="0" smtClean="0"/>
+          </a:p>
+          <a:p>
+            <a:r>
+              <a:rPr lang="zh-CN" altLang="zh-CN" dirty="0" smtClean="0"/>
+              <a:t>下面</a:t>
+            </a:r>
+            <a:r>
+              <a:rPr lang="zh-CN" altLang="zh-CN" dirty="0"/>
+              <a:t>是在</a:t>
+            </a:r>
+            <a:r>
+              <a:rPr lang="en-US" altLang="zh-CN" dirty="0"/>
+              <a:t>main</a:t>
+            </a:r>
+            <a:r>
+              <a:rPr lang="zh-CN" altLang="zh-CN" dirty="0"/>
+              <a:t>函数中，调用求最大子串函数的代码片段。</a:t>
+            </a:r>
+          </a:p>
+          <a:p>
+            <a:endParaRPr lang="zh-CN" altLang="en-US" dirty="0"/>
+          </a:p>
+        </p:txBody>
+      </p:sp>
+    </p:spTree>
+    <p:extLst>
+      <p:ext uri="{BB962C8B-B14F-4D97-AF65-F5344CB8AC3E}">
+        <p14:creationId xmlns:p14="http://schemas.microsoft.com/office/powerpoint/2010/main" val="2928225592"/>
+      </p:ext>
+    </p:extLst>
+  </p:cSld>
+  <p:clrMapOvr>
+    <a:masterClrMapping/>
+  </p:clrMapOvr>
+</p:sld>
+</file>
+
+<file path=ppt/slides/slide19.xml><?xml version="1.0" encoding="utf-8"?>
+<p:sld xmlns:a="http://schemas.openxmlformats.org/drawingml/2006/main" xmlns:r="http://schemas.openxmlformats.org/officeDocument/2006/relationships" xmlns:p="http://schemas.openxmlformats.org/presentationml/2006/main">
+  <p:cSld>
+    <p:spTree>
+      <p:nvGrpSpPr>
+        <p:cNvPr id="1" name=""/>
+        <p:cNvGrpSpPr/>
+        <p:nvPr/>
+      </p:nvGrpSpPr>
+      <p:grpSpPr>
+        <a:xfrm>
+          <a:off x="0" y="0"/>
+          <a:ext cx="0" cy="0"/>
+          <a:chOff x="0" y="0"/>
+          <a:chExt cx="0" cy="0"/>
+        </a:xfrm>
+      </p:grpSpPr>
+      <p:sp>
+        <p:nvSpPr>
+          <p:cNvPr id="2" name="标题 1"/>
+          <p:cNvSpPr>
+            <a:spLocks noGrp="1"/>
+          </p:cNvSpPr>
+          <p:nvPr>
+            <p:ph type="title"/>
+          </p:nvPr>
+        </p:nvSpPr>
+        <p:spPr/>
+        <p:txBody>
+          <a:bodyPr/>
+          <a:lstStyle/>
+          <a:p>
+            <a:endParaRPr lang="zh-CN" altLang="en-US"/>
+          </a:p>
+        </p:txBody>
+      </p:sp>
+      <p:sp>
+        <p:nvSpPr>
+          <p:cNvPr id="3" name="内容占位符 2"/>
+          <p:cNvSpPr>
+            <a:spLocks noGrp="1"/>
+          </p:cNvSpPr>
+          <p:nvPr>
+            <p:ph idx="1"/>
+          </p:nvPr>
+        </p:nvSpPr>
+        <p:spPr/>
+        <p:txBody>
+          <a:bodyPr/>
+          <a:lstStyle/>
+          <a:p>
+            <a:endParaRPr lang="en-US" altLang="zh-CN" dirty="0" smtClean="0"/>
+          </a:p>
+          <a:p>
+            <a:endParaRPr lang="en-US" altLang="zh-CN" dirty="0"/>
+          </a:p>
+          <a:p>
+            <a:endParaRPr lang="en-US" altLang="zh-CN" dirty="0" smtClean="0"/>
+          </a:p>
+          <a:p>
+            <a:r>
+              <a:rPr lang="zh-CN" altLang="zh-CN" dirty="0" smtClean="0"/>
+              <a:t>本</a:t>
+            </a:r>
+            <a:r>
+              <a:rPr lang="zh-CN" altLang="zh-CN" dirty="0"/>
+              <a:t>例中，我们使用了</a:t>
+            </a:r>
+            <a:r>
+              <a:rPr lang="en-US" altLang="zh-CN" dirty="0" err="1"/>
+              <a:t>strlen</a:t>
+            </a:r>
+            <a:r>
+              <a:rPr lang="zh-CN" altLang="zh-CN" dirty="0"/>
+              <a:t>、</a:t>
+            </a:r>
+            <a:r>
+              <a:rPr lang="en-US" altLang="zh-CN" dirty="0" err="1"/>
+              <a:t>strcpy</a:t>
+            </a:r>
+            <a:r>
+              <a:rPr lang="zh-CN" altLang="zh-CN" dirty="0"/>
+              <a:t>、</a:t>
+            </a:r>
+            <a:r>
+              <a:rPr lang="en-US" altLang="zh-CN" dirty="0" err="1"/>
+              <a:t>strlwr</a:t>
+            </a:r>
+            <a:r>
+              <a:rPr lang="zh-CN" altLang="zh-CN" dirty="0"/>
+              <a:t>、</a:t>
+            </a:r>
+            <a:r>
+              <a:rPr lang="en-US" altLang="zh-CN" dirty="0" err="1"/>
+              <a:t>strncpy</a:t>
+            </a:r>
+            <a:r>
+              <a:rPr lang="zh-CN" altLang="zh-CN" dirty="0"/>
+              <a:t>、</a:t>
+            </a:r>
+            <a:r>
+              <a:rPr lang="en-US" altLang="zh-CN" dirty="0" err="1"/>
+              <a:t>strstr</a:t>
+            </a:r>
+            <a:r>
+              <a:rPr lang="zh-CN" altLang="zh-CN" dirty="0"/>
+              <a:t>和</a:t>
+            </a:r>
+            <a:r>
+              <a:rPr lang="en-US" altLang="zh-CN" dirty="0"/>
+              <a:t>gets</a:t>
+            </a:r>
+            <a:r>
+              <a:rPr lang="zh-CN" altLang="zh-CN" dirty="0"/>
+              <a:t>这些针对字符串处理的库函数。</a:t>
+            </a:r>
+          </a:p>
+          <a:p>
+            <a:endParaRPr lang="zh-CN" altLang="en-US" dirty="0"/>
+          </a:p>
+        </p:txBody>
+      </p:sp>
+      <p:pic>
+        <p:nvPicPr>
+          <p:cNvPr id="3074" name="Picture 2"/>
+          <p:cNvPicPr>
+            <a:picLocks noChangeAspect="1" noChangeArrowheads="1"/>
+          </p:cNvPicPr>
+          <p:nvPr/>
+        </p:nvPicPr>
+        <p:blipFill>
+          <a:blip r:embed="rId2" cstate="print">
+            <a:extLst>
+              <a:ext uri="{28A0092B-C50C-407E-A947-70E740481C1C}">
+                <a14:useLocalDpi xmlns:a14="http://schemas.microsoft.com/office/drawing/2010/main" val="0"/>
+              </a:ext>
+            </a:extLst>
+          </a:blip>
+          <a:srcRect/>
+          <a:stretch>
+            <a:fillRect/>
+          </a:stretch>
+        </p:blipFill>
+        <p:spPr bwMode="auto">
+          <a:xfrm>
+            <a:off x="1691680" y="1347614"/>
+            <a:ext cx="5287963" cy="792163"/>
+          </a:xfrm>
+          <a:prstGeom prst="rect">
+            <a:avLst/>
+          </a:prstGeom>
+          <a:noFill/>
+          <a:ln>
+            <a:noFill/>
+          </a:ln>
+          <a:effectLst/>
+          <a:extLst>
+            <a:ext uri="{909E8E84-426E-40DD-AFC4-6F175D3DCCD1}">
+              <a14:hiddenFill xmlns:a14="http://schemas.microsoft.com/office/drawing/2010/main">
+                <a:solidFill>
+                  <a:schemeClr val="accent1"/>
+                </a:solidFill>
+              </a14:hiddenFill>
+            </a:ext>
+            <a:ext uri="{91240B29-F687-4F45-9708-019B960494DF}">
+              <a14:hiddenLine xmlns:a14="http://schemas.microsoft.com/office/drawing/2010/main" w="9525">
+                <a:solidFill>
+                  <a:schemeClr val="tx1"/>
+                </a:solidFill>
+                <a:miter lim="800000"/>
+                <a:headEnd/>
+                <a:tailEnd/>
+              </a14:hiddenLine>
+            </a:ext>
+            <a:ext uri="{AF507438-7753-43E0-B8FC-AC1667EBCBE1}">
+              <a14:hiddenEffects xmlns:a14="http://schemas.microsoft.com/office/drawing/2010/main">
+                <a:effectLst>
+                  <a:outerShdw dist="35921" dir="2700000" algn="ctr" rotWithShape="0">
+                    <a:schemeClr val="bg2"/>
+                  </a:outerShdw>
+                </a:effectLst>
+              </a14:hiddenEffects>
+            </a:ext>
+          </a:extLst>
+        </p:spPr>
+      </p:pic>
+    </p:spTree>
+    <p:extLst>
+      <p:ext uri="{BB962C8B-B14F-4D97-AF65-F5344CB8AC3E}">
+        <p14:creationId xmlns:p14="http://schemas.microsoft.com/office/powerpoint/2010/main" val="2441645196"/>
+      </p:ext>
+    </p:extLst>
+  </p:cSld>
+  <p:clrMapOvr>
+    <a:masterClrMapping/>
+  </p:clrMapOvr>
+</p:sld>
+</file>
+
 <file path=ppt/slides/slide2.xml><?xml version="1.0" encoding="utf-8"?>
 <p:sld xmlns:a="http://schemas.openxmlformats.org/drawingml/2006/main" xmlns:r="http://schemas.openxmlformats.org/officeDocument/2006/relationships" xmlns:p="http://schemas.openxmlformats.org/presentationml/2006/main">
   <p:cSld>
@@ -3243,10 +6062,1968 @@
 </p:sld>
 </file>
 
+<file path=ppt/slides/slide20.xml><?xml version="1.0" encoding="utf-8"?>
+<p:sld xmlns:a="http://schemas.openxmlformats.org/drawingml/2006/main" xmlns:r="http://schemas.openxmlformats.org/officeDocument/2006/relationships" xmlns:p="http://schemas.openxmlformats.org/presentationml/2006/main">
+  <p:cSld>
+    <p:spTree>
+      <p:nvGrpSpPr>
+        <p:cNvPr id="1" name=""/>
+        <p:cNvGrpSpPr/>
+        <p:nvPr/>
+      </p:nvGrpSpPr>
+      <p:grpSpPr>
+        <a:xfrm>
+          <a:off x="0" y="0"/>
+          <a:ext cx="0" cy="0"/>
+          <a:chOff x="0" y="0"/>
+          <a:chExt cx="0" cy="0"/>
+        </a:xfrm>
+      </p:grpSpPr>
+      <p:sp>
+        <p:nvSpPr>
+          <p:cNvPr id="2" name="标题 1"/>
+          <p:cNvSpPr>
+            <a:spLocks noGrp="1"/>
+          </p:cNvSpPr>
+          <p:nvPr>
+            <p:ph type="title"/>
+          </p:nvPr>
+        </p:nvSpPr>
+        <p:spPr/>
+        <p:txBody>
+          <a:bodyPr/>
+          <a:lstStyle/>
+          <a:p>
+            <a:r>
+              <a:rPr lang="zh-CN" altLang="en-US" dirty="0" smtClean="0"/>
+              <a:t>单词</a:t>
+            </a:r>
+            <a:r>
+              <a:rPr lang="zh-CN" altLang="en-US" dirty="0"/>
+              <a:t>英雄</a:t>
+            </a:r>
+          </a:p>
+        </p:txBody>
+      </p:sp>
+      <p:sp>
+        <p:nvSpPr>
+          <p:cNvPr id="3" name="内容占位符 2"/>
+          <p:cNvSpPr>
+            <a:spLocks noGrp="1"/>
+          </p:cNvSpPr>
+          <p:nvPr>
+            <p:ph idx="1"/>
+          </p:nvPr>
+        </p:nvSpPr>
+        <p:spPr/>
+        <p:txBody>
+          <a:bodyPr/>
+          <a:lstStyle/>
+          <a:p>
+            <a:endParaRPr lang="zh-CN" altLang="en-US" dirty="0"/>
+          </a:p>
+        </p:txBody>
+      </p:sp>
+      <p:pic>
+        <p:nvPicPr>
+          <p:cNvPr id="4" name="图片 3"/>
+          <p:cNvPicPr/>
+          <p:nvPr/>
+        </p:nvPicPr>
+        <p:blipFill>
+          <a:blip r:embed="rId2"/>
+          <a:stretch>
+            <a:fillRect/>
+          </a:stretch>
+        </p:blipFill>
+        <p:spPr>
+          <a:xfrm>
+            <a:off x="1934845" y="1174750"/>
+            <a:ext cx="5274310" cy="2794000"/>
+          </a:xfrm>
+          <a:prstGeom prst="rect">
+            <a:avLst/>
+          </a:prstGeom>
+        </p:spPr>
+      </p:pic>
+    </p:spTree>
+    <p:extLst>
+      <p:ext uri="{BB962C8B-B14F-4D97-AF65-F5344CB8AC3E}">
+        <p14:creationId xmlns:p14="http://schemas.microsoft.com/office/powerpoint/2010/main" val="1660879411"/>
+      </p:ext>
+    </p:extLst>
+  </p:cSld>
+  <p:clrMapOvr>
+    <a:masterClrMapping/>
+  </p:clrMapOvr>
+</p:sld>
+</file>
+
+<file path=ppt/slides/slide21.xml><?xml version="1.0" encoding="utf-8"?>
+<p:sld xmlns:a="http://schemas.openxmlformats.org/drawingml/2006/main" xmlns:r="http://schemas.openxmlformats.org/officeDocument/2006/relationships" xmlns:p="http://schemas.openxmlformats.org/presentationml/2006/main">
+  <p:cSld>
+    <p:spTree>
+      <p:nvGrpSpPr>
+        <p:cNvPr id="1" name=""/>
+        <p:cNvGrpSpPr/>
+        <p:nvPr/>
+      </p:nvGrpSpPr>
+      <p:grpSpPr>
+        <a:xfrm>
+          <a:off x="0" y="0"/>
+          <a:ext cx="0" cy="0"/>
+          <a:chOff x="0" y="0"/>
+          <a:chExt cx="0" cy="0"/>
+        </a:xfrm>
+      </p:grpSpPr>
+      <p:sp>
+        <p:nvSpPr>
+          <p:cNvPr id="2" name="标题 1"/>
+          <p:cNvSpPr>
+            <a:spLocks noGrp="1"/>
+          </p:cNvSpPr>
+          <p:nvPr>
+            <p:ph type="title"/>
+          </p:nvPr>
+        </p:nvSpPr>
+        <p:spPr/>
+        <p:txBody>
+          <a:bodyPr>
+            <a:normAutofit fontScale="90000"/>
+          </a:bodyPr>
+          <a:lstStyle/>
+          <a:p>
+            <a:r>
+              <a:rPr lang="zh-CN" altLang="zh-CN" dirty="0"/>
+              <a:t>上机练习题</a:t>
+            </a:r>
+            <a:br>
+              <a:rPr lang="zh-CN" altLang="zh-CN" dirty="0"/>
+            </a:br>
+            <a:endParaRPr lang="zh-CN" altLang="en-US" dirty="0"/>
+          </a:p>
+        </p:txBody>
+      </p:sp>
+      <p:sp>
+        <p:nvSpPr>
+          <p:cNvPr id="3" name="内容占位符 2"/>
+          <p:cNvSpPr>
+            <a:spLocks noGrp="1"/>
+          </p:cNvSpPr>
+          <p:nvPr>
+            <p:ph idx="1"/>
+          </p:nvPr>
+        </p:nvSpPr>
+        <p:spPr/>
+        <p:txBody>
+          <a:bodyPr>
+            <a:normAutofit/>
+          </a:bodyPr>
+          <a:lstStyle/>
+          <a:p>
+            <a:pPr lvl="0"/>
+            <a:r>
+              <a:rPr lang="zh-CN" altLang="zh-CN" dirty="0" smtClean="0"/>
+              <a:t>增加</a:t>
+            </a:r>
+            <a:r>
+              <a:rPr lang="zh-CN" altLang="zh-CN" dirty="0"/>
+              <a:t>更多的单词量</a:t>
+            </a:r>
+          </a:p>
+          <a:p>
+            <a:pPr lvl="0"/>
+            <a:r>
+              <a:rPr lang="zh-CN" altLang="zh-CN" dirty="0"/>
+              <a:t>提高部分匹配的识别度，让屏幕中落下的单词中，部分匹配的字母用高亮显示并放大字体</a:t>
+            </a:r>
+          </a:p>
+          <a:p>
+            <a:endParaRPr lang="zh-CN" altLang="en-US" dirty="0"/>
+          </a:p>
+        </p:txBody>
+      </p:sp>
+    </p:spTree>
+    <p:extLst>
+      <p:ext uri="{BB962C8B-B14F-4D97-AF65-F5344CB8AC3E}">
+        <p14:creationId xmlns:p14="http://schemas.microsoft.com/office/powerpoint/2010/main" val="4151381322"/>
+      </p:ext>
+    </p:extLst>
+  </p:cSld>
+  <p:clrMapOvr>
+    <a:masterClrMapping/>
+  </p:clrMapOvr>
+</p:sld>
+</file>
+
+<file path=ppt/slides/slide3.xml><?xml version="1.0" encoding="utf-8"?>
+<p:sld xmlns:a="http://schemas.openxmlformats.org/drawingml/2006/main" xmlns:r="http://schemas.openxmlformats.org/officeDocument/2006/relationships" xmlns:p="http://schemas.openxmlformats.org/presentationml/2006/main">
+  <p:cSld>
+    <p:spTree>
+      <p:nvGrpSpPr>
+        <p:cNvPr id="1" name=""/>
+        <p:cNvGrpSpPr/>
+        <p:nvPr/>
+      </p:nvGrpSpPr>
+      <p:grpSpPr>
+        <a:xfrm>
+          <a:off x="0" y="0"/>
+          <a:ext cx="0" cy="0"/>
+          <a:chOff x="0" y="0"/>
+          <a:chExt cx="0" cy="0"/>
+        </a:xfrm>
+      </p:grpSpPr>
+      <p:sp>
+        <p:nvSpPr>
+          <p:cNvPr id="2" name="标题 1"/>
+          <p:cNvSpPr>
+            <a:spLocks noGrp="1"/>
+          </p:cNvSpPr>
+          <p:nvPr>
+            <p:ph type="title"/>
+          </p:nvPr>
+        </p:nvSpPr>
+        <p:spPr/>
+        <p:txBody>
+          <a:bodyPr/>
+          <a:lstStyle/>
+          <a:p>
+            <a:r>
+              <a:rPr lang="zh-CN" altLang="en-US" dirty="0" smtClean="0"/>
+              <a:t>综述</a:t>
+            </a:r>
+            <a:endParaRPr lang="zh-CN" altLang="en-US" dirty="0"/>
+          </a:p>
+        </p:txBody>
+      </p:sp>
+      <p:sp>
+        <p:nvSpPr>
+          <p:cNvPr id="3" name="内容占位符 2"/>
+          <p:cNvSpPr>
+            <a:spLocks noGrp="1"/>
+          </p:cNvSpPr>
+          <p:nvPr>
+            <p:ph idx="1"/>
+          </p:nvPr>
+        </p:nvSpPr>
+        <p:spPr/>
+        <p:txBody>
+          <a:bodyPr>
+            <a:normAutofit fontScale="85000" lnSpcReduction="10000"/>
+          </a:bodyPr>
+          <a:lstStyle/>
+          <a:p>
+            <a:r>
+              <a:rPr lang="zh-CN" altLang="zh-CN" dirty="0"/>
+              <a:t>在编写程序时，经常遇到需要保存一段文字的</a:t>
+            </a:r>
+            <a:r>
+              <a:rPr lang="zh-CN" altLang="zh-CN" dirty="0" smtClean="0"/>
+              <a:t>情况</a:t>
+            </a:r>
+            <a:endParaRPr lang="en-US" altLang="zh-CN" dirty="0" smtClean="0"/>
+          </a:p>
+          <a:p>
+            <a:pPr lvl="1"/>
+            <a:r>
+              <a:rPr lang="zh-CN" altLang="zh-CN" dirty="0" smtClean="0"/>
+              <a:t>比如</a:t>
+            </a:r>
+            <a:r>
+              <a:rPr lang="zh-CN" altLang="zh-CN" dirty="0"/>
+              <a:t>玩家的姓名、玩家之间的对话和某个物品的资料介绍</a:t>
+            </a:r>
+            <a:r>
+              <a:rPr lang="zh-CN" altLang="zh-CN" dirty="0" smtClean="0"/>
+              <a:t>等</a:t>
+            </a:r>
+            <a:endParaRPr lang="en-US" altLang="zh-CN" dirty="0" smtClean="0"/>
+          </a:p>
+          <a:p>
+            <a:r>
+              <a:rPr lang="zh-CN" altLang="zh-CN" dirty="0" smtClean="0"/>
+              <a:t>在</a:t>
+            </a:r>
+            <a:r>
+              <a:rPr lang="en-US" altLang="zh-CN" dirty="0"/>
+              <a:t>C</a:t>
+            </a:r>
+            <a:r>
+              <a:rPr lang="zh-CN" altLang="zh-CN" dirty="0"/>
+              <a:t>语言中，字符串是以字符数组的形式进行存储的，且在数组中以</a:t>
+            </a:r>
+            <a:r>
+              <a:rPr lang="en-US" altLang="zh-CN" dirty="0"/>
+              <a:t>'\0'</a:t>
+            </a:r>
+            <a:r>
+              <a:rPr lang="zh-CN" altLang="zh-CN" dirty="0"/>
+              <a:t>作为</a:t>
+            </a:r>
+            <a:r>
+              <a:rPr lang="zh-CN" altLang="zh-CN" dirty="0" smtClean="0"/>
+              <a:t>终结符</a:t>
+            </a:r>
+            <a:endParaRPr lang="en-US" altLang="zh-CN" dirty="0" smtClean="0"/>
+          </a:p>
+          <a:p>
+            <a:r>
+              <a:rPr lang="zh-CN" altLang="zh-CN" dirty="0" smtClean="0"/>
+              <a:t>本章</a:t>
+            </a:r>
+            <a:r>
+              <a:rPr lang="zh-CN" altLang="zh-CN" dirty="0"/>
+              <a:t>要点是字符数组如何应用于字符串的保存，字符串如何进行各种形式的输入输出，以及常用的字符串处理函数。</a:t>
+            </a:r>
+          </a:p>
+          <a:p>
+            <a:endParaRPr lang="zh-CN" altLang="en-US" dirty="0"/>
+          </a:p>
+        </p:txBody>
+      </p:sp>
+    </p:spTree>
+    <p:extLst>
+      <p:ext uri="{BB962C8B-B14F-4D97-AF65-F5344CB8AC3E}">
+        <p14:creationId xmlns:p14="http://schemas.microsoft.com/office/powerpoint/2010/main" val="168578069"/>
+      </p:ext>
+    </p:extLst>
+  </p:cSld>
+  <p:clrMapOvr>
+    <a:masterClrMapping/>
+  </p:clrMapOvr>
+</p:sld>
+</file>
+
+<file path=ppt/slides/slide4.xml><?xml version="1.0" encoding="utf-8"?>
+<p:sld xmlns:a="http://schemas.openxmlformats.org/drawingml/2006/main" xmlns:r="http://schemas.openxmlformats.org/officeDocument/2006/relationships" xmlns:p="http://schemas.openxmlformats.org/presentationml/2006/main">
+  <p:cSld>
+    <p:spTree>
+      <p:nvGrpSpPr>
+        <p:cNvPr id="1" name=""/>
+        <p:cNvGrpSpPr/>
+        <p:nvPr/>
+      </p:nvGrpSpPr>
+      <p:grpSpPr>
+        <a:xfrm>
+          <a:off x="0" y="0"/>
+          <a:ext cx="0" cy="0"/>
+          <a:chOff x="0" y="0"/>
+          <a:chExt cx="0" cy="0"/>
+        </a:xfrm>
+      </p:grpSpPr>
+      <p:sp>
+        <p:nvSpPr>
+          <p:cNvPr id="2" name="标题 1"/>
+          <p:cNvSpPr>
+            <a:spLocks noGrp="1"/>
+          </p:cNvSpPr>
+          <p:nvPr>
+            <p:ph type="title"/>
+          </p:nvPr>
+        </p:nvSpPr>
+        <p:spPr/>
+        <p:txBody>
+          <a:bodyPr>
+            <a:normAutofit/>
+          </a:bodyPr>
+          <a:lstStyle/>
+          <a:p>
+            <a:r>
+              <a:rPr lang="zh-CN" altLang="en-US" dirty="0"/>
+              <a:t>字符</a:t>
+            </a:r>
+            <a:r>
+              <a:rPr lang="zh-CN" altLang="en-US" dirty="0" smtClean="0"/>
+              <a:t>数组</a:t>
+            </a:r>
+            <a:endParaRPr lang="zh-CN" altLang="en-US" dirty="0"/>
+          </a:p>
+        </p:txBody>
+      </p:sp>
+      <p:sp>
+        <p:nvSpPr>
+          <p:cNvPr id="3" name="内容占位符 2"/>
+          <p:cNvSpPr>
+            <a:spLocks noGrp="1"/>
+          </p:cNvSpPr>
+          <p:nvPr>
+            <p:ph idx="1"/>
+          </p:nvPr>
+        </p:nvSpPr>
+        <p:spPr/>
+        <p:txBody>
+          <a:bodyPr>
+            <a:normAutofit fontScale="55000" lnSpcReduction="20000"/>
+          </a:bodyPr>
+          <a:lstStyle/>
+          <a:p>
+            <a:r>
+              <a:rPr lang="zh-CN" altLang="zh-CN" dirty="0" smtClean="0"/>
+              <a:t>存放</a:t>
+            </a:r>
+            <a:r>
+              <a:rPr lang="zh-CN" altLang="zh-CN" dirty="0"/>
+              <a:t>字符数据的数组是字符数组，和其他类型数组一样，字符数组中的每个元素都是相同的类型，定义字符数组的方法与定义数值型数组的方法类似。</a:t>
+            </a:r>
+          </a:p>
+          <a:p>
+            <a:r>
+              <a:rPr lang="zh-CN" altLang="zh-CN" dirty="0"/>
+              <a:t>可以在字符数组定义的同时对其进行初始化：</a:t>
+            </a:r>
+          </a:p>
+          <a:p>
+            <a:r>
+              <a:rPr lang="en-US" altLang="zh-CN" dirty="0"/>
+              <a:t>    char </a:t>
+            </a:r>
+            <a:r>
+              <a:rPr lang="en-US" altLang="zh-CN" dirty="0" err="1"/>
+              <a:t>msg</a:t>
+            </a:r>
+            <a:r>
+              <a:rPr lang="en-US" altLang="zh-CN" b="1" dirty="0"/>
+              <a:t>[]</a:t>
+            </a:r>
+            <a:r>
+              <a:rPr lang="en-US" altLang="zh-CN" dirty="0"/>
+              <a:t> </a:t>
+            </a:r>
+            <a:r>
+              <a:rPr lang="en-US" altLang="zh-CN" b="1" dirty="0"/>
+              <a:t>=</a:t>
+            </a:r>
+            <a:r>
+              <a:rPr lang="en-US" altLang="zh-CN" dirty="0"/>
+              <a:t> </a:t>
+            </a:r>
+            <a:r>
+              <a:rPr lang="en-US" altLang="zh-CN" b="1" dirty="0"/>
+              <a:t>{</a:t>
+            </a:r>
+            <a:r>
+              <a:rPr lang="en-US" altLang="zh-CN" dirty="0"/>
+              <a:t>'I'</a:t>
+            </a:r>
+            <a:r>
+              <a:rPr lang="en-US" altLang="zh-CN" b="1" dirty="0"/>
+              <a:t>,</a:t>
+            </a:r>
+            <a:r>
+              <a:rPr lang="en-US" altLang="zh-CN" dirty="0"/>
+              <a:t> ' '</a:t>
+            </a:r>
+            <a:r>
+              <a:rPr lang="en-US" altLang="zh-CN" b="1" dirty="0"/>
+              <a:t>,</a:t>
+            </a:r>
+            <a:r>
+              <a:rPr lang="en-US" altLang="zh-CN" dirty="0"/>
+              <a:t> </a:t>
+            </a:r>
+            <a:endParaRPr lang="zh-CN" altLang="zh-CN" sz="3600" dirty="0"/>
+          </a:p>
+          <a:p>
+            <a:r>
+              <a:rPr lang="en-US" altLang="zh-CN" dirty="0"/>
+              <a:t>        'l'</a:t>
+            </a:r>
+            <a:r>
+              <a:rPr lang="en-US" altLang="zh-CN" b="1" dirty="0"/>
+              <a:t>,</a:t>
+            </a:r>
+            <a:r>
+              <a:rPr lang="en-US" altLang="zh-CN" dirty="0"/>
+              <a:t>  'o'</a:t>
+            </a:r>
+            <a:r>
+              <a:rPr lang="en-US" altLang="zh-CN" b="1" dirty="0"/>
+              <a:t>,</a:t>
+            </a:r>
+            <a:r>
+              <a:rPr lang="en-US" altLang="zh-CN" dirty="0"/>
+              <a:t> 'v'</a:t>
+            </a:r>
+            <a:r>
+              <a:rPr lang="en-US" altLang="zh-CN" b="1" dirty="0"/>
+              <a:t>,</a:t>
+            </a:r>
+            <a:r>
+              <a:rPr lang="en-US" altLang="zh-CN" dirty="0"/>
+              <a:t> 'e'</a:t>
+            </a:r>
+            <a:r>
+              <a:rPr lang="en-US" altLang="zh-CN" b="1" dirty="0"/>
+              <a:t>,</a:t>
+            </a:r>
+            <a:r>
+              <a:rPr lang="en-US" altLang="zh-CN" dirty="0"/>
+              <a:t>' '</a:t>
+            </a:r>
+            <a:r>
+              <a:rPr lang="en-US" altLang="zh-CN" b="1" dirty="0"/>
+              <a:t>,</a:t>
+            </a:r>
+            <a:endParaRPr lang="zh-CN" altLang="zh-CN" sz="3600" dirty="0"/>
+          </a:p>
+          <a:p>
+            <a:r>
+              <a:rPr lang="en-US" altLang="zh-CN" dirty="0"/>
+              <a:t>        'g'</a:t>
+            </a:r>
+            <a:r>
+              <a:rPr lang="en-US" altLang="zh-CN" b="1" dirty="0"/>
+              <a:t>,</a:t>
+            </a:r>
+            <a:r>
+              <a:rPr lang="en-US" altLang="zh-CN" dirty="0"/>
+              <a:t> 'a'</a:t>
+            </a:r>
+            <a:r>
+              <a:rPr lang="en-US" altLang="zh-CN" b="1" dirty="0"/>
+              <a:t>,</a:t>
+            </a:r>
+            <a:r>
+              <a:rPr lang="en-US" altLang="zh-CN" dirty="0"/>
+              <a:t> 'm'</a:t>
+            </a:r>
+            <a:r>
+              <a:rPr lang="en-US" altLang="zh-CN" b="1" dirty="0"/>
+              <a:t>,</a:t>
+            </a:r>
+            <a:r>
+              <a:rPr lang="en-US" altLang="zh-CN" dirty="0"/>
+              <a:t> 'e'</a:t>
+            </a:r>
+            <a:r>
+              <a:rPr lang="en-US" altLang="zh-CN" b="1" dirty="0"/>
+              <a:t>,</a:t>
+            </a:r>
+            <a:r>
+              <a:rPr lang="en-US" altLang="zh-CN" dirty="0"/>
+              <a:t> ' '</a:t>
+            </a:r>
+            <a:r>
+              <a:rPr lang="en-US" altLang="zh-CN" b="1" dirty="0"/>
+              <a:t>,</a:t>
+            </a:r>
+            <a:r>
+              <a:rPr lang="en-US" altLang="zh-CN" dirty="0"/>
+              <a:t> </a:t>
+            </a:r>
+            <a:endParaRPr lang="zh-CN" altLang="zh-CN" sz="3600" dirty="0"/>
+          </a:p>
+          <a:p>
+            <a:r>
+              <a:rPr lang="en-US" altLang="zh-CN" dirty="0"/>
+              <a:t>        'p'</a:t>
+            </a:r>
+            <a:r>
+              <a:rPr lang="en-US" altLang="zh-CN" b="1" dirty="0"/>
+              <a:t>,</a:t>
+            </a:r>
+            <a:r>
+              <a:rPr lang="en-US" altLang="zh-CN" dirty="0"/>
+              <a:t> 'r'</a:t>
+            </a:r>
+            <a:r>
+              <a:rPr lang="en-US" altLang="zh-CN" b="1" dirty="0"/>
+              <a:t>,</a:t>
+            </a:r>
+            <a:r>
+              <a:rPr lang="en-US" altLang="zh-CN" dirty="0"/>
+              <a:t> 'o'</a:t>
+            </a:r>
+            <a:r>
+              <a:rPr lang="en-US" altLang="zh-CN" b="1" dirty="0"/>
+              <a:t>,</a:t>
+            </a:r>
+            <a:r>
+              <a:rPr lang="en-US" altLang="zh-CN" dirty="0"/>
+              <a:t> 'g'</a:t>
+            </a:r>
+            <a:r>
+              <a:rPr lang="en-US" altLang="zh-CN" b="1" dirty="0"/>
+              <a:t>,</a:t>
+            </a:r>
+            <a:r>
+              <a:rPr lang="en-US" altLang="zh-CN" dirty="0"/>
+              <a:t> 'r'</a:t>
+            </a:r>
+            <a:r>
+              <a:rPr lang="en-US" altLang="zh-CN" b="1" dirty="0"/>
+              <a:t>,</a:t>
+            </a:r>
+            <a:r>
+              <a:rPr lang="en-US" altLang="zh-CN" dirty="0"/>
+              <a:t> 'a'</a:t>
+            </a:r>
+            <a:r>
+              <a:rPr lang="en-US" altLang="zh-CN" b="1" dirty="0"/>
+              <a:t>,</a:t>
+            </a:r>
+            <a:r>
+              <a:rPr lang="en-US" altLang="zh-CN" dirty="0"/>
+              <a:t> 'm'</a:t>
+            </a:r>
+            <a:r>
+              <a:rPr lang="en-US" altLang="zh-CN" b="1" dirty="0"/>
+              <a:t>,</a:t>
+            </a:r>
+            <a:r>
+              <a:rPr lang="en-US" altLang="zh-CN" dirty="0"/>
+              <a:t> 'm'</a:t>
+            </a:r>
+            <a:r>
+              <a:rPr lang="en-US" altLang="zh-CN" b="1" dirty="0"/>
+              <a:t>,</a:t>
+            </a:r>
+            <a:r>
+              <a:rPr lang="en-US" altLang="zh-CN" dirty="0"/>
+              <a:t> '</a:t>
+            </a:r>
+            <a:r>
+              <a:rPr lang="en-US" altLang="zh-CN" dirty="0" err="1"/>
+              <a:t>i</a:t>
+            </a:r>
+            <a:r>
+              <a:rPr lang="en-US" altLang="zh-CN" dirty="0"/>
+              <a:t>'</a:t>
+            </a:r>
+            <a:r>
+              <a:rPr lang="en-US" altLang="zh-CN" b="1" dirty="0"/>
+              <a:t>,</a:t>
+            </a:r>
+            <a:r>
+              <a:rPr lang="en-US" altLang="zh-CN" dirty="0"/>
+              <a:t> 'n'</a:t>
+            </a:r>
+            <a:r>
+              <a:rPr lang="en-US" altLang="zh-CN" b="1" dirty="0"/>
+              <a:t>,</a:t>
+            </a:r>
+            <a:r>
+              <a:rPr lang="en-US" altLang="zh-CN" dirty="0"/>
+              <a:t> 'g'</a:t>
+            </a:r>
+            <a:r>
+              <a:rPr lang="en-US" altLang="zh-CN" b="1" dirty="0"/>
+              <a:t>,</a:t>
+            </a:r>
+            <a:r>
+              <a:rPr lang="en-US" altLang="zh-CN" dirty="0"/>
+              <a:t> '!'</a:t>
+            </a:r>
+            <a:r>
+              <a:rPr lang="en-US" altLang="zh-CN" b="1" dirty="0"/>
+              <a:t>};</a:t>
+            </a:r>
+            <a:endParaRPr lang="zh-CN" altLang="zh-CN" sz="3600" dirty="0"/>
+          </a:p>
+          <a:p>
+            <a:r>
+              <a:rPr lang="en-US" altLang="zh-CN" dirty="0"/>
+              <a:t>    </a:t>
+            </a:r>
+            <a:r>
+              <a:rPr lang="en-US" altLang="zh-CN" b="1" dirty="0"/>
+              <a:t>for</a:t>
+            </a:r>
+            <a:r>
+              <a:rPr lang="en-US" altLang="zh-CN" dirty="0"/>
+              <a:t> </a:t>
+            </a:r>
+            <a:r>
+              <a:rPr lang="en-US" altLang="zh-CN" b="1" dirty="0"/>
+              <a:t>(</a:t>
+            </a:r>
+            <a:r>
+              <a:rPr lang="en-US" altLang="zh-CN" dirty="0" err="1"/>
+              <a:t>int</a:t>
+            </a:r>
+            <a:r>
+              <a:rPr lang="en-US" altLang="zh-CN" dirty="0"/>
+              <a:t> </a:t>
+            </a:r>
+            <a:r>
+              <a:rPr lang="en-US" altLang="zh-CN" dirty="0" err="1"/>
+              <a:t>i</a:t>
+            </a:r>
+            <a:r>
+              <a:rPr lang="en-US" altLang="zh-CN" dirty="0"/>
+              <a:t> </a:t>
+            </a:r>
+            <a:r>
+              <a:rPr lang="en-US" altLang="zh-CN" b="1" dirty="0"/>
+              <a:t>=</a:t>
+            </a:r>
+            <a:r>
+              <a:rPr lang="en-US" altLang="zh-CN" dirty="0"/>
+              <a:t> 0</a:t>
+            </a:r>
+            <a:r>
+              <a:rPr lang="en-US" altLang="zh-CN" b="1" dirty="0"/>
+              <a:t>;</a:t>
+            </a:r>
+            <a:r>
+              <a:rPr lang="en-US" altLang="zh-CN" dirty="0"/>
+              <a:t> </a:t>
+            </a:r>
+            <a:r>
+              <a:rPr lang="en-US" altLang="zh-CN" dirty="0" err="1"/>
+              <a:t>i</a:t>
+            </a:r>
+            <a:r>
+              <a:rPr lang="en-US" altLang="zh-CN" dirty="0"/>
+              <a:t> </a:t>
+            </a:r>
+            <a:r>
+              <a:rPr lang="en-US" altLang="zh-CN" b="1" dirty="0"/>
+              <a:t>&lt;</a:t>
+            </a:r>
+            <a:r>
+              <a:rPr lang="en-US" altLang="zh-CN" dirty="0"/>
+              <a:t> </a:t>
+            </a:r>
+            <a:r>
+              <a:rPr lang="en-US" altLang="zh-CN" b="1" dirty="0" err="1"/>
+              <a:t>sizeof</a:t>
+            </a:r>
+            <a:r>
+              <a:rPr lang="en-US" altLang="zh-CN" b="1" dirty="0"/>
+              <a:t>(</a:t>
+            </a:r>
+            <a:r>
+              <a:rPr lang="en-US" altLang="zh-CN" dirty="0" err="1"/>
+              <a:t>msg</a:t>
+            </a:r>
+            <a:r>
+              <a:rPr lang="en-US" altLang="zh-CN" b="1" dirty="0"/>
+              <a:t>);</a:t>
+            </a:r>
+            <a:r>
+              <a:rPr lang="en-US" altLang="zh-CN" dirty="0"/>
+              <a:t> </a:t>
+            </a:r>
+            <a:r>
+              <a:rPr lang="en-US" altLang="zh-CN" dirty="0" err="1"/>
+              <a:t>i</a:t>
+            </a:r>
+            <a:r>
+              <a:rPr lang="en-US" altLang="zh-CN" b="1" dirty="0"/>
+              <a:t>++)</a:t>
+            </a:r>
+            <a:endParaRPr lang="zh-CN" altLang="zh-CN" sz="3600" dirty="0"/>
+          </a:p>
+          <a:p>
+            <a:r>
+              <a:rPr lang="en-US" altLang="zh-CN" dirty="0"/>
+              <a:t>        </a:t>
+            </a:r>
+            <a:r>
+              <a:rPr lang="en-US" altLang="zh-CN" dirty="0" err="1"/>
+              <a:t>printf</a:t>
+            </a:r>
+            <a:r>
+              <a:rPr lang="en-US" altLang="zh-CN" b="1" dirty="0"/>
+              <a:t>(</a:t>
+            </a:r>
+            <a:r>
+              <a:rPr lang="en-US" altLang="zh-CN" dirty="0"/>
+              <a:t>"%c"</a:t>
+            </a:r>
+            <a:r>
+              <a:rPr lang="en-US" altLang="zh-CN" b="1" dirty="0"/>
+              <a:t>,</a:t>
+            </a:r>
+            <a:r>
+              <a:rPr lang="en-US" altLang="zh-CN" dirty="0"/>
+              <a:t> </a:t>
+            </a:r>
+            <a:r>
+              <a:rPr lang="en-US" altLang="zh-CN" dirty="0" err="1"/>
+              <a:t>msg</a:t>
+            </a:r>
+            <a:r>
+              <a:rPr lang="en-US" altLang="zh-CN" b="1" dirty="0"/>
+              <a:t>[</a:t>
+            </a:r>
+            <a:r>
+              <a:rPr lang="en-US" altLang="zh-CN" dirty="0" err="1"/>
+              <a:t>i</a:t>
+            </a:r>
+            <a:r>
+              <a:rPr lang="en-US" altLang="zh-CN" b="1" dirty="0"/>
+              <a:t>]);</a:t>
+            </a:r>
+            <a:endParaRPr lang="zh-CN" altLang="zh-CN" sz="3600" dirty="0"/>
+          </a:p>
+          <a:p>
+            <a:r>
+              <a:rPr lang="zh-CN" altLang="zh-CN" dirty="0"/>
+              <a:t>上面的代码片段可以逐字符地输出字符数组的内容，</a:t>
+            </a:r>
+            <a:r>
+              <a:rPr lang="en-US" altLang="zh-CN" dirty="0" err="1"/>
+              <a:t>sizeof</a:t>
+            </a:r>
+            <a:r>
+              <a:rPr lang="en-US" altLang="zh-CN" dirty="0"/>
+              <a:t>(</a:t>
+            </a:r>
+            <a:r>
+              <a:rPr lang="en-US" altLang="zh-CN" dirty="0" err="1"/>
+              <a:t>msg</a:t>
+            </a:r>
+            <a:r>
+              <a:rPr lang="en-US" altLang="zh-CN" dirty="0"/>
+              <a:t>)</a:t>
+            </a:r>
+            <a:r>
+              <a:rPr lang="zh-CN" altLang="zh-CN" dirty="0"/>
+              <a:t>能够求出</a:t>
+            </a:r>
+            <a:r>
+              <a:rPr lang="en-US" altLang="zh-CN" dirty="0" err="1"/>
+              <a:t>msg</a:t>
+            </a:r>
+            <a:r>
+              <a:rPr lang="zh-CN" altLang="zh-CN" dirty="0"/>
+              <a:t>数组所占的内存大小，单位是字节，而每个字符占据一个字节内存，所以它也表示字符数组中的元素个数。</a:t>
+            </a:r>
+          </a:p>
+          <a:p>
+            <a:endParaRPr lang="zh-CN" altLang="en-US" dirty="0"/>
+          </a:p>
+        </p:txBody>
+      </p:sp>
+    </p:spTree>
+    <p:extLst>
+      <p:ext uri="{BB962C8B-B14F-4D97-AF65-F5344CB8AC3E}">
+        <p14:creationId xmlns:p14="http://schemas.microsoft.com/office/powerpoint/2010/main" val="1564425509"/>
+      </p:ext>
+    </p:extLst>
+  </p:cSld>
+  <p:clrMapOvr>
+    <a:masterClrMapping/>
+  </p:clrMapOvr>
+</p:sld>
+</file>
+
+<file path=ppt/slides/slide5.xml><?xml version="1.0" encoding="utf-8"?>
+<p:sld xmlns:a="http://schemas.openxmlformats.org/drawingml/2006/main" xmlns:r="http://schemas.openxmlformats.org/officeDocument/2006/relationships" xmlns:p="http://schemas.openxmlformats.org/presentationml/2006/main">
+  <p:cSld>
+    <p:spTree>
+      <p:nvGrpSpPr>
+        <p:cNvPr id="1" name=""/>
+        <p:cNvGrpSpPr/>
+        <p:nvPr/>
+      </p:nvGrpSpPr>
+      <p:grpSpPr>
+        <a:xfrm>
+          <a:off x="0" y="0"/>
+          <a:ext cx="0" cy="0"/>
+          <a:chOff x="0" y="0"/>
+          <a:chExt cx="0" cy="0"/>
+        </a:xfrm>
+      </p:grpSpPr>
+      <p:sp>
+        <p:nvSpPr>
+          <p:cNvPr id="2" name="标题 1"/>
+          <p:cNvSpPr>
+            <a:spLocks noGrp="1"/>
+          </p:cNvSpPr>
+          <p:nvPr>
+            <p:ph type="title"/>
+          </p:nvPr>
+        </p:nvSpPr>
+        <p:spPr/>
+        <p:txBody>
+          <a:bodyPr/>
+          <a:lstStyle/>
+          <a:p>
+            <a:endParaRPr lang="zh-CN" altLang="en-US"/>
+          </a:p>
+        </p:txBody>
+      </p:sp>
+      <p:sp>
+        <p:nvSpPr>
+          <p:cNvPr id="3" name="内容占位符 2"/>
+          <p:cNvSpPr>
+            <a:spLocks noGrp="1"/>
+          </p:cNvSpPr>
+          <p:nvPr>
+            <p:ph idx="1"/>
+          </p:nvPr>
+        </p:nvSpPr>
+        <p:spPr/>
+        <p:txBody>
+          <a:bodyPr/>
+          <a:lstStyle/>
+          <a:p>
+            <a:r>
+              <a:rPr lang="zh-CN" altLang="zh-CN" dirty="0"/>
+              <a:t>当然也可以使用下面的代码片段，首先定义好字符数组，然后逐元素为其赋值。</a:t>
+            </a:r>
+          </a:p>
+          <a:p>
+            <a:r>
+              <a:rPr lang="en-US" altLang="zh-CN" dirty="0"/>
+              <a:t>    char </a:t>
+            </a:r>
+            <a:r>
+              <a:rPr lang="en-US" altLang="zh-CN" dirty="0" err="1"/>
+              <a:t>msg</a:t>
+            </a:r>
+            <a:r>
+              <a:rPr lang="en-US" altLang="zh-CN" b="1" dirty="0"/>
+              <a:t>[</a:t>
+            </a:r>
+            <a:r>
+              <a:rPr lang="en-US" altLang="zh-CN" dirty="0"/>
+              <a:t>26</a:t>
+            </a:r>
+            <a:r>
+              <a:rPr lang="en-US" altLang="zh-CN" b="1" dirty="0"/>
+              <a:t>];</a:t>
+            </a:r>
+            <a:endParaRPr lang="zh-CN" altLang="zh-CN" dirty="0"/>
+          </a:p>
+          <a:p>
+            <a:r>
+              <a:rPr lang="en-US" altLang="zh-CN" dirty="0"/>
+              <a:t>    </a:t>
+            </a:r>
+            <a:r>
+              <a:rPr lang="en-US" altLang="zh-CN" b="1" dirty="0"/>
+              <a:t>for</a:t>
+            </a:r>
+            <a:r>
+              <a:rPr lang="en-US" altLang="zh-CN" dirty="0"/>
+              <a:t> </a:t>
+            </a:r>
+            <a:r>
+              <a:rPr lang="en-US" altLang="zh-CN" b="1" dirty="0"/>
+              <a:t>(</a:t>
+            </a:r>
+            <a:r>
+              <a:rPr lang="en-US" altLang="zh-CN" dirty="0" err="1"/>
+              <a:t>int</a:t>
+            </a:r>
+            <a:r>
+              <a:rPr lang="en-US" altLang="zh-CN" dirty="0"/>
+              <a:t> </a:t>
+            </a:r>
+            <a:r>
+              <a:rPr lang="en-US" altLang="zh-CN" dirty="0" err="1"/>
+              <a:t>i</a:t>
+            </a:r>
+            <a:r>
+              <a:rPr lang="en-US" altLang="zh-CN" dirty="0"/>
+              <a:t> </a:t>
+            </a:r>
+            <a:r>
+              <a:rPr lang="en-US" altLang="zh-CN" b="1" dirty="0"/>
+              <a:t>=</a:t>
+            </a:r>
+            <a:r>
+              <a:rPr lang="en-US" altLang="zh-CN" dirty="0"/>
+              <a:t> 0</a:t>
+            </a:r>
+            <a:r>
+              <a:rPr lang="en-US" altLang="zh-CN" b="1" dirty="0"/>
+              <a:t>;</a:t>
+            </a:r>
+            <a:r>
+              <a:rPr lang="en-US" altLang="zh-CN" dirty="0"/>
+              <a:t> </a:t>
+            </a:r>
+            <a:r>
+              <a:rPr lang="en-US" altLang="zh-CN" dirty="0" err="1"/>
+              <a:t>i</a:t>
+            </a:r>
+            <a:r>
+              <a:rPr lang="en-US" altLang="zh-CN" dirty="0"/>
+              <a:t> </a:t>
+            </a:r>
+            <a:r>
+              <a:rPr lang="en-US" altLang="zh-CN" b="1" dirty="0"/>
+              <a:t>&lt;</a:t>
+            </a:r>
+            <a:r>
+              <a:rPr lang="en-US" altLang="zh-CN" dirty="0"/>
+              <a:t> </a:t>
+            </a:r>
+            <a:r>
+              <a:rPr lang="en-US" altLang="zh-CN" b="1" dirty="0" err="1"/>
+              <a:t>sizeof</a:t>
+            </a:r>
+            <a:r>
+              <a:rPr lang="en-US" altLang="zh-CN" b="1" dirty="0"/>
+              <a:t>(</a:t>
+            </a:r>
+            <a:r>
+              <a:rPr lang="en-US" altLang="zh-CN" dirty="0" err="1"/>
+              <a:t>msg</a:t>
+            </a:r>
+            <a:r>
+              <a:rPr lang="en-US" altLang="zh-CN" b="1" dirty="0"/>
+              <a:t>);</a:t>
+            </a:r>
+            <a:r>
+              <a:rPr lang="en-US" altLang="zh-CN" dirty="0"/>
+              <a:t> </a:t>
+            </a:r>
+            <a:r>
+              <a:rPr lang="en-US" altLang="zh-CN" dirty="0" err="1"/>
+              <a:t>i</a:t>
+            </a:r>
+            <a:r>
+              <a:rPr lang="en-US" altLang="zh-CN" b="1" dirty="0"/>
+              <a:t>++)</a:t>
+            </a:r>
+            <a:endParaRPr lang="zh-CN" altLang="zh-CN" dirty="0"/>
+          </a:p>
+          <a:p>
+            <a:r>
+              <a:rPr lang="en-US" altLang="zh-CN" dirty="0"/>
+              <a:t>        </a:t>
+            </a:r>
+            <a:r>
+              <a:rPr lang="en-US" altLang="zh-CN" dirty="0" err="1"/>
+              <a:t>msg</a:t>
+            </a:r>
+            <a:r>
+              <a:rPr lang="en-US" altLang="zh-CN" b="1" dirty="0"/>
+              <a:t>[</a:t>
+            </a:r>
+            <a:r>
+              <a:rPr lang="en-US" altLang="zh-CN" dirty="0" err="1"/>
+              <a:t>i</a:t>
+            </a:r>
+            <a:r>
+              <a:rPr lang="en-US" altLang="zh-CN" b="1" dirty="0"/>
+              <a:t>]</a:t>
+            </a:r>
+            <a:r>
+              <a:rPr lang="en-US" altLang="zh-CN" dirty="0"/>
+              <a:t> </a:t>
+            </a:r>
+            <a:r>
+              <a:rPr lang="en-US" altLang="zh-CN" b="1" dirty="0"/>
+              <a:t>=</a:t>
+            </a:r>
+            <a:r>
+              <a:rPr lang="en-US" altLang="zh-CN" dirty="0"/>
+              <a:t> 'a'</a:t>
+            </a:r>
+            <a:r>
+              <a:rPr lang="en-US" altLang="zh-CN" b="1" dirty="0"/>
+              <a:t>+</a:t>
+            </a:r>
+            <a:r>
+              <a:rPr lang="en-US" altLang="zh-CN" dirty="0" err="1"/>
+              <a:t>i</a:t>
+            </a:r>
+            <a:r>
+              <a:rPr lang="en-US" altLang="zh-CN" b="1" dirty="0"/>
+              <a:t>;</a:t>
+            </a:r>
+            <a:endParaRPr lang="zh-CN" altLang="zh-CN" dirty="0"/>
+          </a:p>
+          <a:p>
+            <a:endParaRPr lang="zh-CN" altLang="en-US" dirty="0"/>
+          </a:p>
+        </p:txBody>
+      </p:sp>
+    </p:spTree>
+    <p:extLst>
+      <p:ext uri="{BB962C8B-B14F-4D97-AF65-F5344CB8AC3E}">
+        <p14:creationId xmlns:p14="http://schemas.microsoft.com/office/powerpoint/2010/main" val="3797931081"/>
+      </p:ext>
+    </p:extLst>
+  </p:cSld>
+  <p:clrMapOvr>
+    <a:masterClrMapping/>
+  </p:clrMapOvr>
+</p:sld>
+</file>
+
+<file path=ppt/slides/slide6.xml><?xml version="1.0" encoding="utf-8"?>
+<p:sld xmlns:a="http://schemas.openxmlformats.org/drawingml/2006/main" xmlns:r="http://schemas.openxmlformats.org/officeDocument/2006/relationships" xmlns:p="http://schemas.openxmlformats.org/presentationml/2006/main">
+  <p:cSld>
+    <p:spTree>
+      <p:nvGrpSpPr>
+        <p:cNvPr id="1" name=""/>
+        <p:cNvGrpSpPr/>
+        <p:nvPr/>
+      </p:nvGrpSpPr>
+      <p:grpSpPr>
+        <a:xfrm>
+          <a:off x="0" y="0"/>
+          <a:ext cx="0" cy="0"/>
+          <a:chOff x="0" y="0"/>
+          <a:chExt cx="0" cy="0"/>
+        </a:xfrm>
+      </p:grpSpPr>
+      <p:sp>
+        <p:nvSpPr>
+          <p:cNvPr id="2" name="标题 1"/>
+          <p:cNvSpPr>
+            <a:spLocks noGrp="1"/>
+          </p:cNvSpPr>
+          <p:nvPr>
+            <p:ph type="title"/>
+          </p:nvPr>
+        </p:nvSpPr>
+        <p:spPr/>
+        <p:txBody>
+          <a:bodyPr>
+            <a:normAutofit/>
+          </a:bodyPr>
+          <a:lstStyle/>
+          <a:p>
+            <a:r>
+              <a:rPr lang="zh-CN" altLang="en-US" dirty="0"/>
+              <a:t>字符串的</a:t>
+            </a:r>
+            <a:r>
+              <a:rPr lang="zh-CN" altLang="en-US" dirty="0" smtClean="0"/>
+              <a:t>存储</a:t>
+            </a:r>
+            <a:endParaRPr lang="zh-CN" altLang="en-US" dirty="0"/>
+          </a:p>
+        </p:txBody>
+      </p:sp>
+      <p:sp>
+        <p:nvSpPr>
+          <p:cNvPr id="3" name="内容占位符 2"/>
+          <p:cNvSpPr>
+            <a:spLocks noGrp="1"/>
+          </p:cNvSpPr>
+          <p:nvPr>
+            <p:ph idx="1"/>
+          </p:nvPr>
+        </p:nvSpPr>
+        <p:spPr/>
+        <p:txBody>
+          <a:bodyPr>
+            <a:normAutofit fontScale="77500" lnSpcReduction="20000"/>
+          </a:bodyPr>
+          <a:lstStyle/>
+          <a:p>
+            <a:r>
+              <a:rPr lang="zh-CN" altLang="zh-CN" dirty="0" smtClean="0"/>
+              <a:t>可以</a:t>
+            </a:r>
+            <a:r>
+              <a:rPr lang="zh-CN" altLang="zh-CN" dirty="0"/>
+              <a:t>通过上面介绍的字符数组存放一个字符串，也可以用字符指针来指向一个</a:t>
+            </a:r>
+            <a:r>
+              <a:rPr lang="zh-CN" altLang="zh-CN" dirty="0" smtClean="0"/>
+              <a:t>字符串</a:t>
+            </a:r>
+            <a:endParaRPr lang="en-US" altLang="zh-CN" dirty="0" smtClean="0"/>
+          </a:p>
+          <a:p>
+            <a:r>
+              <a:rPr lang="zh-CN" altLang="zh-CN" dirty="0" smtClean="0"/>
+              <a:t>和</a:t>
+            </a:r>
+            <a:r>
+              <a:rPr lang="zh-CN" altLang="zh-CN" dirty="0"/>
+              <a:t>普通字符数组不同的是，当字符串以字符数组保存时，需要在字符串结束部位，保存一个特殊字符</a:t>
+            </a:r>
+            <a:r>
+              <a:rPr lang="en-US" altLang="zh-CN" dirty="0"/>
+              <a:t>'\0'</a:t>
+            </a:r>
+            <a:r>
+              <a:rPr lang="zh-CN" altLang="zh-CN" dirty="0"/>
+              <a:t>，代表这个字符数组保存的是字符串，而且到此</a:t>
+            </a:r>
+            <a:r>
+              <a:rPr lang="zh-CN" altLang="zh-CN" dirty="0" smtClean="0"/>
+              <a:t>结束</a:t>
+            </a:r>
+            <a:endParaRPr lang="en-US" altLang="zh-CN" dirty="0" smtClean="0"/>
+          </a:p>
+          <a:p>
+            <a:r>
+              <a:rPr lang="zh-CN" altLang="zh-CN" dirty="0" smtClean="0"/>
+              <a:t>由于</a:t>
+            </a:r>
+            <a:r>
+              <a:rPr lang="en-US" altLang="zh-CN" dirty="0"/>
+              <a:t>'\0'</a:t>
+            </a:r>
+            <a:r>
+              <a:rPr lang="zh-CN" altLang="zh-CN" dirty="0"/>
+              <a:t>在</a:t>
+            </a:r>
+            <a:r>
+              <a:rPr lang="en-US" altLang="zh-CN" dirty="0"/>
+              <a:t>ASCII</a:t>
+            </a:r>
+            <a:r>
+              <a:rPr lang="zh-CN" altLang="zh-CN" dirty="0"/>
+              <a:t>中表示空字符（</a:t>
+            </a:r>
+            <a:r>
+              <a:rPr lang="en-US" altLang="zh-CN" dirty="0"/>
+              <a:t>NULL</a:t>
+            </a:r>
+            <a:r>
+              <a:rPr lang="zh-CN" altLang="zh-CN" dirty="0"/>
+              <a:t>），即在语义上不可能有有效字符与之重复，故用其来表示字符串的结尾至少在</a:t>
+            </a:r>
+            <a:r>
+              <a:rPr lang="en-US" altLang="zh-CN" dirty="0"/>
+              <a:t>ASCII</a:t>
+            </a:r>
+            <a:r>
+              <a:rPr lang="zh-CN" altLang="zh-CN" dirty="0"/>
+              <a:t>编码下是合理</a:t>
+            </a:r>
+            <a:r>
+              <a:rPr lang="zh-CN" altLang="zh-CN" dirty="0" smtClean="0"/>
+              <a:t>的</a:t>
+            </a:r>
+            <a:endParaRPr lang="en-US" altLang="zh-CN" dirty="0" smtClean="0"/>
+          </a:p>
+          <a:p>
+            <a:r>
+              <a:rPr lang="zh-CN" altLang="zh-CN" dirty="0" smtClean="0"/>
+              <a:t>由于</a:t>
+            </a:r>
+            <a:r>
+              <a:rPr lang="en-US" altLang="zh-CN" dirty="0"/>
+              <a:t>'\0'</a:t>
+            </a:r>
+            <a:r>
+              <a:rPr lang="zh-CN" altLang="zh-CN" dirty="0"/>
+              <a:t>仅用于表明字符串结束，它本身并不属于字符串，因此字符串的实际长度比它的存储长度要少一个。</a:t>
+            </a:r>
+          </a:p>
+          <a:p>
+            <a:endParaRPr lang="zh-CN" altLang="en-US" dirty="0"/>
+          </a:p>
+        </p:txBody>
+      </p:sp>
+    </p:spTree>
+    <p:extLst>
+      <p:ext uri="{BB962C8B-B14F-4D97-AF65-F5344CB8AC3E}">
+        <p14:creationId xmlns:p14="http://schemas.microsoft.com/office/powerpoint/2010/main" val="2466159914"/>
+      </p:ext>
+    </p:extLst>
+  </p:cSld>
+  <p:clrMapOvr>
+    <a:masterClrMapping/>
+  </p:clrMapOvr>
+</p:sld>
+</file>
+
+<file path=ppt/slides/slide7.xml><?xml version="1.0" encoding="utf-8"?>
+<p:sld xmlns:a="http://schemas.openxmlformats.org/drawingml/2006/main" xmlns:r="http://schemas.openxmlformats.org/officeDocument/2006/relationships" xmlns:p="http://schemas.openxmlformats.org/presentationml/2006/main">
+  <p:cSld>
+    <p:spTree>
+      <p:nvGrpSpPr>
+        <p:cNvPr id="1" name=""/>
+        <p:cNvGrpSpPr/>
+        <p:nvPr/>
+      </p:nvGrpSpPr>
+      <p:grpSpPr>
+        <a:xfrm>
+          <a:off x="0" y="0"/>
+          <a:ext cx="0" cy="0"/>
+          <a:chOff x="0" y="0"/>
+          <a:chExt cx="0" cy="0"/>
+        </a:xfrm>
+      </p:grpSpPr>
+      <p:sp>
+        <p:nvSpPr>
+          <p:cNvPr id="2" name="标题 1"/>
+          <p:cNvSpPr>
+            <a:spLocks noGrp="1"/>
+          </p:cNvSpPr>
+          <p:nvPr>
+            <p:ph type="title"/>
+          </p:nvPr>
+        </p:nvSpPr>
+        <p:spPr/>
+        <p:txBody>
+          <a:bodyPr/>
+          <a:lstStyle/>
+          <a:p>
+            <a:endParaRPr lang="zh-CN" altLang="en-US"/>
+          </a:p>
+        </p:txBody>
+      </p:sp>
+      <p:sp>
+        <p:nvSpPr>
+          <p:cNvPr id="3" name="内容占位符 2"/>
+          <p:cNvSpPr>
+            <a:spLocks noGrp="1"/>
+          </p:cNvSpPr>
+          <p:nvPr>
+            <p:ph idx="1"/>
+          </p:nvPr>
+        </p:nvSpPr>
+        <p:spPr/>
+        <p:txBody>
+          <a:bodyPr>
+            <a:normAutofit fontScale="70000" lnSpcReduction="20000"/>
+          </a:bodyPr>
+          <a:lstStyle/>
+          <a:p>
+            <a:r>
+              <a:rPr lang="zh-CN" altLang="zh-CN" dirty="0"/>
+              <a:t>下面的程序片段演示了如何使用字符数组保存字符串，并且可以看到字符数组的长度要比字符串中包含的有效字符多一个。</a:t>
+            </a:r>
+          </a:p>
+          <a:p>
+            <a:r>
+              <a:rPr lang="en-US" altLang="zh-CN" dirty="0"/>
+              <a:t>    char string</a:t>
+            </a:r>
+            <a:r>
+              <a:rPr lang="en-US" altLang="zh-CN" b="1" dirty="0"/>
+              <a:t>[]</a:t>
+            </a:r>
+            <a:r>
+              <a:rPr lang="en-US" altLang="zh-CN" dirty="0"/>
+              <a:t> </a:t>
+            </a:r>
+            <a:r>
+              <a:rPr lang="en-US" altLang="zh-CN" b="1" dirty="0"/>
+              <a:t>=</a:t>
+            </a:r>
+            <a:r>
+              <a:rPr lang="en-US" altLang="zh-CN" dirty="0"/>
+              <a:t> "Game"</a:t>
+            </a:r>
+            <a:r>
+              <a:rPr lang="en-US" altLang="zh-CN" b="1" dirty="0"/>
+              <a:t>;</a:t>
+            </a:r>
+            <a:endParaRPr lang="zh-CN" altLang="zh-CN" dirty="0"/>
+          </a:p>
+          <a:p>
+            <a:r>
+              <a:rPr lang="en-US" altLang="zh-CN" dirty="0"/>
+              <a:t>    </a:t>
+            </a:r>
+            <a:r>
+              <a:rPr lang="en-US" altLang="zh-CN" dirty="0" err="1"/>
+              <a:t>printf</a:t>
+            </a:r>
+            <a:r>
+              <a:rPr lang="en-US" altLang="zh-CN" b="1" dirty="0"/>
+              <a:t>(</a:t>
+            </a:r>
+            <a:r>
+              <a:rPr lang="en-US" altLang="zh-CN" dirty="0"/>
+              <a:t>"%s, store length:%d\n"</a:t>
+            </a:r>
+            <a:r>
+              <a:rPr lang="en-US" altLang="zh-CN" b="1" dirty="0"/>
+              <a:t>,</a:t>
+            </a:r>
+            <a:r>
+              <a:rPr lang="en-US" altLang="zh-CN" dirty="0"/>
+              <a:t> string</a:t>
+            </a:r>
+            <a:r>
+              <a:rPr lang="en-US" altLang="zh-CN" b="1" dirty="0"/>
+              <a:t>,</a:t>
+            </a:r>
+            <a:r>
+              <a:rPr lang="en-US" altLang="zh-CN" dirty="0"/>
+              <a:t> </a:t>
+            </a:r>
+            <a:r>
+              <a:rPr lang="en-US" altLang="zh-CN" b="1" dirty="0" err="1"/>
+              <a:t>sizeof</a:t>
+            </a:r>
+            <a:r>
+              <a:rPr lang="en-US" altLang="zh-CN" b="1" dirty="0"/>
+              <a:t>(</a:t>
+            </a:r>
+            <a:r>
+              <a:rPr lang="en-US" altLang="zh-CN" dirty="0"/>
+              <a:t>string</a:t>
+            </a:r>
+            <a:r>
+              <a:rPr lang="en-US" altLang="zh-CN" b="1" dirty="0"/>
+              <a:t>));</a:t>
+            </a:r>
+            <a:endParaRPr lang="zh-CN" altLang="zh-CN" dirty="0"/>
+          </a:p>
+          <a:p>
+            <a:r>
+              <a:rPr lang="zh-CN" altLang="zh-CN" dirty="0"/>
+              <a:t>上面程序片段的输出为：</a:t>
+            </a:r>
+          </a:p>
+          <a:p>
+            <a:r>
+              <a:rPr lang="en-US" altLang="zh-CN" dirty="0"/>
+              <a:t>Game, store length:5</a:t>
+            </a:r>
+            <a:endParaRPr lang="zh-CN" altLang="zh-CN" dirty="0"/>
+          </a:p>
+          <a:p>
+            <a:r>
+              <a:rPr lang="zh-CN" altLang="zh-CN" dirty="0"/>
+              <a:t>从这个输出可以看出，字符串</a:t>
+            </a:r>
+            <a:r>
+              <a:rPr lang="en-US" altLang="zh-CN" dirty="0"/>
+              <a:t>Game</a:t>
+            </a:r>
+            <a:r>
+              <a:rPr lang="zh-CN" altLang="zh-CN" dirty="0"/>
+              <a:t>有效的字符数是</a:t>
+            </a:r>
+            <a:r>
+              <a:rPr lang="en-US" altLang="zh-CN" dirty="0"/>
+              <a:t>4</a:t>
+            </a:r>
+            <a:r>
+              <a:rPr lang="zh-CN" altLang="zh-CN" dirty="0"/>
+              <a:t>，但需要</a:t>
+            </a:r>
+            <a:r>
+              <a:rPr lang="en-US" altLang="zh-CN" dirty="0"/>
+              <a:t>5</a:t>
+            </a:r>
+            <a:r>
+              <a:rPr lang="zh-CN" altLang="zh-CN" dirty="0"/>
+              <a:t>个字符长度的数组来保存，因为需要最后的字符结束标记字符。</a:t>
+            </a:r>
+          </a:p>
+          <a:p>
+            <a:endParaRPr lang="zh-CN" altLang="en-US" dirty="0"/>
+          </a:p>
+        </p:txBody>
+      </p:sp>
+    </p:spTree>
+    <p:extLst>
+      <p:ext uri="{BB962C8B-B14F-4D97-AF65-F5344CB8AC3E}">
+        <p14:creationId xmlns:p14="http://schemas.microsoft.com/office/powerpoint/2010/main" val="2489595086"/>
+      </p:ext>
+    </p:extLst>
+  </p:cSld>
+  <p:clrMapOvr>
+    <a:masterClrMapping/>
+  </p:clrMapOvr>
+</p:sld>
+</file>
+
+<file path=ppt/slides/slide8.xml><?xml version="1.0" encoding="utf-8"?>
+<p:sld xmlns:a="http://schemas.openxmlformats.org/drawingml/2006/main" xmlns:r="http://schemas.openxmlformats.org/officeDocument/2006/relationships" xmlns:p="http://schemas.openxmlformats.org/presentationml/2006/main">
+  <p:cSld>
+    <p:spTree>
+      <p:nvGrpSpPr>
+        <p:cNvPr id="1" name=""/>
+        <p:cNvGrpSpPr/>
+        <p:nvPr/>
+      </p:nvGrpSpPr>
+      <p:grpSpPr>
+        <a:xfrm>
+          <a:off x="0" y="0"/>
+          <a:ext cx="0" cy="0"/>
+          <a:chOff x="0" y="0"/>
+          <a:chExt cx="0" cy="0"/>
+        </a:xfrm>
+      </p:grpSpPr>
+      <p:sp>
+        <p:nvSpPr>
+          <p:cNvPr id="2" name="标题 1"/>
+          <p:cNvSpPr>
+            <a:spLocks noGrp="1"/>
+          </p:cNvSpPr>
+          <p:nvPr>
+            <p:ph type="title"/>
+          </p:nvPr>
+        </p:nvSpPr>
+        <p:spPr/>
+        <p:txBody>
+          <a:bodyPr/>
+          <a:lstStyle/>
+          <a:p>
+            <a:endParaRPr lang="zh-CN" altLang="en-US"/>
+          </a:p>
+        </p:txBody>
+      </p:sp>
+      <p:sp>
+        <p:nvSpPr>
+          <p:cNvPr id="3" name="内容占位符 2"/>
+          <p:cNvSpPr>
+            <a:spLocks noGrp="1"/>
+          </p:cNvSpPr>
+          <p:nvPr>
+            <p:ph idx="1"/>
+          </p:nvPr>
+        </p:nvSpPr>
+        <p:spPr/>
+        <p:txBody>
+          <a:bodyPr>
+            <a:normAutofit fontScale="62500" lnSpcReduction="20000"/>
+          </a:bodyPr>
+          <a:lstStyle/>
+          <a:p>
+            <a:r>
+              <a:rPr lang="zh-CN" altLang="zh-CN" dirty="0"/>
+              <a:t>还可以采用下面的字符指针形式，直接指向一个字符串。和字符数组不同的是，这个字符串的字符长度是</a:t>
+            </a:r>
+            <a:r>
+              <a:rPr lang="en-US" altLang="zh-CN" dirty="0"/>
+              <a:t>4</a:t>
+            </a:r>
+            <a:r>
+              <a:rPr lang="zh-CN" altLang="zh-CN" dirty="0"/>
+              <a:t>，而不是</a:t>
+            </a:r>
+            <a:r>
+              <a:rPr lang="en-US" altLang="zh-CN" dirty="0"/>
+              <a:t>5</a:t>
+            </a:r>
+            <a:r>
+              <a:rPr lang="zh-CN" altLang="zh-CN" dirty="0"/>
+              <a:t>。</a:t>
+            </a:r>
+          </a:p>
+          <a:p>
+            <a:r>
+              <a:rPr lang="en-US" altLang="zh-CN" dirty="0"/>
+              <a:t>    char </a:t>
+            </a:r>
+            <a:r>
+              <a:rPr lang="en-US" altLang="zh-CN" b="1" dirty="0"/>
+              <a:t>*</a:t>
+            </a:r>
+            <a:r>
+              <a:rPr lang="en-US" altLang="zh-CN" dirty="0"/>
+              <a:t>string </a:t>
+            </a:r>
+            <a:r>
+              <a:rPr lang="en-US" altLang="zh-CN" b="1" dirty="0"/>
+              <a:t>=</a:t>
+            </a:r>
+            <a:r>
+              <a:rPr lang="en-US" altLang="zh-CN" dirty="0"/>
+              <a:t> "Game"</a:t>
+            </a:r>
+            <a:r>
+              <a:rPr lang="en-US" altLang="zh-CN" b="1" dirty="0"/>
+              <a:t>;</a:t>
+            </a:r>
+            <a:endParaRPr lang="zh-CN" altLang="zh-CN" dirty="0"/>
+          </a:p>
+          <a:p>
+            <a:r>
+              <a:rPr lang="en-US" altLang="zh-CN" dirty="0"/>
+              <a:t>    </a:t>
+            </a:r>
+            <a:r>
+              <a:rPr lang="en-US" altLang="zh-CN" dirty="0" err="1"/>
+              <a:t>printf</a:t>
+            </a:r>
+            <a:r>
+              <a:rPr lang="en-US" altLang="zh-CN" b="1" dirty="0"/>
+              <a:t>(</a:t>
+            </a:r>
+            <a:r>
+              <a:rPr lang="en-US" altLang="zh-CN" dirty="0"/>
+              <a:t>"%s, store length:%d\n"</a:t>
+            </a:r>
+            <a:r>
+              <a:rPr lang="en-US" altLang="zh-CN" b="1" dirty="0"/>
+              <a:t>,</a:t>
+            </a:r>
+            <a:r>
+              <a:rPr lang="en-US" altLang="zh-CN" dirty="0"/>
+              <a:t> </a:t>
+            </a:r>
+            <a:r>
+              <a:rPr lang="en-US" altLang="zh-CN" dirty="0" err="1"/>
+              <a:t>string</a:t>
+            </a:r>
+            <a:r>
+              <a:rPr lang="en-US" altLang="zh-CN" b="1" dirty="0" err="1"/>
+              <a:t>,sizeof</a:t>
+            </a:r>
+            <a:r>
+              <a:rPr lang="en-US" altLang="zh-CN" b="1" dirty="0"/>
+              <a:t>(</a:t>
+            </a:r>
+            <a:r>
+              <a:rPr lang="en-US" altLang="zh-CN" dirty="0"/>
+              <a:t>string</a:t>
+            </a:r>
+            <a:r>
+              <a:rPr lang="en-US" altLang="zh-CN" b="1" dirty="0"/>
+              <a:t>));</a:t>
+            </a:r>
+            <a:endParaRPr lang="zh-CN" altLang="zh-CN" dirty="0"/>
+          </a:p>
+          <a:p>
+            <a:r>
+              <a:rPr lang="zh-CN" altLang="zh-CN" dirty="0"/>
+              <a:t>这是因为在进行</a:t>
+            </a:r>
+            <a:r>
+              <a:rPr lang="en-US" altLang="zh-CN" dirty="0"/>
+              <a:t>string</a:t>
+            </a:r>
+            <a:r>
+              <a:rPr lang="zh-CN" altLang="zh-CN" dirty="0"/>
+              <a:t>指针赋值的时候，实际上系统是产生了一个字符串常量</a:t>
+            </a:r>
+            <a:r>
+              <a:rPr lang="en-US" altLang="zh-CN" dirty="0"/>
+              <a:t>"Game"</a:t>
+            </a:r>
+            <a:r>
+              <a:rPr lang="zh-CN" altLang="zh-CN" dirty="0"/>
+              <a:t>，然后让指针</a:t>
+            </a:r>
+            <a:r>
+              <a:rPr lang="en-US" altLang="zh-CN" dirty="0"/>
+              <a:t>string</a:t>
+            </a:r>
+            <a:r>
+              <a:rPr lang="zh-CN" altLang="zh-CN" dirty="0"/>
+              <a:t>指向它。可以像前面的字符数组一样，对这个字符串逐字符输出：</a:t>
+            </a:r>
+          </a:p>
+          <a:p>
+            <a:r>
+              <a:rPr lang="en-US" altLang="zh-CN" dirty="0"/>
+              <a:t>    </a:t>
+            </a:r>
+            <a:r>
+              <a:rPr lang="en-US" altLang="zh-CN" b="1" dirty="0"/>
+              <a:t>for</a:t>
+            </a:r>
+            <a:r>
+              <a:rPr lang="en-US" altLang="zh-CN" dirty="0"/>
+              <a:t> </a:t>
+            </a:r>
+            <a:r>
+              <a:rPr lang="en-US" altLang="zh-CN" b="1" dirty="0"/>
+              <a:t>(</a:t>
+            </a:r>
+            <a:r>
+              <a:rPr lang="en-US" altLang="zh-CN" dirty="0" err="1"/>
+              <a:t>int</a:t>
+            </a:r>
+            <a:r>
+              <a:rPr lang="en-US" altLang="zh-CN" dirty="0"/>
+              <a:t> </a:t>
+            </a:r>
+            <a:r>
+              <a:rPr lang="en-US" altLang="zh-CN" dirty="0" err="1"/>
+              <a:t>i</a:t>
+            </a:r>
+            <a:r>
+              <a:rPr lang="en-US" altLang="zh-CN" dirty="0"/>
+              <a:t> </a:t>
+            </a:r>
+            <a:r>
+              <a:rPr lang="en-US" altLang="zh-CN" b="1" dirty="0"/>
+              <a:t>=</a:t>
+            </a:r>
+            <a:r>
+              <a:rPr lang="en-US" altLang="zh-CN" dirty="0"/>
+              <a:t> 0</a:t>
+            </a:r>
+            <a:r>
+              <a:rPr lang="en-US" altLang="zh-CN" b="1" dirty="0"/>
+              <a:t>;</a:t>
+            </a:r>
+            <a:r>
+              <a:rPr lang="en-US" altLang="zh-CN" dirty="0"/>
+              <a:t> </a:t>
+            </a:r>
+            <a:r>
+              <a:rPr lang="en-US" altLang="zh-CN" dirty="0" err="1"/>
+              <a:t>i</a:t>
+            </a:r>
+            <a:r>
+              <a:rPr lang="en-US" altLang="zh-CN" dirty="0"/>
+              <a:t> </a:t>
+            </a:r>
+            <a:r>
+              <a:rPr lang="en-US" altLang="zh-CN" b="1" dirty="0"/>
+              <a:t>&lt;</a:t>
+            </a:r>
+            <a:r>
+              <a:rPr lang="en-US" altLang="zh-CN" dirty="0"/>
+              <a:t> </a:t>
+            </a:r>
+            <a:r>
+              <a:rPr lang="en-US" altLang="zh-CN" b="1" dirty="0" err="1"/>
+              <a:t>sizeof</a:t>
+            </a:r>
+            <a:r>
+              <a:rPr lang="en-US" altLang="zh-CN" b="1" dirty="0"/>
+              <a:t>(</a:t>
+            </a:r>
+            <a:r>
+              <a:rPr lang="en-US" altLang="zh-CN" dirty="0"/>
+              <a:t>string</a:t>
+            </a:r>
+            <a:r>
+              <a:rPr lang="en-US" altLang="zh-CN" b="1" dirty="0"/>
+              <a:t>);</a:t>
+            </a:r>
+            <a:r>
+              <a:rPr lang="en-US" altLang="zh-CN" dirty="0"/>
+              <a:t> </a:t>
+            </a:r>
+            <a:r>
+              <a:rPr lang="en-US" altLang="zh-CN" dirty="0" err="1"/>
+              <a:t>i</a:t>
+            </a:r>
+            <a:r>
+              <a:rPr lang="en-US" altLang="zh-CN" b="1" dirty="0"/>
+              <a:t>++)</a:t>
+            </a:r>
+            <a:endParaRPr lang="zh-CN" altLang="zh-CN" dirty="0"/>
+          </a:p>
+          <a:p>
+            <a:r>
+              <a:rPr lang="en-US" altLang="zh-CN" dirty="0"/>
+              <a:t>        </a:t>
+            </a:r>
+            <a:r>
+              <a:rPr lang="en-US" altLang="zh-CN" dirty="0" err="1"/>
+              <a:t>printf</a:t>
+            </a:r>
+            <a:r>
+              <a:rPr lang="en-US" altLang="zh-CN" b="1" dirty="0"/>
+              <a:t>(</a:t>
+            </a:r>
+            <a:r>
+              <a:rPr lang="en-US" altLang="zh-CN" dirty="0"/>
+              <a:t>"%c"</a:t>
+            </a:r>
+            <a:r>
+              <a:rPr lang="en-US" altLang="zh-CN" b="1" dirty="0"/>
+              <a:t>,</a:t>
+            </a:r>
+            <a:r>
+              <a:rPr lang="en-US" altLang="zh-CN" dirty="0"/>
+              <a:t> string</a:t>
+            </a:r>
+            <a:r>
+              <a:rPr lang="en-US" altLang="zh-CN" b="1" dirty="0"/>
+              <a:t>[</a:t>
+            </a:r>
+            <a:r>
+              <a:rPr lang="en-US" altLang="zh-CN" dirty="0" err="1"/>
+              <a:t>i</a:t>
+            </a:r>
+            <a:r>
+              <a:rPr lang="en-US" altLang="zh-CN" b="1" dirty="0"/>
+              <a:t>]);</a:t>
+            </a:r>
+            <a:endParaRPr lang="zh-CN" altLang="zh-CN" dirty="0"/>
+          </a:p>
+          <a:p>
+            <a:r>
+              <a:rPr lang="zh-CN" altLang="zh-CN" dirty="0"/>
+              <a:t>然而，我们不能修改每个元素的值，比如执行</a:t>
+            </a:r>
+            <a:r>
+              <a:rPr lang="en-US" altLang="zh-CN" dirty="0"/>
+              <a:t>string[0] = ‘N’</a:t>
+            </a:r>
+            <a:r>
+              <a:rPr lang="zh-CN" altLang="zh-CN" dirty="0"/>
+              <a:t>，程序在运行时会产生错误。因为</a:t>
+            </a:r>
+            <a:r>
+              <a:rPr lang="en-US" altLang="zh-CN" dirty="0"/>
+              <a:t>"Game"</a:t>
+            </a:r>
+            <a:r>
+              <a:rPr lang="zh-CN" altLang="zh-CN" dirty="0"/>
+              <a:t>是一个字符串常量，</a:t>
+            </a:r>
+            <a:r>
+              <a:rPr lang="en-US" altLang="zh-CN" dirty="0"/>
+              <a:t>string</a:t>
+            </a:r>
+            <a:r>
+              <a:rPr lang="zh-CN" altLang="zh-CN" dirty="0"/>
+              <a:t>指针仅是指向了它，我们无法对一个常量进行修改。</a:t>
+            </a:r>
+          </a:p>
+          <a:p>
+            <a:endParaRPr lang="zh-CN" altLang="en-US" dirty="0"/>
+          </a:p>
+        </p:txBody>
+      </p:sp>
+    </p:spTree>
+    <p:extLst>
+      <p:ext uri="{BB962C8B-B14F-4D97-AF65-F5344CB8AC3E}">
+        <p14:creationId xmlns:p14="http://schemas.microsoft.com/office/powerpoint/2010/main" val="2388467367"/>
+      </p:ext>
+    </p:extLst>
+  </p:cSld>
+  <p:clrMapOvr>
+    <a:masterClrMapping/>
+  </p:clrMapOvr>
+</p:sld>
+</file>
+
+<file path=ppt/slides/slide9.xml><?xml version="1.0" encoding="utf-8"?>
+<p:sld xmlns:a="http://schemas.openxmlformats.org/drawingml/2006/main" xmlns:r="http://schemas.openxmlformats.org/officeDocument/2006/relationships" xmlns:p="http://schemas.openxmlformats.org/presentationml/2006/main">
+  <p:cSld>
+    <p:spTree>
+      <p:nvGrpSpPr>
+        <p:cNvPr id="1" name=""/>
+        <p:cNvGrpSpPr/>
+        <p:nvPr/>
+      </p:nvGrpSpPr>
+      <p:grpSpPr>
+        <a:xfrm>
+          <a:off x="0" y="0"/>
+          <a:ext cx="0" cy="0"/>
+          <a:chOff x="0" y="0"/>
+          <a:chExt cx="0" cy="0"/>
+        </a:xfrm>
+      </p:grpSpPr>
+      <p:sp>
+        <p:nvSpPr>
+          <p:cNvPr id="2" name="标题 1"/>
+          <p:cNvSpPr>
+            <a:spLocks noGrp="1"/>
+          </p:cNvSpPr>
+          <p:nvPr>
+            <p:ph type="title"/>
+          </p:nvPr>
+        </p:nvSpPr>
+        <p:spPr/>
+        <p:txBody>
+          <a:bodyPr>
+            <a:normAutofit/>
+          </a:bodyPr>
+          <a:lstStyle/>
+          <a:p>
+            <a:r>
+              <a:rPr lang="zh-CN" altLang="en-US" dirty="0"/>
+              <a:t>字符串的</a:t>
+            </a:r>
+            <a:r>
+              <a:rPr lang="zh-CN" altLang="en-US" dirty="0" smtClean="0"/>
+              <a:t>输入输出</a:t>
+            </a:r>
+            <a:endParaRPr lang="zh-CN" altLang="en-US" dirty="0"/>
+          </a:p>
+        </p:txBody>
+      </p:sp>
+      <p:sp>
+        <p:nvSpPr>
+          <p:cNvPr id="3" name="内容占位符 2"/>
+          <p:cNvSpPr>
+            <a:spLocks noGrp="1"/>
+          </p:cNvSpPr>
+          <p:nvPr>
+            <p:ph idx="1"/>
+          </p:nvPr>
+        </p:nvSpPr>
+        <p:spPr/>
+        <p:txBody>
+          <a:bodyPr>
+            <a:normAutofit fontScale="85000" lnSpcReduction="20000"/>
+          </a:bodyPr>
+          <a:lstStyle/>
+          <a:p>
+            <a:r>
+              <a:rPr lang="zh-CN" altLang="zh-CN" dirty="0" smtClean="0"/>
+              <a:t>在</a:t>
+            </a:r>
+            <a:r>
+              <a:rPr lang="en-US" altLang="zh-CN" dirty="0"/>
+              <a:t>C</a:t>
+            </a:r>
+            <a:r>
+              <a:rPr lang="zh-CN" altLang="zh-CN" dirty="0"/>
+              <a:t>语言中，并没有单独的字符串类型，字符串都是通过字符组合来表示的</a:t>
+            </a:r>
+            <a:r>
+              <a:rPr lang="zh-CN" altLang="zh-CN" dirty="0" smtClean="0"/>
+              <a:t>。</a:t>
+            </a:r>
+            <a:endParaRPr lang="en-US" altLang="zh-CN" dirty="0" smtClean="0"/>
+          </a:p>
+          <a:p>
+            <a:r>
+              <a:rPr lang="zh-CN" altLang="zh-CN" dirty="0" smtClean="0"/>
+              <a:t>因此</a:t>
+            </a:r>
+            <a:r>
+              <a:rPr lang="zh-CN" altLang="zh-CN" dirty="0"/>
+              <a:t>可以采用逐字符和整体两种方式，对字符串进行输出</a:t>
+            </a:r>
+            <a:r>
+              <a:rPr lang="zh-CN" altLang="zh-CN" dirty="0" smtClean="0"/>
+              <a:t>。</a:t>
+            </a:r>
+            <a:endParaRPr lang="en-US" altLang="zh-CN" dirty="0" smtClean="0"/>
+          </a:p>
+          <a:p>
+            <a:pPr lvl="1"/>
+            <a:r>
+              <a:rPr lang="zh-CN" altLang="zh-CN" dirty="0" smtClean="0"/>
+              <a:t>将</a:t>
+            </a:r>
+            <a:r>
+              <a:rPr lang="zh-CN" altLang="zh-CN" dirty="0"/>
+              <a:t>字符串中每个字符逐个输出可以最终表现为输出字符串；而通过</a:t>
+            </a:r>
+            <a:r>
+              <a:rPr lang="en-US" altLang="zh-CN" dirty="0"/>
+              <a:t>%s</a:t>
+            </a:r>
+            <a:r>
+              <a:rPr lang="zh-CN" altLang="zh-CN" dirty="0"/>
+              <a:t>这种格式化方式则可以直接输出整个字符串。</a:t>
+            </a:r>
+          </a:p>
+          <a:p>
+            <a:r>
+              <a:rPr lang="zh-CN" altLang="zh-CN" dirty="0"/>
+              <a:t>需要注意的是，当采用字符数组来存储字符串的时候，输出的字符串中并不包含字符串结束标志字符。</a:t>
+            </a:r>
+          </a:p>
+          <a:p>
+            <a:endParaRPr lang="zh-CN" altLang="en-US" dirty="0"/>
+          </a:p>
+        </p:txBody>
+      </p:sp>
+    </p:spTree>
+    <p:extLst>
+      <p:ext uri="{BB962C8B-B14F-4D97-AF65-F5344CB8AC3E}">
+        <p14:creationId xmlns:p14="http://schemas.microsoft.com/office/powerpoint/2010/main" val="1417208769"/>
+      </p:ext>
+    </p:extLst>
+  </p:cSld>
+  <p:clrMapOvr>
+    <a:masterClrMapping/>
+  </p:clrMapOvr>
+</p:sld>
+</file>
+
 <file path=ppt/theme/theme1.xml><?xml version="1.0" encoding="utf-8"?>
-<a:theme xmlns:a="http://schemas.openxmlformats.org/drawingml/2006/main" name="Office 主题">
+<a:theme xmlns:a="http://schemas.openxmlformats.org/drawingml/2006/main" name="凤舞九天">
   <a:themeElements>
-    <a:clrScheme name="Office">
+    <a:clrScheme name="凤舞九天">
       <a:dk1>
         <a:sysClr val="windowText" lastClr="000000"/>
       </a:dk1>
@@ -3254,43 +8031,78 @@
         <a:sysClr val="window" lastClr="FFFFFF"/>
       </a:lt1>
       <a:dk2>
-        <a:srgbClr val="1F497D"/>
+        <a:srgbClr val="004646"/>
       </a:dk2>
       <a:lt2>
-        <a:srgbClr val="EEECE1"/>
+        <a:srgbClr val="E1F0FF"/>
       </a:lt2>
       <a:accent1>
-        <a:srgbClr val="4F81BD"/>
+        <a:srgbClr val="50742F"/>
       </a:accent1>
       <a:accent2>
-        <a:srgbClr val="C0504D"/>
+        <a:srgbClr val="268868"/>
       </a:accent2>
       <a:accent3>
-        <a:srgbClr val="9BBB59"/>
+        <a:srgbClr val="33BD56"/>
       </a:accent3>
       <a:accent4>
-        <a:srgbClr val="8064A2"/>
+        <a:srgbClr val="4BC5B9"/>
       </a:accent4>
       <a:accent5>
-        <a:srgbClr val="4BACC6"/>
+        <a:srgbClr val="3163CA"/>
       </a:accent5>
       <a:accent6>
-        <a:srgbClr val="F79646"/>
+        <a:srgbClr val="4B14AA"/>
       </a:accent6>
       <a:hlink>
-        <a:srgbClr val="0000FF"/>
+        <a:srgbClr val="D9BE02"/>
       </a:hlink>
       <a:folHlink>
-        <a:srgbClr val="800080"/>
+        <a:srgbClr val="F900F9"/>
       </a:folHlink>
     </a:clrScheme>
-    <a:fontScheme name="Office">
+    <a:fontScheme name="凤舞九天">
       <a:majorFont>
-        <a:latin typeface="Calibri"/>
+        <a:latin typeface="Footlight MT Light"/>
         <a:ea typeface=""/>
         <a:cs typeface=""/>
         <a:font script="Jpan" typeface="ＭＳ Ｐゴシック"/>
         <a:font script="Hang" typeface="맑은 고딕"/>
+        <a:font script="Hans" typeface="华文新魏"/>
+        <a:font script="Hant" typeface="微軟正黑體"/>
+        <a:font script="Arab" typeface="Arial"/>
+        <a:font script="Hebr" typeface="Arial"/>
+        <a:font script="Thai" typeface="Cordia New"/>
+        <a:font script="Ethi" typeface="Nyala"/>
+        <a:font script="Beng" typeface="Vrinda"/>
+        <a:font script="Gujr" typeface="Shruti"/>
+        <a:font script="Khmr" typeface="DaunPenh"/>
+        <a:font script="Knda" typeface="Tunga"/>
+        <a:font script="Guru" typeface="Raavi"/>
+        <a:font script="Cans" typeface="Euphemia"/>
+        <a:font script="Cher" typeface="Plantagenet Cherokee"/>
+        <a:font script="Yiii" typeface="Microsoft Yi Baiti"/>
+        <a:font script="Tibt" typeface="Microsoft Himalaya"/>
+        <a:font script="Thaa" typeface="MV Boli"/>
+        <a:font script="Deva" typeface="Mangal"/>
+        <a:font script="Telu" typeface="Gautami"/>
+        <a:font script="Taml" typeface="Latha"/>
+        <a:font script="Syrc" typeface="Estrangelo Edessa"/>
+        <a:font script="Orya" typeface="Kalinga"/>
+        <a:font script="Mlym" typeface="Kartika"/>
+        <a:font script="Laoo" typeface="DokChampa"/>
+        <a:font script="Sinh" typeface="Iskoola Pota"/>
+        <a:font script="Mong" typeface="Mongolian Baiti"/>
+        <a:font script="Viet" typeface="Arial"/>
+        <a:font script="Uigh" typeface="Microsoft Uighur"/>
+        <a:font script="Geor" typeface="Sylfaen"/>
+      </a:majorFont>
+      <a:minorFont>
+        <a:latin typeface="Goudy Old Style"/>
+        <a:ea typeface=""/>
+        <a:cs typeface=""/>
+        <a:font script="Jpan" typeface="ＭＳ Ｐ明朝"/>
+        <a:font script="Hang" typeface="HY견명조"/>
         <a:font script="Hans" typeface="宋体"/>
         <a:font script="Hant" typeface="新細明體"/>
         <a:font script="Arab" typeface="Times New Roman"/>
@@ -3318,101 +8130,70 @@
         <a:font script="Mong" typeface="Mongolian Baiti"/>
         <a:font script="Viet" typeface="Times New Roman"/>
         <a:font script="Uigh" typeface="Microsoft Uighur"/>
-      </a:majorFont>
-      <a:minorFont>
-        <a:latin typeface="Calibri"/>
-        <a:ea typeface=""/>
-        <a:cs typeface=""/>
-        <a:font script="Jpan" typeface="ＭＳ Ｐゴシック"/>
-        <a:font script="Hang" typeface="맑은 고딕"/>
-        <a:font script="Hans" typeface="宋体"/>
-        <a:font script="Hant" typeface="新細明體"/>
-        <a:font script="Arab" typeface="Arial"/>
-        <a:font script="Hebr" typeface="Arial"/>
-        <a:font script="Thai" typeface="Cordia New"/>
-        <a:font script="Ethi" typeface="Nyala"/>
-        <a:font script="Beng" typeface="Vrinda"/>
-        <a:font script="Gujr" typeface="Shruti"/>
-        <a:font script="Khmr" typeface="DaunPenh"/>
-        <a:font script="Knda" typeface="Tunga"/>
-        <a:font script="Guru" typeface="Raavi"/>
-        <a:font script="Cans" typeface="Euphemia"/>
-        <a:font script="Cher" typeface="Plantagenet Cherokee"/>
-        <a:font script="Yiii" typeface="Microsoft Yi Baiti"/>
-        <a:font script="Tibt" typeface="Microsoft Himalaya"/>
-        <a:font script="Thaa" typeface="MV Boli"/>
-        <a:font script="Deva" typeface="Mangal"/>
-        <a:font script="Telu" typeface="Gautami"/>
-        <a:font script="Taml" typeface="Latha"/>
-        <a:font script="Syrc" typeface="Estrangelo Edessa"/>
-        <a:font script="Orya" typeface="Kalinga"/>
-        <a:font script="Mlym" typeface="Kartika"/>
-        <a:font script="Laoo" typeface="DokChampa"/>
-        <a:font script="Sinh" typeface="Iskoola Pota"/>
-        <a:font script="Mong" typeface="Mongolian Baiti"/>
-        <a:font script="Viet" typeface="Arial"/>
-        <a:font script="Uigh" typeface="Microsoft Uighur"/>
+        <a:font script="Geor" typeface="Sylfaen"/>
       </a:minorFont>
     </a:fontScheme>
-    <a:fmtScheme name="Office">
+    <a:fmtScheme name="凤舞九天">
       <a:fillStyleLst>
         <a:solidFill>
-          <a:schemeClr val="phClr"/>
+          <a:schemeClr val="phClr">
+            <a:tint val="100000"/>
+            <a:shade val="100000"/>
+            <a:hueMod val="100000"/>
+            <a:satMod val="100000"/>
+          </a:schemeClr>
         </a:solidFill>
         <a:gradFill rotWithShape="1">
           <a:gsLst>
             <a:gs pos="0">
               <a:schemeClr val="phClr">
-                <a:tint val="50000"/>
-                <a:satMod val="300000"/>
+                <a:tint val="65000"/>
+                <a:satMod val="180000"/>
               </a:schemeClr>
             </a:gs>
-            <a:gs pos="35000">
+            <a:gs pos="50000">
               <a:schemeClr val="phClr">
-                <a:tint val="37000"/>
-                <a:satMod val="300000"/>
+                <a:tint val="40000"/>
+                <a:satMod val="175000"/>
               </a:schemeClr>
             </a:gs>
             <a:gs pos="100000">
               <a:schemeClr val="phClr">
-                <a:tint val="15000"/>
-                <a:satMod val="350000"/>
+                <a:tint val="65000"/>
+                <a:satMod val="180000"/>
               </a:schemeClr>
             </a:gs>
           </a:gsLst>
-          <a:lin ang="16200000" scaled="1"/>
+          <a:lin ang="0" scaled="1"/>
         </a:gradFill>
         <a:gradFill rotWithShape="1">
           <a:gsLst>
             <a:gs pos="0">
               <a:schemeClr val="phClr">
-                <a:shade val="51000"/>
-                <a:satMod val="130000"/>
+                <a:shade val="38000"/>
+                <a:satMod val="150000"/>
               </a:schemeClr>
             </a:gs>
-            <a:gs pos="80000">
+            <a:gs pos="50000">
               <a:schemeClr val="phClr">
-                <a:shade val="93000"/>
-                <a:satMod val="130000"/>
+                <a:shade val="100000"/>
+                <a:satMod val="100000"/>
               </a:schemeClr>
             </a:gs>
             <a:gs pos="100000">
               <a:schemeClr val="phClr">
-                <a:shade val="94000"/>
-                <a:satMod val="135000"/>
+                <a:shade val="38000"/>
+                <a:satMod val="150000"/>
               </a:schemeClr>
             </a:gs>
           </a:gsLst>
-          <a:lin ang="16200000" scaled="0"/>
+          <a:lin ang="0" scaled="1"/>
         </a:gradFill>
       </a:fillStyleLst>
       <a:lnStyleLst>
-        <a:ln w="9525" cap="flat" cmpd="sng" algn="ctr">
+        <a:ln w="12700" cap="flat" cmpd="sng" algn="ctr">
           <a:solidFill>
-            <a:schemeClr val="phClr">
-              <a:shade val="95000"/>
-              <a:satMod val="105000"/>
-            </a:schemeClr>
+            <a:schemeClr val="phClr"/>
           </a:solidFill>
           <a:prstDash val="solid"/>
         </a:ln>
@@ -3422,7 +8203,7 @@
           </a:solidFill>
           <a:prstDash val="solid"/>
         </a:ln>
-        <a:ln w="38100" cap="flat" cmpd="sng" algn="ctr">
+        <a:ln w="38100" cap="flat" cmpd="dbl" algn="ctr">
           <a:solidFill>
             <a:schemeClr val="phClr"/>
           </a:solidFill>
@@ -3432,92 +8213,96 @@
       <a:effectStyleLst>
         <a:effectStyle>
           <a:effectLst>
-            <a:outerShdw blurRad="40000" dist="20000" dir="5400000" rotWithShape="0">
+            <a:outerShdw blurRad="190500" dist="78600" dir="2700000" rotWithShape="0">
               <a:srgbClr val="000000">
-                <a:alpha val="38000"/>
+                <a:alpha val="35500"/>
               </a:srgbClr>
             </a:outerShdw>
           </a:effectLst>
         </a:effectStyle>
         <a:effectStyle>
           <a:effectLst>
-            <a:outerShdw blurRad="40000" dist="23000" dir="5400000" rotWithShape="0">
+            <a:outerShdw blurRad="190500" dist="78600" dir="2700000" rotWithShape="0">
               <a:srgbClr val="000000">
-                <a:alpha val="35000"/>
+                <a:alpha val="35500"/>
               </a:srgbClr>
             </a:outerShdw>
           </a:effectLst>
         </a:effectStyle>
         <a:effectStyle>
           <a:effectLst>
-            <a:outerShdw blurRad="40000" dist="23000" dir="5400000" rotWithShape="0">
+            <a:outerShdw blurRad="190500" dist="78600" dir="2700000" rotWithShape="0">
               <a:srgbClr val="000000">
-                <a:alpha val="35000"/>
+                <a:alpha val="35500"/>
               </a:srgbClr>
             </a:outerShdw>
           </a:effectLst>
           <a:scene3d>
-            <a:camera prst="orthographicFront">
+            <a:camera prst="orthographicFront" fov="0">
               <a:rot lat="0" lon="0" rev="0"/>
             </a:camera>
-            <a:lightRig rig="threePt" dir="t">
-              <a:rot lat="0" lon="0" rev="1200000"/>
+            <a:lightRig rig="soft" dir="tl">
+              <a:rot lat="0" lon="0" rev="20100000"/>
             </a:lightRig>
           </a:scene3d>
           <a:sp3d>
-            <a:bevelT w="63500" h="25400"/>
+            <a:bevelT w="50800" h="50800"/>
           </a:sp3d>
         </a:effectStyle>
       </a:effectStyleLst>
       <a:bgFillStyleLst>
         <a:solidFill>
-          <a:schemeClr val="phClr"/>
+          <a:schemeClr val="phClr">
+            <a:tint val="100000"/>
+            <a:shade val="100000"/>
+            <a:hueMod val="100000"/>
+            <a:satMod val="100000"/>
+          </a:schemeClr>
         </a:solidFill>
         <a:gradFill rotWithShape="1">
           <a:gsLst>
             <a:gs pos="0">
               <a:schemeClr val="phClr">
-                <a:tint val="40000"/>
-                <a:satMod val="350000"/>
+                <a:tint val="80000"/>
+                <a:satMod val="400000"/>
               </a:schemeClr>
             </a:gs>
-            <a:gs pos="40000">
+            <a:gs pos="25000">
               <a:schemeClr val="phClr">
-                <a:tint val="45000"/>
-                <a:shade val="99000"/>
-                <a:satMod val="350000"/>
-              </a:schemeClr>
-            </a:gs>
-            <a:gs pos="100000">
-              <a:schemeClr val="phClr">
-                <a:shade val="20000"/>
-                <a:satMod val="255000"/>
-              </a:schemeClr>
-            </a:gs>
-          </a:gsLst>
-          <a:path path="circle">
-            <a:fillToRect l="50000" t="-80000" r="50000" b="180000"/>
-          </a:path>
-        </a:gradFill>
-        <a:gradFill rotWithShape="1">
-          <a:gsLst>
-            <a:gs pos="0">
-              <a:schemeClr val="phClr">
-                <a:tint val="80000"/>
+                <a:tint val="83000"/>
                 <a:satMod val="300000"/>
               </a:schemeClr>
             </a:gs>
             <a:gs pos="100000">
               <a:schemeClr val="phClr">
-                <a:shade val="30000"/>
-                <a:satMod val="200000"/>
+                <a:shade val="15000"/>
+                <a:satMod val="300000"/>
               </a:schemeClr>
             </a:gs>
           </a:gsLst>
           <a:path path="circle">
-            <a:fillToRect l="50000" t="50000" r="50000" b="50000"/>
+            <a:fillToRect l="10000" t="180000" r="10000" b="50000"/>
           </a:path>
         </a:gradFill>
+        <a:blipFill>
+          <a:blip xmlns:r="http://schemas.openxmlformats.org/officeDocument/2006/relationships" r:embed="rId1">
+            <a:duotone>
+              <a:schemeClr val="phClr">
+                <a:tint val="100000"/>
+                <a:shade val="70000"/>
+                <a:hueMod val="100000"/>
+                <a:satMod val="100000"/>
+              </a:schemeClr>
+              <a:schemeClr val="phClr">
+                <a:tint val="90000"/>
+                <a:shade val="100000"/>
+                <a:hueMod val="100000"/>
+                <a:satMod val="100000"/>
+              </a:schemeClr>
+            </a:duotone>
+          </a:blip>
+          <a:tile tx="0" ty="0" sx="50000" sy="50000" flip="x" algn="tl"/>
+        </a:blipFill>
       </a:bgFillStyleLst>
     </a:fmtScheme>
   </a:themeElements>
